--- a/Slides/Ders 0.pptx
+++ b/Slides/Ders 0.pptx
@@ -8,6 +8,12 @@
     <p:sldId id="256" r:id="rId2"/>
     <p:sldId id="258" r:id="rId3"/>
     <p:sldId id="259" r:id="rId4"/>
+    <p:sldId id="260" r:id="rId5"/>
+    <p:sldId id="261" r:id="rId6"/>
+    <p:sldId id="262" r:id="rId7"/>
+    <p:sldId id="263" r:id="rId8"/>
+    <p:sldId id="264" r:id="rId9"/>
+    <p:sldId id="265" r:id="rId10"/>
   </p:sldIdLst>
   <p:sldSz cx="9144000" cy="6858000" type="screen4x3"/>
   <p:notesSz cx="6858000" cy="9144000"/>
@@ -3441,19 +3447,19 @@
             </a:r>
             <a:r>
               <a:rPr lang="tr-TR" dirty="0" err="1"/>
-              <a:t>İbuzem</a:t>
-            </a:r>
-            <a:r>
-              <a:rPr lang="tr-TR" dirty="0"/>
-              <a:t>/</a:t>
-            </a:r>
-            <a:r>
-              <a:rPr lang="tr-TR" dirty="0" err="1"/>
               <a:t>übys</a:t>
             </a:r>
             <a:r>
               <a:rPr lang="tr-TR" dirty="0"/>
-              <a:t> sayfası</a:t>
+              <a:t> sayfası (</a:t>
+            </a:r>
+            <a:r>
+              <a:rPr lang="tr-TR" b="1" dirty="0"/>
+              <a:t>haftada en az 2 kez kontrol edilmelidir</a:t>
+            </a:r>
+            <a:r>
+              <a:rPr lang="tr-TR" dirty="0"/>
+              <a:t>)</a:t>
             </a:r>
           </a:p>
           <a:p>
@@ -3493,6 +3499,1323 @@
     <p:extLst>
       <p:ext uri="{BB962C8B-B14F-4D97-AF65-F5344CB8AC3E}">
         <p14:creationId xmlns:p14="http://schemas.microsoft.com/office/powerpoint/2010/main" val="901123034"/>
+      </p:ext>
+    </p:extLst>
+  </p:cSld>
+  <p:clrMapOvr>
+    <a:masterClrMapping/>
+  </p:clrMapOvr>
+</p:sld>
+</file>
+
+<file path=ppt/slides/slide4.xml><?xml version="1.0" encoding="utf-8"?>
+<p:sld xmlns:a="http://schemas.openxmlformats.org/drawingml/2006/main" xmlns:r="http://schemas.openxmlformats.org/officeDocument/2006/relationships" xmlns:p="http://schemas.openxmlformats.org/presentationml/2006/main">
+  <p:cSld>
+    <p:spTree>
+      <p:nvGrpSpPr>
+        <p:cNvPr id="1" name=""/>
+        <p:cNvGrpSpPr/>
+        <p:nvPr/>
+      </p:nvGrpSpPr>
+      <p:grpSpPr>
+        <a:xfrm>
+          <a:off x="0" y="0"/>
+          <a:ext cx="0" cy="0"/>
+          <a:chOff x="0" y="0"/>
+          <a:chExt cx="0" cy="0"/>
+        </a:xfrm>
+      </p:grpSpPr>
+      <p:sp>
+        <p:nvSpPr>
+          <p:cNvPr id="2" name="Title 1">
+            <a:extLst>
+              <a:ext uri="{FF2B5EF4-FFF2-40B4-BE49-F238E27FC236}">
+                <a16:creationId xmlns:a16="http://schemas.microsoft.com/office/drawing/2014/main" id="{565A2D4A-F519-9A8A-AA88-2A32EBF1E56E}"/>
+              </a:ext>
+            </a:extLst>
+          </p:cNvPr>
+          <p:cNvSpPr>
+            <a:spLocks noGrp="1"/>
+          </p:cNvSpPr>
+          <p:nvPr>
+            <p:ph type="title"/>
+          </p:nvPr>
+        </p:nvSpPr>
+        <p:spPr/>
+        <p:txBody>
+          <a:bodyPr/>
+          <a:lstStyle/>
+          <a:p>
+            <a:r>
+              <a:rPr lang="tr-TR" dirty="0" err="1"/>
+              <a:t>Veritabanı</a:t>
+            </a:r>
+            <a:r>
+              <a:rPr lang="tr-TR" dirty="0"/>
+              <a:t> (Database) </a:t>
+            </a:r>
+          </a:p>
+        </p:txBody>
+      </p:sp>
+      <p:sp>
+        <p:nvSpPr>
+          <p:cNvPr id="3" name="Content Placeholder 2">
+            <a:extLst>
+              <a:ext uri="{FF2B5EF4-FFF2-40B4-BE49-F238E27FC236}">
+                <a16:creationId xmlns:a16="http://schemas.microsoft.com/office/drawing/2014/main" id="{B70F7267-5512-BE81-26A4-0864810BE20B}"/>
+              </a:ext>
+            </a:extLst>
+          </p:cNvPr>
+          <p:cNvSpPr>
+            <a:spLocks noGrp="1"/>
+          </p:cNvSpPr>
+          <p:nvPr>
+            <p:ph idx="1"/>
+          </p:nvPr>
+        </p:nvSpPr>
+        <p:spPr/>
+        <p:txBody>
+          <a:bodyPr/>
+          <a:lstStyle/>
+          <a:p>
+            <a:r>
+              <a:rPr lang="tr-TR" dirty="0"/>
+              <a:t>Organize edilmiş ve yapılandırılmış verinin depolandığı özel yazılımlardır.</a:t>
+            </a:r>
+          </a:p>
+          <a:p>
+            <a:r>
+              <a:rPr lang="tr-TR" dirty="0"/>
+              <a:t>Dijital veri miktarı artışıyla birlikte ihtiyaç duyulmuştur.</a:t>
+            </a:r>
+          </a:p>
+          <a:p>
+            <a:r>
+              <a:rPr lang="tr-TR" dirty="0"/>
+              <a:t>Düz dosyalarda veri saklamak ve saklanan veriyi yönetmekten çok daha kullanışlıdırlar.</a:t>
+            </a:r>
+          </a:p>
+          <a:p>
+            <a:r>
+              <a:rPr lang="tr-TR" dirty="0"/>
+              <a:t>Mevcut veriler hızlı bir şekilde sorgulanabilir, güncellenebilir, silinebilir, …</a:t>
+            </a:r>
+          </a:p>
+        </p:txBody>
+      </p:sp>
+      <p:sp>
+        <p:nvSpPr>
+          <p:cNvPr id="4" name="Can 3">
+            <a:extLst>
+              <a:ext uri="{FF2B5EF4-FFF2-40B4-BE49-F238E27FC236}">
+                <a16:creationId xmlns:a16="http://schemas.microsoft.com/office/drawing/2014/main" id="{A7E88CC8-A9BB-14B8-884A-988F866E86EB}"/>
+              </a:ext>
+            </a:extLst>
+          </p:cNvPr>
+          <p:cNvSpPr/>
+          <p:nvPr/>
+        </p:nvSpPr>
+        <p:spPr>
+          <a:xfrm>
+            <a:off x="6770915" y="521721"/>
+            <a:ext cx="1240972" cy="1012371"/>
+          </a:xfrm>
+          <a:prstGeom prst="can">
+            <a:avLst/>
+          </a:prstGeom>
+        </p:spPr>
+        <p:style>
+          <a:lnRef idx="2">
+            <a:schemeClr val="accent1">
+              <a:shade val="50000"/>
+            </a:schemeClr>
+          </a:lnRef>
+          <a:fillRef idx="1">
+            <a:schemeClr val="accent1"/>
+          </a:fillRef>
+          <a:effectRef idx="0">
+            <a:schemeClr val="accent1"/>
+          </a:effectRef>
+          <a:fontRef idx="minor">
+            <a:schemeClr val="lt1"/>
+          </a:fontRef>
+        </p:style>
+        <p:txBody>
+          <a:bodyPr rtlCol="0" anchor="ctr"/>
+          <a:lstStyle/>
+          <a:p>
+            <a:pPr algn="ctr"/>
+            <a:r>
+              <a:rPr lang="tr-TR" dirty="0"/>
+              <a:t>DB</a:t>
+            </a:r>
+          </a:p>
+        </p:txBody>
+      </p:sp>
+    </p:spTree>
+    <p:extLst>
+      <p:ext uri="{BB962C8B-B14F-4D97-AF65-F5344CB8AC3E}">
+        <p14:creationId xmlns:p14="http://schemas.microsoft.com/office/powerpoint/2010/main" val="2650959478"/>
+      </p:ext>
+    </p:extLst>
+  </p:cSld>
+  <p:clrMapOvr>
+    <a:masterClrMapping/>
+  </p:clrMapOvr>
+</p:sld>
+</file>
+
+<file path=ppt/slides/slide5.xml><?xml version="1.0" encoding="utf-8"?>
+<p:sld xmlns:a="http://schemas.openxmlformats.org/drawingml/2006/main" xmlns:r="http://schemas.openxmlformats.org/officeDocument/2006/relationships" xmlns:p="http://schemas.openxmlformats.org/presentationml/2006/main">
+  <p:cSld>
+    <p:spTree>
+      <p:nvGrpSpPr>
+        <p:cNvPr id="1" name=""/>
+        <p:cNvGrpSpPr/>
+        <p:nvPr/>
+      </p:nvGrpSpPr>
+      <p:grpSpPr>
+        <a:xfrm>
+          <a:off x="0" y="0"/>
+          <a:ext cx="0" cy="0"/>
+          <a:chOff x="0" y="0"/>
+          <a:chExt cx="0" cy="0"/>
+        </a:xfrm>
+      </p:grpSpPr>
+      <p:sp>
+        <p:nvSpPr>
+          <p:cNvPr id="2" name="Title 1">
+            <a:extLst>
+              <a:ext uri="{FF2B5EF4-FFF2-40B4-BE49-F238E27FC236}">
+                <a16:creationId xmlns:a16="http://schemas.microsoft.com/office/drawing/2014/main" id="{22CAE3E7-476A-87DC-3693-28CA86D0721E}"/>
+              </a:ext>
+            </a:extLst>
+          </p:cNvPr>
+          <p:cNvSpPr>
+            <a:spLocks noGrp="1"/>
+          </p:cNvSpPr>
+          <p:nvPr>
+            <p:ph type="title"/>
+          </p:nvPr>
+        </p:nvSpPr>
+        <p:spPr/>
+        <p:txBody>
+          <a:bodyPr>
+            <a:normAutofit/>
+          </a:bodyPr>
+          <a:lstStyle/>
+          <a:p>
+            <a:r>
+              <a:rPr lang="tr-TR" sz="4000" dirty="0" err="1"/>
+              <a:t>Veritabanı</a:t>
+            </a:r>
+            <a:r>
+              <a:rPr lang="tr-TR" sz="4000" dirty="0"/>
+              <a:t> Yönetim Sistemi (DBMS)</a:t>
+            </a:r>
+          </a:p>
+        </p:txBody>
+      </p:sp>
+      <p:sp>
+        <p:nvSpPr>
+          <p:cNvPr id="3" name="Content Placeholder 2">
+            <a:extLst>
+              <a:ext uri="{FF2B5EF4-FFF2-40B4-BE49-F238E27FC236}">
+                <a16:creationId xmlns:a16="http://schemas.microsoft.com/office/drawing/2014/main" id="{D4E99816-0162-49E9-C12D-3BB5A0EA03BD}"/>
+              </a:ext>
+            </a:extLst>
+          </p:cNvPr>
+          <p:cNvSpPr>
+            <a:spLocks noGrp="1"/>
+          </p:cNvSpPr>
+          <p:nvPr>
+            <p:ph idx="1"/>
+          </p:nvPr>
+        </p:nvSpPr>
+        <p:spPr/>
+        <p:txBody>
+          <a:bodyPr>
+            <a:normAutofit/>
+          </a:bodyPr>
+          <a:lstStyle/>
+          <a:p>
+            <a:r>
+              <a:rPr lang="tr-TR" dirty="0" err="1"/>
+              <a:t>Veritabanı</a:t>
+            </a:r>
+            <a:r>
+              <a:rPr lang="tr-TR" dirty="0"/>
+              <a:t> yönetim sistemi, </a:t>
+            </a:r>
+            <a:r>
+              <a:rPr lang="tr-TR" dirty="0" err="1"/>
+              <a:t>veritabanlarını</a:t>
+            </a:r>
+            <a:r>
+              <a:rPr lang="tr-TR" dirty="0"/>
+              <a:t> oluşturmak ve yönetmek için kullanılan sistem yazılımıdır. </a:t>
+            </a:r>
+          </a:p>
+          <a:p>
+            <a:r>
+              <a:rPr lang="tr-TR" dirty="0"/>
+              <a:t>Bir DBMS, son kullanıcıların bir </a:t>
+            </a:r>
+            <a:r>
+              <a:rPr lang="tr-TR" dirty="0" err="1"/>
+              <a:t>veritabanındaki</a:t>
+            </a:r>
+            <a:r>
+              <a:rPr lang="tr-TR" dirty="0"/>
+              <a:t> verileri oluşturmasını, korumasını, okumasını, güncellemesini ve silmesini mümkün kılar. </a:t>
+            </a:r>
+          </a:p>
+          <a:p>
+            <a:r>
+              <a:rPr lang="tr-TR" dirty="0"/>
+              <a:t>DBMS temelde </a:t>
+            </a:r>
+            <a:r>
+              <a:rPr lang="tr-TR" dirty="0" err="1"/>
+              <a:t>veritabanları</a:t>
+            </a:r>
+            <a:r>
+              <a:rPr lang="tr-TR" dirty="0"/>
+              <a:t> ile kullanıcılar veya uygulama programları arasında bir arabirim görevi görerek verilerin tutarlı bir şekilde organize edilmesini ve kolayca erişilebilir kalmasını sağlar.</a:t>
+            </a:r>
+          </a:p>
+        </p:txBody>
+      </p:sp>
+    </p:spTree>
+    <p:extLst>
+      <p:ext uri="{BB962C8B-B14F-4D97-AF65-F5344CB8AC3E}">
+        <p14:creationId xmlns:p14="http://schemas.microsoft.com/office/powerpoint/2010/main" val="254412694"/>
+      </p:ext>
+    </p:extLst>
+  </p:cSld>
+  <p:clrMapOvr>
+    <a:masterClrMapping/>
+  </p:clrMapOvr>
+</p:sld>
+</file>
+
+<file path=ppt/slides/slide6.xml><?xml version="1.0" encoding="utf-8"?>
+<p:sld xmlns:a="http://schemas.openxmlformats.org/drawingml/2006/main" xmlns:r="http://schemas.openxmlformats.org/officeDocument/2006/relationships" xmlns:p="http://schemas.openxmlformats.org/presentationml/2006/main">
+  <p:cSld>
+    <p:spTree>
+      <p:nvGrpSpPr>
+        <p:cNvPr id="1" name=""/>
+        <p:cNvGrpSpPr/>
+        <p:nvPr/>
+      </p:nvGrpSpPr>
+      <p:grpSpPr>
+        <a:xfrm>
+          <a:off x="0" y="0"/>
+          <a:ext cx="0" cy="0"/>
+          <a:chOff x="0" y="0"/>
+          <a:chExt cx="0" cy="0"/>
+        </a:xfrm>
+      </p:grpSpPr>
+      <p:sp>
+        <p:nvSpPr>
+          <p:cNvPr id="2" name="Title 1">
+            <a:extLst>
+              <a:ext uri="{FF2B5EF4-FFF2-40B4-BE49-F238E27FC236}">
+                <a16:creationId xmlns:a16="http://schemas.microsoft.com/office/drawing/2014/main" id="{22CAE3E7-476A-87DC-3693-28CA86D0721E}"/>
+              </a:ext>
+            </a:extLst>
+          </p:cNvPr>
+          <p:cNvSpPr>
+            <a:spLocks noGrp="1"/>
+          </p:cNvSpPr>
+          <p:nvPr>
+            <p:ph type="title"/>
+          </p:nvPr>
+        </p:nvSpPr>
+        <p:spPr/>
+        <p:txBody>
+          <a:bodyPr>
+            <a:normAutofit/>
+          </a:bodyPr>
+          <a:lstStyle/>
+          <a:p>
+            <a:r>
+              <a:rPr lang="tr-TR" sz="4000" dirty="0" err="1"/>
+              <a:t>Veritabanı</a:t>
+            </a:r>
+            <a:r>
+              <a:rPr lang="tr-TR" sz="4000" dirty="0"/>
+              <a:t> Yönetim Sistemi (DBMS)</a:t>
+            </a:r>
+          </a:p>
+        </p:txBody>
+      </p:sp>
+      <p:sp>
+        <p:nvSpPr>
+          <p:cNvPr id="3" name="Content Placeholder 2">
+            <a:extLst>
+              <a:ext uri="{FF2B5EF4-FFF2-40B4-BE49-F238E27FC236}">
+                <a16:creationId xmlns:a16="http://schemas.microsoft.com/office/drawing/2014/main" id="{D4E99816-0162-49E9-C12D-3BB5A0EA03BD}"/>
+              </a:ext>
+            </a:extLst>
+          </p:cNvPr>
+          <p:cNvSpPr>
+            <a:spLocks noGrp="1"/>
+          </p:cNvSpPr>
+          <p:nvPr>
+            <p:ph idx="1"/>
+          </p:nvPr>
+        </p:nvSpPr>
+        <p:spPr/>
+        <p:txBody>
+          <a:bodyPr>
+            <a:normAutofit fontScale="92500" lnSpcReduction="20000"/>
+          </a:bodyPr>
+          <a:lstStyle/>
+          <a:p>
+            <a:r>
+              <a:rPr lang="tr-TR" dirty="0"/>
+              <a:t>Büyük veri: </a:t>
+            </a:r>
+            <a:r>
+              <a:rPr lang="tr-TR" dirty="0" err="1"/>
+              <a:t>RAM'lerin</a:t>
+            </a:r>
+            <a:r>
+              <a:rPr lang="tr-TR" dirty="0"/>
+              <a:t> kapasitesinin çok üstünde veri saklayabilme.</a:t>
+            </a:r>
+          </a:p>
+          <a:p>
+            <a:r>
+              <a:rPr lang="tr-TR" dirty="0"/>
+              <a:t>Kalıcı: Program kapansa da veriler saklanır.</a:t>
+            </a:r>
+          </a:p>
+          <a:p>
+            <a:r>
+              <a:rPr lang="tr-TR" dirty="0"/>
+              <a:t>Güvenli: Donanım, yazılım hatalarına karşı koruma.</a:t>
+            </a:r>
+          </a:p>
+          <a:p>
+            <a:r>
+              <a:rPr lang="tr-TR" dirty="0"/>
+              <a:t>Çok kullanıcı: Veriye birden çok uygulama erişebilir veriyi güncelleyebilir.</a:t>
+            </a:r>
+          </a:p>
+          <a:p>
+            <a:r>
+              <a:rPr lang="tr-TR" dirty="0"/>
+              <a:t>Pratik: Büyük miktarda veri üzerinde çalışmayı kolaylaştırırlar. Fiziksel veri bağımsızlığı. Üst seviye sorgulama dilleri (</a:t>
+            </a:r>
+            <a:r>
+              <a:rPr lang="tr-TR" dirty="0" err="1"/>
+              <a:t>declerative</a:t>
+            </a:r>
+            <a:r>
+              <a:rPr lang="tr-TR" dirty="0"/>
+              <a:t> - bildiren)</a:t>
+            </a:r>
+          </a:p>
+          <a:p>
+            <a:r>
+              <a:rPr lang="tr-TR" dirty="0"/>
+              <a:t>Verimli: Yüksek performans.</a:t>
+            </a:r>
+          </a:p>
+          <a:p>
+            <a:r>
+              <a:rPr lang="tr-TR" dirty="0"/>
+              <a:t>Güvenilir: %99.99999 ayakta kalma süresi (senede 3.16 saniye kullanılamaz)</a:t>
+            </a:r>
+          </a:p>
+        </p:txBody>
+      </p:sp>
+    </p:spTree>
+    <p:extLst>
+      <p:ext uri="{BB962C8B-B14F-4D97-AF65-F5344CB8AC3E}">
+        <p14:creationId xmlns:p14="http://schemas.microsoft.com/office/powerpoint/2010/main" val="687528713"/>
+      </p:ext>
+    </p:extLst>
+  </p:cSld>
+  <p:clrMapOvr>
+    <a:masterClrMapping/>
+  </p:clrMapOvr>
+</p:sld>
+</file>
+
+<file path=ppt/slides/slide7.xml><?xml version="1.0" encoding="utf-8"?>
+<p:sld xmlns:a="http://schemas.openxmlformats.org/drawingml/2006/main" xmlns:r="http://schemas.openxmlformats.org/officeDocument/2006/relationships" xmlns:p="http://schemas.openxmlformats.org/presentationml/2006/main">
+  <p:cSld>
+    <p:spTree>
+      <p:nvGrpSpPr>
+        <p:cNvPr id="1" name=""/>
+        <p:cNvGrpSpPr/>
+        <p:nvPr/>
+      </p:nvGrpSpPr>
+      <p:grpSpPr>
+        <a:xfrm>
+          <a:off x="0" y="0"/>
+          <a:ext cx="0" cy="0"/>
+          <a:chOff x="0" y="0"/>
+          <a:chExt cx="0" cy="0"/>
+        </a:xfrm>
+      </p:grpSpPr>
+      <p:sp>
+        <p:nvSpPr>
+          <p:cNvPr id="2" name="Title 1">
+            <a:extLst>
+              <a:ext uri="{FF2B5EF4-FFF2-40B4-BE49-F238E27FC236}">
+                <a16:creationId xmlns:a16="http://schemas.microsoft.com/office/drawing/2014/main" id="{8799006B-3544-E55E-037E-FF8029E25E78}"/>
+              </a:ext>
+            </a:extLst>
+          </p:cNvPr>
+          <p:cNvSpPr>
+            <a:spLocks noGrp="1"/>
+          </p:cNvSpPr>
+          <p:nvPr>
+            <p:ph type="title"/>
+          </p:nvPr>
+        </p:nvSpPr>
+        <p:spPr/>
+        <p:txBody>
+          <a:bodyPr/>
+          <a:lstStyle/>
+          <a:p>
+            <a:r>
+              <a:rPr lang="tr-TR" dirty="0"/>
+              <a:t>İlişkisel Veri Modeli</a:t>
+            </a:r>
+          </a:p>
+        </p:txBody>
+      </p:sp>
+      <p:graphicFrame>
+        <p:nvGraphicFramePr>
+          <p:cNvPr id="4" name="Table 4">
+            <a:extLst>
+              <a:ext uri="{FF2B5EF4-FFF2-40B4-BE49-F238E27FC236}">
+                <a16:creationId xmlns:a16="http://schemas.microsoft.com/office/drawing/2014/main" id="{066FE136-88F5-2493-1FEB-47ED99ADEBE7}"/>
+              </a:ext>
+            </a:extLst>
+          </p:cNvPr>
+          <p:cNvGraphicFramePr>
+            <a:graphicFrameLocks noGrp="1"/>
+          </p:cNvGraphicFramePr>
+          <p:nvPr>
+            <p:extLst>
+              <p:ext uri="{D42A27DB-BD31-4B8C-83A1-F6EECF244321}">
+                <p14:modId xmlns:p14="http://schemas.microsoft.com/office/powerpoint/2010/main" val="1332169696"/>
+              </p:ext>
+            </p:extLst>
+          </p:nvPr>
+        </p:nvGraphicFramePr>
+        <p:xfrm>
+          <a:off x="737507" y="3530599"/>
+          <a:ext cx="4748894" cy="1483360"/>
+        </p:xfrm>
+        <a:graphic>
+          <a:graphicData uri="http://schemas.openxmlformats.org/drawingml/2006/table">
+            <a:tbl>
+              <a:tblPr firstRow="1" bandRow="1">
+                <a:tableStyleId>{5C22544A-7EE6-4342-B048-85BDC9FD1C3A}</a:tableStyleId>
+              </a:tblPr>
+              <a:tblGrid>
+                <a:gridCol w="2374447">
+                  <a:extLst>
+                    <a:ext uri="{9D8B030D-6E8A-4147-A177-3AD203B41FA5}">
+                      <a16:colId xmlns:a16="http://schemas.microsoft.com/office/drawing/2014/main" val="1054381681"/>
+                    </a:ext>
+                  </a:extLst>
+                </a:gridCol>
+                <a:gridCol w="2374447">
+                  <a:extLst>
+                    <a:ext uri="{9D8B030D-6E8A-4147-A177-3AD203B41FA5}">
+                      <a16:colId xmlns:a16="http://schemas.microsoft.com/office/drawing/2014/main" val="3785407845"/>
+                    </a:ext>
+                  </a:extLst>
+                </a:gridCol>
+              </a:tblGrid>
+              <a:tr h="370840">
+                <a:tc>
+                  <a:txBody>
+                    <a:bodyPr/>
+                    <a:lstStyle/>
+                    <a:p>
+                      <a:r>
+                        <a:rPr lang="tr-TR" dirty="0"/>
+                        <a:t>numara</a:t>
+                      </a:r>
+                    </a:p>
+                  </a:txBody>
+                  <a:tcPr/>
+                </a:tc>
+                <a:tc>
+                  <a:txBody>
+                    <a:bodyPr/>
+                    <a:lstStyle/>
+                    <a:p>
+                      <a:r>
+                        <a:rPr lang="tr-TR" dirty="0"/>
+                        <a:t>isim</a:t>
+                      </a:r>
+                    </a:p>
+                  </a:txBody>
+                  <a:tcPr/>
+                </a:tc>
+                <a:extLst>
+                  <a:ext uri="{0D108BD9-81ED-4DB2-BD59-A6C34878D82A}">
+                    <a16:rowId xmlns:a16="http://schemas.microsoft.com/office/drawing/2014/main" val="604510622"/>
+                  </a:ext>
+                </a:extLst>
+              </a:tr>
+              <a:tr h="370840">
+                <a:tc>
+                  <a:txBody>
+                    <a:bodyPr/>
+                    <a:lstStyle/>
+                    <a:p>
+                      <a:r>
+                        <a:rPr lang="tr-TR" dirty="0"/>
+                        <a:t>1122334455</a:t>
+                      </a:r>
+                    </a:p>
+                  </a:txBody>
+                  <a:tcPr/>
+                </a:tc>
+                <a:tc>
+                  <a:txBody>
+                    <a:bodyPr/>
+                    <a:lstStyle/>
+                    <a:p>
+                      <a:r>
+                        <a:rPr lang="tr-TR" dirty="0"/>
+                        <a:t>İsmail </a:t>
+                      </a:r>
+                      <a:r>
+                        <a:rPr lang="tr-TR" dirty="0" err="1"/>
+                        <a:t>Abc</a:t>
+                      </a:r>
+                      <a:endParaRPr lang="tr-TR" dirty="0"/>
+                    </a:p>
+                  </a:txBody>
+                  <a:tcPr/>
+                </a:tc>
+                <a:extLst>
+                  <a:ext uri="{0D108BD9-81ED-4DB2-BD59-A6C34878D82A}">
+                    <a16:rowId xmlns:a16="http://schemas.microsoft.com/office/drawing/2014/main" val="1764888746"/>
+                  </a:ext>
+                </a:extLst>
+              </a:tr>
+              <a:tr h="370840">
+                <a:tc>
+                  <a:txBody>
+                    <a:bodyPr/>
+                    <a:lstStyle/>
+                    <a:p>
+                      <a:r>
+                        <a:rPr lang="tr-TR" dirty="0"/>
+                        <a:t>6677889900</a:t>
+                      </a:r>
+                    </a:p>
+                  </a:txBody>
+                  <a:tcPr/>
+                </a:tc>
+                <a:tc>
+                  <a:txBody>
+                    <a:bodyPr/>
+                    <a:lstStyle/>
+                    <a:p>
+                      <a:r>
+                        <a:rPr lang="tr-TR" dirty="0"/>
+                        <a:t>Hakkı Def</a:t>
+                      </a:r>
+                    </a:p>
+                  </a:txBody>
+                  <a:tcPr/>
+                </a:tc>
+                <a:extLst>
+                  <a:ext uri="{0D108BD9-81ED-4DB2-BD59-A6C34878D82A}">
+                    <a16:rowId xmlns:a16="http://schemas.microsoft.com/office/drawing/2014/main" val="198960198"/>
+                  </a:ext>
+                </a:extLst>
+              </a:tr>
+              <a:tr h="370840">
+                <a:tc>
+                  <a:txBody>
+                    <a:bodyPr/>
+                    <a:lstStyle/>
+                    <a:p>
+                      <a:r>
+                        <a:rPr lang="tr-TR" dirty="0"/>
+                        <a:t>2342345675</a:t>
+                      </a:r>
+                    </a:p>
+                  </a:txBody>
+                  <a:tcPr/>
+                </a:tc>
+                <a:tc>
+                  <a:txBody>
+                    <a:bodyPr/>
+                    <a:lstStyle/>
+                    <a:p>
+                      <a:r>
+                        <a:rPr lang="tr-TR" dirty="0"/>
+                        <a:t>Parlak </a:t>
+                      </a:r>
+                      <a:r>
+                        <a:rPr lang="tr-TR" dirty="0" err="1"/>
+                        <a:t>Ghi</a:t>
+                      </a:r>
+                      <a:endParaRPr lang="tr-TR" dirty="0"/>
+                    </a:p>
+                  </a:txBody>
+                  <a:tcPr/>
+                </a:tc>
+                <a:extLst>
+                  <a:ext uri="{0D108BD9-81ED-4DB2-BD59-A6C34878D82A}">
+                    <a16:rowId xmlns:a16="http://schemas.microsoft.com/office/drawing/2014/main" val="4258566376"/>
+                  </a:ext>
+                </a:extLst>
+              </a:tr>
+            </a:tbl>
+          </a:graphicData>
+        </a:graphic>
+      </p:graphicFrame>
+      <p:sp>
+        <p:nvSpPr>
+          <p:cNvPr id="7" name="TextBox 6">
+            <a:extLst>
+              <a:ext uri="{FF2B5EF4-FFF2-40B4-BE49-F238E27FC236}">
+                <a16:creationId xmlns:a16="http://schemas.microsoft.com/office/drawing/2014/main" id="{2F5C8EE9-0C0C-B8AF-F3C5-A40C765B0446}"/>
+              </a:ext>
+            </a:extLst>
+          </p:cNvPr>
+          <p:cNvSpPr txBox="1"/>
+          <p:nvPr/>
+        </p:nvSpPr>
+        <p:spPr>
+          <a:xfrm>
+            <a:off x="628650" y="2242457"/>
+            <a:ext cx="5327677" cy="369332"/>
+          </a:xfrm>
+          <a:prstGeom prst="rect">
+            <a:avLst/>
+          </a:prstGeom>
+          <a:noFill/>
+        </p:spPr>
+        <p:txBody>
+          <a:bodyPr wrap="none" rtlCol="0">
+            <a:spAutoFit/>
+          </a:bodyPr>
+          <a:lstStyle/>
+          <a:p>
+            <a:r>
+              <a:rPr lang="tr-TR" dirty="0" err="1"/>
+              <a:t>Attributes</a:t>
+            </a:r>
+            <a:r>
+              <a:rPr lang="tr-TR" dirty="0"/>
+              <a:t>, </a:t>
+            </a:r>
+            <a:r>
+              <a:rPr lang="tr-TR" dirty="0" err="1"/>
+              <a:t>Column</a:t>
+            </a:r>
+            <a:r>
+              <a:rPr lang="tr-TR" dirty="0"/>
+              <a:t> </a:t>
+            </a:r>
+            <a:r>
+              <a:rPr lang="tr-TR" dirty="0" err="1"/>
+              <a:t>headers</a:t>
+            </a:r>
+            <a:r>
+              <a:rPr lang="tr-TR" dirty="0"/>
+              <a:t> (Özellikler, Sütun üstbilgisi)</a:t>
+            </a:r>
+          </a:p>
+        </p:txBody>
+      </p:sp>
+      <p:cxnSp>
+        <p:nvCxnSpPr>
+          <p:cNvPr id="9" name="Straight Arrow Connector 8">
+            <a:extLst>
+              <a:ext uri="{FF2B5EF4-FFF2-40B4-BE49-F238E27FC236}">
+                <a16:creationId xmlns:a16="http://schemas.microsoft.com/office/drawing/2014/main" id="{9B29180F-1AAE-5A6A-73A3-AA414985812C}"/>
+              </a:ext>
+            </a:extLst>
+          </p:cNvPr>
+          <p:cNvCxnSpPr/>
+          <p:nvPr/>
+        </p:nvCxnSpPr>
+        <p:spPr>
+          <a:xfrm flipH="1">
+            <a:off x="1045029" y="2634343"/>
+            <a:ext cx="315685" cy="794657"/>
+          </a:xfrm>
+          <a:prstGeom prst="straightConnector1">
+            <a:avLst/>
+          </a:prstGeom>
+          <a:ln w="38100">
+            <a:tailEnd type="triangle"/>
+          </a:ln>
+        </p:spPr>
+        <p:style>
+          <a:lnRef idx="1">
+            <a:schemeClr val="accent1"/>
+          </a:lnRef>
+          <a:fillRef idx="0">
+            <a:schemeClr val="accent1"/>
+          </a:fillRef>
+          <a:effectRef idx="0">
+            <a:schemeClr val="accent1"/>
+          </a:effectRef>
+          <a:fontRef idx="minor">
+            <a:schemeClr val="tx1"/>
+          </a:fontRef>
+        </p:style>
+      </p:cxnSp>
+      <p:cxnSp>
+        <p:nvCxnSpPr>
+          <p:cNvPr id="10" name="Straight Arrow Connector 9">
+            <a:extLst>
+              <a:ext uri="{FF2B5EF4-FFF2-40B4-BE49-F238E27FC236}">
+                <a16:creationId xmlns:a16="http://schemas.microsoft.com/office/drawing/2014/main" id="{ADF89879-1A65-F201-AF6F-F1082906E573}"/>
+              </a:ext>
+            </a:extLst>
+          </p:cNvPr>
+          <p:cNvCxnSpPr>
+            <a:cxnSpLocks/>
+          </p:cNvCxnSpPr>
+          <p:nvPr/>
+        </p:nvCxnSpPr>
+        <p:spPr>
+          <a:xfrm>
+            <a:off x="1850571" y="2634343"/>
+            <a:ext cx="1328058" cy="794657"/>
+          </a:xfrm>
+          <a:prstGeom prst="straightConnector1">
+            <a:avLst/>
+          </a:prstGeom>
+          <a:ln w="38100">
+            <a:tailEnd type="triangle"/>
+          </a:ln>
+        </p:spPr>
+        <p:style>
+          <a:lnRef idx="1">
+            <a:schemeClr val="accent1"/>
+          </a:lnRef>
+          <a:fillRef idx="0">
+            <a:schemeClr val="accent1"/>
+          </a:fillRef>
+          <a:effectRef idx="0">
+            <a:schemeClr val="accent1"/>
+          </a:effectRef>
+          <a:fontRef idx="minor">
+            <a:schemeClr val="tx1"/>
+          </a:fontRef>
+        </p:style>
+      </p:cxnSp>
+      <p:sp>
+        <p:nvSpPr>
+          <p:cNvPr id="13" name="Right Brace 12">
+            <a:extLst>
+              <a:ext uri="{FF2B5EF4-FFF2-40B4-BE49-F238E27FC236}">
+                <a16:creationId xmlns:a16="http://schemas.microsoft.com/office/drawing/2014/main" id="{21427131-9072-CFAD-78BC-97D72EEBD491}"/>
+              </a:ext>
+            </a:extLst>
+          </p:cNvPr>
+          <p:cNvSpPr/>
+          <p:nvPr/>
+        </p:nvSpPr>
+        <p:spPr>
+          <a:xfrm>
+            <a:off x="5671457" y="3897086"/>
+            <a:ext cx="370114" cy="1116873"/>
+          </a:xfrm>
+          <a:prstGeom prst="rightBrace">
+            <a:avLst/>
+          </a:prstGeom>
+          <a:ln w="38100"/>
+        </p:spPr>
+        <p:style>
+          <a:lnRef idx="1">
+            <a:schemeClr val="accent1"/>
+          </a:lnRef>
+          <a:fillRef idx="0">
+            <a:schemeClr val="accent1"/>
+          </a:fillRef>
+          <a:effectRef idx="0">
+            <a:schemeClr val="accent1"/>
+          </a:effectRef>
+          <a:fontRef idx="minor">
+            <a:schemeClr val="tx1"/>
+          </a:fontRef>
+        </p:style>
+        <p:txBody>
+          <a:bodyPr rtlCol="0" anchor="ctr"/>
+          <a:lstStyle/>
+          <a:p>
+            <a:pPr algn="ctr"/>
+            <a:endParaRPr lang="tr-TR" dirty="0"/>
+          </a:p>
+        </p:txBody>
+      </p:sp>
+      <p:sp>
+        <p:nvSpPr>
+          <p:cNvPr id="15" name="TextBox 14">
+            <a:extLst>
+              <a:ext uri="{FF2B5EF4-FFF2-40B4-BE49-F238E27FC236}">
+                <a16:creationId xmlns:a16="http://schemas.microsoft.com/office/drawing/2014/main" id="{6DB8A257-7281-52EA-329B-C6D52013A170}"/>
+              </a:ext>
+            </a:extLst>
+          </p:cNvPr>
+          <p:cNvSpPr txBox="1"/>
+          <p:nvPr/>
+        </p:nvSpPr>
+        <p:spPr>
+          <a:xfrm>
+            <a:off x="6134589" y="4270856"/>
+            <a:ext cx="2713115" cy="369332"/>
+          </a:xfrm>
+          <a:prstGeom prst="rect">
+            <a:avLst/>
+          </a:prstGeom>
+          <a:noFill/>
+        </p:spPr>
+        <p:txBody>
+          <a:bodyPr wrap="none" rtlCol="0">
+            <a:spAutoFit/>
+          </a:bodyPr>
+          <a:lstStyle/>
+          <a:p>
+            <a:r>
+              <a:rPr lang="tr-TR" dirty="0"/>
+              <a:t>Kayıtlar, satırlar, veri (</a:t>
+            </a:r>
+            <a:r>
+              <a:rPr lang="tr-TR" dirty="0" err="1"/>
+              <a:t>rows</a:t>
+            </a:r>
+            <a:r>
+              <a:rPr lang="tr-TR" dirty="0"/>
+              <a:t>)</a:t>
+            </a:r>
+          </a:p>
+        </p:txBody>
+      </p:sp>
+      <p:sp>
+        <p:nvSpPr>
+          <p:cNvPr id="16" name="TextBox 15">
+            <a:extLst>
+              <a:ext uri="{FF2B5EF4-FFF2-40B4-BE49-F238E27FC236}">
+                <a16:creationId xmlns:a16="http://schemas.microsoft.com/office/drawing/2014/main" id="{C807B1BC-4A1C-8EBE-B12A-2A77B12CCB6C}"/>
+              </a:ext>
+            </a:extLst>
+          </p:cNvPr>
+          <p:cNvSpPr txBox="1"/>
+          <p:nvPr/>
+        </p:nvSpPr>
+        <p:spPr>
+          <a:xfrm>
+            <a:off x="628650" y="5410311"/>
+            <a:ext cx="3635995" cy="369332"/>
+          </a:xfrm>
+          <a:prstGeom prst="rect">
+            <a:avLst/>
+          </a:prstGeom>
+          <a:noFill/>
+        </p:spPr>
+        <p:txBody>
+          <a:bodyPr wrap="none" rtlCol="0">
+            <a:spAutoFit/>
+          </a:bodyPr>
+          <a:lstStyle/>
+          <a:p>
+            <a:r>
+              <a:rPr lang="tr-TR" dirty="0"/>
+              <a:t>İlişki (</a:t>
+            </a:r>
+            <a:r>
+              <a:rPr lang="tr-TR" dirty="0" err="1"/>
+              <a:t>Relation</a:t>
+            </a:r>
+            <a:r>
+              <a:rPr lang="tr-TR" dirty="0"/>
+              <a:t> - Tablo) adı: öğrenciler</a:t>
+            </a:r>
+          </a:p>
+        </p:txBody>
+      </p:sp>
+      <p:sp>
+        <p:nvSpPr>
+          <p:cNvPr id="17" name="TextBox 16">
+            <a:extLst>
+              <a:ext uri="{FF2B5EF4-FFF2-40B4-BE49-F238E27FC236}">
+                <a16:creationId xmlns:a16="http://schemas.microsoft.com/office/drawing/2014/main" id="{DAF6EC12-4ECD-FA85-F0C4-751ED430F43A}"/>
+              </a:ext>
+            </a:extLst>
+          </p:cNvPr>
+          <p:cNvSpPr txBox="1"/>
+          <p:nvPr/>
+        </p:nvSpPr>
+        <p:spPr>
+          <a:xfrm>
+            <a:off x="4879357" y="5410311"/>
+            <a:ext cx="3835089" cy="923330"/>
+          </a:xfrm>
+          <a:prstGeom prst="rect">
+            <a:avLst/>
+          </a:prstGeom>
+          <a:noFill/>
+        </p:spPr>
+        <p:txBody>
+          <a:bodyPr wrap="none" rtlCol="0">
+            <a:spAutoFit/>
+          </a:bodyPr>
+          <a:lstStyle/>
+          <a:p>
+            <a:r>
+              <a:rPr lang="tr-TR" dirty="0"/>
+              <a:t>Şema (</a:t>
+            </a:r>
+            <a:r>
+              <a:rPr lang="tr-TR" dirty="0" err="1"/>
+              <a:t>Schema</a:t>
+            </a:r>
+            <a:r>
+              <a:rPr lang="tr-TR" dirty="0"/>
+              <a:t>): </a:t>
+            </a:r>
+          </a:p>
+          <a:p>
+            <a:pPr marL="285750" indent="-285750">
+              <a:buFont typeface="Arial" panose="020B0604020202020204" pitchFamily="34" charset="0"/>
+              <a:buChar char="•"/>
+            </a:pPr>
+            <a:r>
+              <a:rPr lang="tr-TR" dirty="0"/>
+              <a:t>öğrenciler (numara, isim)</a:t>
+            </a:r>
+          </a:p>
+          <a:p>
+            <a:pPr marL="285750" indent="-285750">
+              <a:buFont typeface="Arial" panose="020B0604020202020204" pitchFamily="34" charset="0"/>
+              <a:buChar char="•"/>
+            </a:pPr>
+            <a:r>
+              <a:rPr lang="tr-TR" dirty="0"/>
+              <a:t>öğrenciler (numara: </a:t>
+            </a:r>
+            <a:r>
+              <a:rPr lang="tr-TR" dirty="0" err="1"/>
+              <a:t>int</a:t>
+            </a:r>
+            <a:r>
+              <a:rPr lang="tr-TR" dirty="0"/>
+              <a:t>, isim: </a:t>
+            </a:r>
+            <a:r>
+              <a:rPr lang="tr-TR" dirty="0" err="1"/>
+              <a:t>string</a:t>
+            </a:r>
+            <a:r>
+              <a:rPr lang="tr-TR" dirty="0"/>
+              <a:t>)</a:t>
+            </a:r>
+          </a:p>
+        </p:txBody>
+      </p:sp>
+    </p:spTree>
+    <p:extLst>
+      <p:ext uri="{BB962C8B-B14F-4D97-AF65-F5344CB8AC3E}">
+        <p14:creationId xmlns:p14="http://schemas.microsoft.com/office/powerpoint/2010/main" val="2543409362"/>
+      </p:ext>
+    </p:extLst>
+  </p:cSld>
+  <p:clrMapOvr>
+    <a:masterClrMapping/>
+  </p:clrMapOvr>
+</p:sld>
+</file>
+
+<file path=ppt/slides/slide8.xml><?xml version="1.0" encoding="utf-8"?>
+<p:sld xmlns:a="http://schemas.openxmlformats.org/drawingml/2006/main" xmlns:r="http://schemas.openxmlformats.org/officeDocument/2006/relationships" xmlns:p="http://schemas.openxmlformats.org/presentationml/2006/main">
+  <p:cSld>
+    <p:spTree>
+      <p:nvGrpSpPr>
+        <p:cNvPr id="1" name=""/>
+        <p:cNvGrpSpPr/>
+        <p:nvPr/>
+      </p:nvGrpSpPr>
+      <p:grpSpPr>
+        <a:xfrm>
+          <a:off x="0" y="0"/>
+          <a:ext cx="0" cy="0"/>
+          <a:chOff x="0" y="0"/>
+          <a:chExt cx="0" cy="0"/>
+        </a:xfrm>
+      </p:grpSpPr>
+      <p:sp>
+        <p:nvSpPr>
+          <p:cNvPr id="2" name="Title 1">
+            <a:extLst>
+              <a:ext uri="{FF2B5EF4-FFF2-40B4-BE49-F238E27FC236}">
+                <a16:creationId xmlns:a16="http://schemas.microsoft.com/office/drawing/2014/main" id="{D8195085-A5A2-5632-0DA3-E4854A7CFA5F}"/>
+              </a:ext>
+            </a:extLst>
+          </p:cNvPr>
+          <p:cNvSpPr>
+            <a:spLocks noGrp="1"/>
+          </p:cNvSpPr>
+          <p:nvPr>
+            <p:ph type="title"/>
+          </p:nvPr>
+        </p:nvSpPr>
+        <p:spPr/>
+        <p:txBody>
+          <a:bodyPr/>
+          <a:lstStyle/>
+          <a:p>
+            <a:r>
+              <a:rPr lang="tr-TR" dirty="0"/>
+              <a:t>Tanımlar</a:t>
+            </a:r>
+          </a:p>
+        </p:txBody>
+      </p:sp>
+      <p:sp>
+        <p:nvSpPr>
+          <p:cNvPr id="3" name="Content Placeholder 2">
+            <a:extLst>
+              <a:ext uri="{FF2B5EF4-FFF2-40B4-BE49-F238E27FC236}">
+                <a16:creationId xmlns:a16="http://schemas.microsoft.com/office/drawing/2014/main" id="{BFD8C206-C040-BFA9-5A06-A0CCE22EA65C}"/>
+              </a:ext>
+            </a:extLst>
+          </p:cNvPr>
+          <p:cNvSpPr>
+            <a:spLocks noGrp="1"/>
+          </p:cNvSpPr>
+          <p:nvPr>
+            <p:ph idx="1"/>
+          </p:nvPr>
+        </p:nvSpPr>
+        <p:spPr/>
+        <p:txBody>
+          <a:bodyPr/>
+          <a:lstStyle/>
+          <a:p>
+            <a:r>
+              <a:rPr lang="tr-TR" dirty="0"/>
+              <a:t>Şema (Tipler - </a:t>
+            </a:r>
+            <a:r>
+              <a:rPr lang="tr-TR" dirty="0" err="1"/>
+              <a:t>Types</a:t>
+            </a:r>
+            <a:r>
+              <a:rPr lang="tr-TR" dirty="0"/>
+              <a:t>) vs. Data (Veri - Değişkenler)</a:t>
+            </a:r>
+          </a:p>
+          <a:p>
+            <a:r>
+              <a:rPr lang="tr-TR" dirty="0"/>
+              <a:t>Veri Tanımlama Dili (Data Definition Language - DDL): </a:t>
+            </a:r>
+            <a:r>
+              <a:rPr lang="tr-TR" dirty="0" err="1"/>
+              <a:t>Veritabanı</a:t>
+            </a:r>
+            <a:r>
+              <a:rPr lang="tr-TR" dirty="0"/>
+              <a:t> şemasını inşa etmek için kullanılan dildir.</a:t>
+            </a:r>
+          </a:p>
+          <a:p>
+            <a:r>
+              <a:rPr lang="tr-TR" dirty="0"/>
+              <a:t>Veri İşleme Dili (Data </a:t>
+            </a:r>
+            <a:r>
+              <a:rPr lang="tr-TR" dirty="0" err="1"/>
+              <a:t>Manipulation</a:t>
+            </a:r>
+            <a:r>
+              <a:rPr lang="tr-TR" dirty="0"/>
+              <a:t> Language - DML): Şema oluşturulduktan sonra, DML ile </a:t>
+            </a:r>
+            <a:r>
+              <a:rPr lang="tr-TR" dirty="0" err="1"/>
+              <a:t>veritabanına</a:t>
+            </a:r>
+            <a:r>
+              <a:rPr lang="tr-TR" dirty="0"/>
+              <a:t> veri eklenebilir, </a:t>
+            </a:r>
+            <a:r>
+              <a:rPr lang="tr-TR" dirty="0" err="1"/>
+              <a:t>veritabanındaki</a:t>
+            </a:r>
+            <a:r>
+              <a:rPr lang="tr-TR" dirty="0"/>
+              <a:t> veriler işlenebilir (güncelleme, silme).</a:t>
+            </a:r>
+          </a:p>
+          <a:p>
+            <a:r>
+              <a:rPr lang="tr-TR" dirty="0"/>
+              <a:t>Veri Sorgulama Dili (Data Query Language - DQL): DQL ile </a:t>
+            </a:r>
+            <a:r>
+              <a:rPr lang="tr-TR" dirty="0" err="1"/>
+              <a:t>veritabanında</a:t>
+            </a:r>
+            <a:r>
+              <a:rPr lang="tr-TR" dirty="0"/>
+              <a:t> sorgular yapılabilir.</a:t>
+            </a:r>
+          </a:p>
+        </p:txBody>
+      </p:sp>
+    </p:spTree>
+    <p:extLst>
+      <p:ext uri="{BB962C8B-B14F-4D97-AF65-F5344CB8AC3E}">
+        <p14:creationId xmlns:p14="http://schemas.microsoft.com/office/powerpoint/2010/main" val="1594771240"/>
+      </p:ext>
+    </p:extLst>
+  </p:cSld>
+  <p:clrMapOvr>
+    <a:masterClrMapping/>
+  </p:clrMapOvr>
+</p:sld>
+</file>
+
+<file path=ppt/slides/slide9.xml><?xml version="1.0" encoding="utf-8"?>
+<p:sld xmlns:a="http://schemas.openxmlformats.org/drawingml/2006/main" xmlns:r="http://schemas.openxmlformats.org/officeDocument/2006/relationships" xmlns:p="http://schemas.openxmlformats.org/presentationml/2006/main">
+  <p:cSld>
+    <p:spTree>
+      <p:nvGrpSpPr>
+        <p:cNvPr id="1" name=""/>
+        <p:cNvGrpSpPr/>
+        <p:nvPr/>
+      </p:nvGrpSpPr>
+      <p:grpSpPr>
+        <a:xfrm>
+          <a:off x="0" y="0"/>
+          <a:ext cx="0" cy="0"/>
+          <a:chOff x="0" y="0"/>
+          <a:chExt cx="0" cy="0"/>
+        </a:xfrm>
+      </p:grpSpPr>
+      <p:sp>
+        <p:nvSpPr>
+          <p:cNvPr id="2" name="Title 1">
+            <a:extLst>
+              <a:ext uri="{FF2B5EF4-FFF2-40B4-BE49-F238E27FC236}">
+                <a16:creationId xmlns:a16="http://schemas.microsoft.com/office/drawing/2014/main" id="{2A6C6E5E-D96E-8FC8-B276-FFF82B9C4EA0}"/>
+              </a:ext>
+            </a:extLst>
+          </p:cNvPr>
+          <p:cNvSpPr>
+            <a:spLocks noGrp="1"/>
+          </p:cNvSpPr>
+          <p:nvPr>
+            <p:ph type="title"/>
+          </p:nvPr>
+        </p:nvSpPr>
+        <p:spPr/>
+        <p:txBody>
+          <a:bodyPr/>
+          <a:lstStyle/>
+          <a:p>
+            <a:r>
+              <a:rPr lang="tr-TR" dirty="0"/>
+              <a:t>Roller</a:t>
+            </a:r>
+          </a:p>
+        </p:txBody>
+      </p:sp>
+      <p:sp>
+        <p:nvSpPr>
+          <p:cNvPr id="3" name="Content Placeholder 2">
+            <a:extLst>
+              <a:ext uri="{FF2B5EF4-FFF2-40B4-BE49-F238E27FC236}">
+                <a16:creationId xmlns:a16="http://schemas.microsoft.com/office/drawing/2014/main" id="{BDFD78DE-A5F3-35C8-2A39-23EA591E6092}"/>
+              </a:ext>
+            </a:extLst>
+          </p:cNvPr>
+          <p:cNvSpPr>
+            <a:spLocks noGrp="1"/>
+          </p:cNvSpPr>
+          <p:nvPr>
+            <p:ph idx="1"/>
+          </p:nvPr>
+        </p:nvSpPr>
+        <p:spPr/>
+        <p:txBody>
+          <a:bodyPr>
+            <a:normAutofit fontScale="92500" lnSpcReduction="10000"/>
+          </a:bodyPr>
+          <a:lstStyle/>
+          <a:p>
+            <a:r>
+              <a:rPr lang="tr-TR" dirty="0"/>
+              <a:t>DBMS Kurucusu (</a:t>
+            </a:r>
+            <a:r>
+              <a:rPr lang="tr-TR" dirty="0" err="1"/>
+              <a:t>Implementer</a:t>
+            </a:r>
+            <a:r>
+              <a:rPr lang="tr-TR" dirty="0"/>
+              <a:t>): DBMS sistemini kuran kişidir.</a:t>
+            </a:r>
+          </a:p>
+          <a:p>
+            <a:r>
+              <a:rPr lang="tr-TR" dirty="0"/>
+              <a:t>DB Tasarımcısı (Designer): DB şemasını kuran kişidir.</a:t>
+            </a:r>
+          </a:p>
+          <a:p>
+            <a:r>
+              <a:rPr lang="tr-TR" dirty="0"/>
+              <a:t>DB Uygulama Geliştiricisi (Application Developer): Son kullanıcının DB ile etkileşime geçmesini sağlayan uygulamayı geliştiren kişidir. Aynı DB üzerinde 1'den çok uygulama çalışabilir. Bir e-ticaret </a:t>
+            </a:r>
+            <a:r>
+              <a:rPr lang="tr-TR" dirty="0" err="1"/>
+              <a:t>DB'si</a:t>
+            </a:r>
+            <a:r>
+              <a:rPr lang="tr-TR" dirty="0"/>
+              <a:t> üzerinde web satış uygulaması, stok takip uygulaması, raporlama uygulamaları vb. çalışabilir.</a:t>
+            </a:r>
+          </a:p>
+          <a:p>
+            <a:r>
+              <a:rPr lang="tr-TR" dirty="0"/>
+              <a:t>DB Yöneticisi (Administrator): </a:t>
+            </a:r>
+            <a:r>
+              <a:rPr lang="tr-TR" dirty="0" err="1"/>
+              <a:t>Veritabanını</a:t>
+            </a:r>
+            <a:r>
+              <a:rPr lang="tr-TR" dirty="0"/>
+              <a:t> çalışır hale getiren ve düzgünce çalışır halde kalmasını sağlayan kişidir.</a:t>
+            </a:r>
+          </a:p>
+          <a:p>
+            <a:endParaRPr lang="tr-TR" dirty="0"/>
+          </a:p>
+        </p:txBody>
+      </p:sp>
+    </p:spTree>
+    <p:extLst>
+      <p:ext uri="{BB962C8B-B14F-4D97-AF65-F5344CB8AC3E}">
+        <p14:creationId xmlns:p14="http://schemas.microsoft.com/office/powerpoint/2010/main" val="3272398997"/>
       </p:ext>
     </p:extLst>
   </p:cSld>

--- a/Slides/Ders 0.pptx
+++ b/Slides/Ders 0.pptx
@@ -13,7 +13,12 @@
     <p:sldId id="262" r:id="rId7"/>
     <p:sldId id="263" r:id="rId8"/>
     <p:sldId id="264" r:id="rId9"/>
-    <p:sldId id="265" r:id="rId10"/>
+    <p:sldId id="266" r:id="rId10"/>
+    <p:sldId id="265" r:id="rId11"/>
+    <p:sldId id="267" r:id="rId12"/>
+    <p:sldId id="268" r:id="rId13"/>
+    <p:sldId id="269" r:id="rId14"/>
+    <p:sldId id="270" r:id="rId15"/>
   </p:sldIdLst>
   <p:sldSz cx="9144000" cy="6858000" type="screen4x3"/>
   <p:notesSz cx="6858000" cy="9144000"/>
@@ -251,7 +256,7 @@
           <a:p>
             <a:fld id="{26396F4E-1D0B-3F44-AA0F-A3430AE5742F}" type="datetimeFigureOut">
               <a:rPr lang="tr-TR" smtClean="0"/>
-              <a:t>13.02.2023</a:t>
+              <a:t>20.02.2023</a:t>
             </a:fld>
             <a:endParaRPr lang="tr-TR"/>
           </a:p>
@@ -421,7 +426,7 @@
           <a:p>
             <a:fld id="{26396F4E-1D0B-3F44-AA0F-A3430AE5742F}" type="datetimeFigureOut">
               <a:rPr lang="tr-TR" smtClean="0"/>
-              <a:t>13.02.2023</a:t>
+              <a:t>20.02.2023</a:t>
             </a:fld>
             <a:endParaRPr lang="tr-TR"/>
           </a:p>
@@ -601,7 +606,7 @@
           <a:p>
             <a:fld id="{26396F4E-1D0B-3F44-AA0F-A3430AE5742F}" type="datetimeFigureOut">
               <a:rPr lang="tr-TR" smtClean="0"/>
-              <a:t>13.02.2023</a:t>
+              <a:t>20.02.2023</a:t>
             </a:fld>
             <a:endParaRPr lang="tr-TR"/>
           </a:p>
@@ -771,7 +776,7 @@
           <a:p>
             <a:fld id="{26396F4E-1D0B-3F44-AA0F-A3430AE5742F}" type="datetimeFigureOut">
               <a:rPr lang="tr-TR" smtClean="0"/>
-              <a:t>13.02.2023</a:t>
+              <a:t>20.02.2023</a:t>
             </a:fld>
             <a:endParaRPr lang="tr-TR"/>
           </a:p>
@@ -1015,7 +1020,7 @@
           <a:p>
             <a:fld id="{26396F4E-1D0B-3F44-AA0F-A3430AE5742F}" type="datetimeFigureOut">
               <a:rPr lang="tr-TR" smtClean="0"/>
-              <a:t>13.02.2023</a:t>
+              <a:t>20.02.2023</a:t>
             </a:fld>
             <a:endParaRPr lang="tr-TR"/>
           </a:p>
@@ -1247,7 +1252,7 @@
           <a:p>
             <a:fld id="{26396F4E-1D0B-3F44-AA0F-A3430AE5742F}" type="datetimeFigureOut">
               <a:rPr lang="tr-TR" smtClean="0"/>
-              <a:t>13.02.2023</a:t>
+              <a:t>20.02.2023</a:t>
             </a:fld>
             <a:endParaRPr lang="tr-TR"/>
           </a:p>
@@ -1614,7 +1619,7 @@
           <a:p>
             <a:fld id="{26396F4E-1D0B-3F44-AA0F-A3430AE5742F}" type="datetimeFigureOut">
               <a:rPr lang="tr-TR" smtClean="0"/>
-              <a:t>13.02.2023</a:t>
+              <a:t>20.02.2023</a:t>
             </a:fld>
             <a:endParaRPr lang="tr-TR"/>
           </a:p>
@@ -1732,7 +1737,7 @@
           <a:p>
             <a:fld id="{26396F4E-1D0B-3F44-AA0F-A3430AE5742F}" type="datetimeFigureOut">
               <a:rPr lang="tr-TR" smtClean="0"/>
-              <a:t>13.02.2023</a:t>
+              <a:t>20.02.2023</a:t>
             </a:fld>
             <a:endParaRPr lang="tr-TR"/>
           </a:p>
@@ -1827,7 +1832,7 @@
           <a:p>
             <a:fld id="{26396F4E-1D0B-3F44-AA0F-A3430AE5742F}" type="datetimeFigureOut">
               <a:rPr lang="tr-TR" smtClean="0"/>
-              <a:t>13.02.2023</a:t>
+              <a:t>20.02.2023</a:t>
             </a:fld>
             <a:endParaRPr lang="tr-TR"/>
           </a:p>
@@ -2104,7 +2109,7 @@
           <a:p>
             <a:fld id="{26396F4E-1D0B-3F44-AA0F-A3430AE5742F}" type="datetimeFigureOut">
               <a:rPr lang="tr-TR" smtClean="0"/>
-              <a:t>13.02.2023</a:t>
+              <a:t>20.02.2023</a:t>
             </a:fld>
             <a:endParaRPr lang="tr-TR"/>
           </a:p>
@@ -2361,7 +2366,7 @@
           <a:p>
             <a:fld id="{26396F4E-1D0B-3F44-AA0F-A3430AE5742F}" type="datetimeFigureOut">
               <a:rPr lang="tr-TR" smtClean="0"/>
-              <a:t>13.02.2023</a:t>
+              <a:t>20.02.2023</a:t>
             </a:fld>
             <a:endParaRPr lang="tr-TR"/>
           </a:p>
@@ -2574,7 +2579,7 @@
           <a:p>
             <a:fld id="{26396F4E-1D0B-3F44-AA0F-A3430AE5742F}" type="datetimeFigureOut">
               <a:rPr lang="tr-TR" smtClean="0"/>
-              <a:t>13.02.2023</a:t>
+              <a:t>20.02.2023</a:t>
             </a:fld>
             <a:endParaRPr lang="tr-TR"/>
           </a:p>
@@ -3181,6 +3186,1785 @@
 </p:sld>
 </file>
 
+<file path=ppt/slides/slide10.xml><?xml version="1.0" encoding="utf-8"?>
+<p:sld xmlns:a="http://schemas.openxmlformats.org/drawingml/2006/main" xmlns:r="http://schemas.openxmlformats.org/officeDocument/2006/relationships" xmlns:p="http://schemas.openxmlformats.org/presentationml/2006/main">
+  <p:cSld>
+    <p:spTree>
+      <p:nvGrpSpPr>
+        <p:cNvPr id="1" name=""/>
+        <p:cNvGrpSpPr/>
+        <p:nvPr/>
+      </p:nvGrpSpPr>
+      <p:grpSpPr>
+        <a:xfrm>
+          <a:off x="0" y="0"/>
+          <a:ext cx="0" cy="0"/>
+          <a:chOff x="0" y="0"/>
+          <a:chExt cx="0" cy="0"/>
+        </a:xfrm>
+      </p:grpSpPr>
+      <p:sp>
+        <p:nvSpPr>
+          <p:cNvPr id="2" name="Title 1">
+            <a:extLst>
+              <a:ext uri="{FF2B5EF4-FFF2-40B4-BE49-F238E27FC236}">
+                <a16:creationId xmlns:a16="http://schemas.microsoft.com/office/drawing/2014/main" id="{2A6C6E5E-D96E-8FC8-B276-FFF82B9C4EA0}"/>
+              </a:ext>
+            </a:extLst>
+          </p:cNvPr>
+          <p:cNvSpPr>
+            <a:spLocks noGrp="1"/>
+          </p:cNvSpPr>
+          <p:nvPr>
+            <p:ph type="title"/>
+          </p:nvPr>
+        </p:nvSpPr>
+        <p:spPr/>
+        <p:txBody>
+          <a:bodyPr/>
+          <a:lstStyle/>
+          <a:p>
+            <a:r>
+              <a:rPr lang="tr-TR" dirty="0"/>
+              <a:t>Roller</a:t>
+            </a:r>
+          </a:p>
+        </p:txBody>
+      </p:sp>
+      <p:sp>
+        <p:nvSpPr>
+          <p:cNvPr id="3" name="Content Placeholder 2">
+            <a:extLst>
+              <a:ext uri="{FF2B5EF4-FFF2-40B4-BE49-F238E27FC236}">
+                <a16:creationId xmlns:a16="http://schemas.microsoft.com/office/drawing/2014/main" id="{BDFD78DE-A5F3-35C8-2A39-23EA591E6092}"/>
+              </a:ext>
+            </a:extLst>
+          </p:cNvPr>
+          <p:cNvSpPr>
+            <a:spLocks noGrp="1"/>
+          </p:cNvSpPr>
+          <p:nvPr>
+            <p:ph idx="1"/>
+          </p:nvPr>
+        </p:nvSpPr>
+        <p:spPr/>
+        <p:txBody>
+          <a:bodyPr>
+            <a:normAutofit fontScale="92500" lnSpcReduction="10000"/>
+          </a:bodyPr>
+          <a:lstStyle/>
+          <a:p>
+            <a:r>
+              <a:rPr lang="tr-TR" dirty="0"/>
+              <a:t>DBMS Kurucusu (</a:t>
+            </a:r>
+            <a:r>
+              <a:rPr lang="tr-TR" dirty="0" err="1"/>
+              <a:t>Implementer</a:t>
+            </a:r>
+            <a:r>
+              <a:rPr lang="tr-TR" dirty="0"/>
+              <a:t>): DBMS sistemini kuran kişidir.</a:t>
+            </a:r>
+          </a:p>
+          <a:p>
+            <a:r>
+              <a:rPr lang="tr-TR" dirty="0"/>
+              <a:t>DB Tasarımcısı (Designer): DB şemasını kuran kişidir.</a:t>
+            </a:r>
+          </a:p>
+          <a:p>
+            <a:r>
+              <a:rPr lang="tr-TR" dirty="0"/>
+              <a:t>DB Uygulama Geliştiricisi (Application Developer): Son kullanıcının DB ile etkileşime geçmesini sağlayan uygulamayı geliştiren kişidir. Aynı DB üzerinde 1'den çok uygulama çalışabilir. Bir e-ticaret </a:t>
+            </a:r>
+            <a:r>
+              <a:rPr lang="tr-TR" dirty="0" err="1"/>
+              <a:t>DB'si</a:t>
+            </a:r>
+            <a:r>
+              <a:rPr lang="tr-TR" dirty="0"/>
+              <a:t> üzerinde web satış uygulaması, stok takip uygulaması, raporlama uygulamaları vb. çalışabilir.</a:t>
+            </a:r>
+          </a:p>
+          <a:p>
+            <a:r>
+              <a:rPr lang="tr-TR" dirty="0"/>
+              <a:t>DB Yöneticisi (Administrator): </a:t>
+            </a:r>
+            <a:r>
+              <a:rPr lang="tr-TR" dirty="0" err="1"/>
+              <a:t>Veritabanını</a:t>
+            </a:r>
+            <a:r>
+              <a:rPr lang="tr-TR" dirty="0"/>
+              <a:t> çalışır hale getiren ve düzgünce çalışır halde kalmasını sağlayan kişidir.</a:t>
+            </a:r>
+          </a:p>
+          <a:p>
+            <a:endParaRPr lang="tr-TR" dirty="0"/>
+          </a:p>
+        </p:txBody>
+      </p:sp>
+    </p:spTree>
+    <p:extLst>
+      <p:ext uri="{BB962C8B-B14F-4D97-AF65-F5344CB8AC3E}">
+        <p14:creationId xmlns:p14="http://schemas.microsoft.com/office/powerpoint/2010/main" val="3272398997"/>
+      </p:ext>
+    </p:extLst>
+  </p:cSld>
+  <p:clrMapOvr>
+    <a:masterClrMapping/>
+  </p:clrMapOvr>
+</p:sld>
+</file>
+
+<file path=ppt/slides/slide11.xml><?xml version="1.0" encoding="utf-8"?>
+<p:sld xmlns:a="http://schemas.openxmlformats.org/drawingml/2006/main" xmlns:r="http://schemas.openxmlformats.org/officeDocument/2006/relationships" xmlns:p="http://schemas.openxmlformats.org/presentationml/2006/main">
+  <p:cSld>
+    <p:spTree>
+      <p:nvGrpSpPr>
+        <p:cNvPr id="1" name=""/>
+        <p:cNvGrpSpPr/>
+        <p:nvPr/>
+      </p:nvGrpSpPr>
+      <p:grpSpPr>
+        <a:xfrm>
+          <a:off x="0" y="0"/>
+          <a:ext cx="0" cy="0"/>
+          <a:chOff x="0" y="0"/>
+          <a:chExt cx="0" cy="0"/>
+        </a:xfrm>
+      </p:grpSpPr>
+      <p:sp>
+        <p:nvSpPr>
+          <p:cNvPr id="2" name="Title 1">
+            <a:extLst>
+              <a:ext uri="{FF2B5EF4-FFF2-40B4-BE49-F238E27FC236}">
+                <a16:creationId xmlns:a16="http://schemas.microsoft.com/office/drawing/2014/main" id="{2B77E816-D53A-DEC6-7F73-15985323014F}"/>
+              </a:ext>
+            </a:extLst>
+          </p:cNvPr>
+          <p:cNvSpPr>
+            <a:spLocks noGrp="1"/>
+          </p:cNvSpPr>
+          <p:nvPr>
+            <p:ph type="title"/>
+          </p:nvPr>
+        </p:nvSpPr>
+        <p:spPr/>
+        <p:txBody>
+          <a:bodyPr/>
+          <a:lstStyle/>
+          <a:p>
+            <a:r>
+              <a:rPr lang="tr-TR" dirty="0"/>
+              <a:t>Sorgular</a:t>
+            </a:r>
+          </a:p>
+        </p:txBody>
+      </p:sp>
+      <p:sp>
+        <p:nvSpPr>
+          <p:cNvPr id="4" name="Magnetic Disk 3">
+            <a:extLst>
+              <a:ext uri="{FF2B5EF4-FFF2-40B4-BE49-F238E27FC236}">
+                <a16:creationId xmlns:a16="http://schemas.microsoft.com/office/drawing/2014/main" id="{9149D84E-AE35-65D7-3749-D38F1A3AF679}"/>
+              </a:ext>
+            </a:extLst>
+          </p:cNvPr>
+          <p:cNvSpPr/>
+          <p:nvPr/>
+        </p:nvSpPr>
+        <p:spPr>
+          <a:xfrm>
+            <a:off x="628650" y="3189514"/>
+            <a:ext cx="4082142" cy="3385457"/>
+          </a:xfrm>
+          <a:prstGeom prst="flowChartMagneticDisk">
+            <a:avLst/>
+          </a:prstGeom>
+          <a:noFill/>
+        </p:spPr>
+        <p:style>
+          <a:lnRef idx="2">
+            <a:schemeClr val="accent1">
+              <a:shade val="50000"/>
+            </a:schemeClr>
+          </a:lnRef>
+          <a:fillRef idx="1">
+            <a:schemeClr val="accent1"/>
+          </a:fillRef>
+          <a:effectRef idx="0">
+            <a:schemeClr val="accent1"/>
+          </a:effectRef>
+          <a:fontRef idx="minor">
+            <a:schemeClr val="lt1"/>
+          </a:fontRef>
+        </p:style>
+        <p:txBody>
+          <a:bodyPr rtlCol="0" anchor="ctr"/>
+          <a:lstStyle/>
+          <a:p>
+            <a:pPr algn="ctr"/>
+            <a:endParaRPr lang="tr-TR" dirty="0"/>
+          </a:p>
+        </p:txBody>
+      </p:sp>
+      <p:sp>
+        <p:nvSpPr>
+          <p:cNvPr id="5" name="TextBox 4">
+            <a:extLst>
+              <a:ext uri="{FF2B5EF4-FFF2-40B4-BE49-F238E27FC236}">
+                <a16:creationId xmlns:a16="http://schemas.microsoft.com/office/drawing/2014/main" id="{84638952-E774-F7AE-A36A-C2888C261296}"/>
+              </a:ext>
+            </a:extLst>
+          </p:cNvPr>
+          <p:cNvSpPr txBox="1"/>
+          <p:nvPr/>
+        </p:nvSpPr>
+        <p:spPr>
+          <a:xfrm>
+            <a:off x="628650" y="1690689"/>
+            <a:ext cx="7981950" cy="1200329"/>
+          </a:xfrm>
+          <a:prstGeom prst="rect">
+            <a:avLst/>
+          </a:prstGeom>
+          <a:noFill/>
+        </p:spPr>
+        <p:txBody>
+          <a:bodyPr wrap="square" rtlCol="0">
+            <a:spAutoFit/>
+          </a:bodyPr>
+          <a:lstStyle/>
+          <a:p>
+            <a:pPr marL="342900" indent="-342900">
+              <a:buAutoNum type="arabicPeriod"/>
+            </a:pPr>
+            <a:r>
+              <a:rPr lang="tr-TR" dirty="0"/>
+              <a:t>DDL ile şema oluşturulur.</a:t>
+            </a:r>
+          </a:p>
+          <a:p>
+            <a:pPr marL="342900" indent="-342900">
+              <a:buAutoNum type="arabicPeriod"/>
+            </a:pPr>
+            <a:r>
+              <a:rPr lang="tr-TR" dirty="0"/>
+              <a:t>Mevcut veri var ise oluşturulan </a:t>
+            </a:r>
+            <a:r>
+              <a:rPr lang="tr-TR" dirty="0" err="1"/>
+              <a:t>DB'ye</a:t>
+            </a:r>
+            <a:r>
+              <a:rPr lang="tr-TR" dirty="0"/>
+              <a:t> toplu halde eklenir.</a:t>
+            </a:r>
+          </a:p>
+          <a:p>
+            <a:pPr marL="342900" indent="-342900">
+              <a:buAutoNum type="arabicPeriod"/>
+            </a:pPr>
+            <a:r>
+              <a:rPr lang="tr-TR" dirty="0"/>
+              <a:t>Kullanıma açıldığında sürekli olarak DB üzerinde sorgular çalıştırılır ve güncellemeler yapılır.</a:t>
+            </a:r>
+          </a:p>
+        </p:txBody>
+      </p:sp>
+      <p:graphicFrame>
+        <p:nvGraphicFramePr>
+          <p:cNvPr id="6" name="Table 6">
+            <a:extLst>
+              <a:ext uri="{FF2B5EF4-FFF2-40B4-BE49-F238E27FC236}">
+                <a16:creationId xmlns:a16="http://schemas.microsoft.com/office/drawing/2014/main" id="{F1D20FB9-CAF2-D647-DC54-DD58B54626FB}"/>
+              </a:ext>
+            </a:extLst>
+          </p:cNvPr>
+          <p:cNvGraphicFramePr>
+            <a:graphicFrameLocks noGrp="1"/>
+          </p:cNvGraphicFramePr>
+          <p:nvPr>
+            <p:extLst>
+              <p:ext uri="{D42A27DB-BD31-4B8C-83A1-F6EECF244321}">
+                <p14:modId xmlns:p14="http://schemas.microsoft.com/office/powerpoint/2010/main" val="3176422342"/>
+              </p:ext>
+            </p:extLst>
+          </p:nvPr>
+        </p:nvGraphicFramePr>
+        <p:xfrm>
+          <a:off x="925287" y="4499428"/>
+          <a:ext cx="990600" cy="1509488"/>
+        </p:xfrm>
+        <a:graphic>
+          <a:graphicData uri="http://schemas.openxmlformats.org/drawingml/2006/table">
+            <a:tbl>
+              <a:tblPr firstRow="1" bandRow="1">
+                <a:tableStyleId>{5940675A-B579-460E-94D1-54222C63F5DA}</a:tableStyleId>
+              </a:tblPr>
+              <a:tblGrid>
+                <a:gridCol w="330200">
+                  <a:extLst>
+                    <a:ext uri="{9D8B030D-6E8A-4147-A177-3AD203B41FA5}">
+                      <a16:colId xmlns:a16="http://schemas.microsoft.com/office/drawing/2014/main" val="3747434472"/>
+                    </a:ext>
+                  </a:extLst>
+                </a:gridCol>
+                <a:gridCol w="330200">
+                  <a:extLst>
+                    <a:ext uri="{9D8B030D-6E8A-4147-A177-3AD203B41FA5}">
+                      <a16:colId xmlns:a16="http://schemas.microsoft.com/office/drawing/2014/main" val="2256516933"/>
+                    </a:ext>
+                  </a:extLst>
+                </a:gridCol>
+                <a:gridCol w="330200">
+                  <a:extLst>
+                    <a:ext uri="{9D8B030D-6E8A-4147-A177-3AD203B41FA5}">
+                      <a16:colId xmlns:a16="http://schemas.microsoft.com/office/drawing/2014/main" val="3158743034"/>
+                    </a:ext>
+                  </a:extLst>
+                </a:gridCol>
+              </a:tblGrid>
+              <a:tr h="377372">
+                <a:tc>
+                  <a:txBody>
+                    <a:bodyPr/>
+                    <a:lstStyle/>
+                    <a:p>
+                      <a:endParaRPr lang="tr-TR"/>
+                    </a:p>
+                  </a:txBody>
+                  <a:tcPr/>
+                </a:tc>
+                <a:tc>
+                  <a:txBody>
+                    <a:bodyPr/>
+                    <a:lstStyle/>
+                    <a:p>
+                      <a:endParaRPr lang="tr-TR"/>
+                    </a:p>
+                  </a:txBody>
+                  <a:tcPr/>
+                </a:tc>
+                <a:tc>
+                  <a:txBody>
+                    <a:bodyPr/>
+                    <a:lstStyle/>
+                    <a:p>
+                      <a:endParaRPr lang="tr-TR"/>
+                    </a:p>
+                  </a:txBody>
+                  <a:tcPr/>
+                </a:tc>
+                <a:extLst>
+                  <a:ext uri="{0D108BD9-81ED-4DB2-BD59-A6C34878D82A}">
+                    <a16:rowId xmlns:a16="http://schemas.microsoft.com/office/drawing/2014/main" val="3822388142"/>
+                  </a:ext>
+                </a:extLst>
+              </a:tr>
+              <a:tr h="377372">
+                <a:tc>
+                  <a:txBody>
+                    <a:bodyPr/>
+                    <a:lstStyle/>
+                    <a:p>
+                      <a:endParaRPr lang="tr-TR"/>
+                    </a:p>
+                  </a:txBody>
+                  <a:tcPr/>
+                </a:tc>
+                <a:tc>
+                  <a:txBody>
+                    <a:bodyPr/>
+                    <a:lstStyle/>
+                    <a:p>
+                      <a:endParaRPr lang="tr-TR"/>
+                    </a:p>
+                  </a:txBody>
+                  <a:tcPr/>
+                </a:tc>
+                <a:tc>
+                  <a:txBody>
+                    <a:bodyPr/>
+                    <a:lstStyle/>
+                    <a:p>
+                      <a:endParaRPr lang="tr-TR"/>
+                    </a:p>
+                  </a:txBody>
+                  <a:tcPr/>
+                </a:tc>
+                <a:extLst>
+                  <a:ext uri="{0D108BD9-81ED-4DB2-BD59-A6C34878D82A}">
+                    <a16:rowId xmlns:a16="http://schemas.microsoft.com/office/drawing/2014/main" val="1439353816"/>
+                  </a:ext>
+                </a:extLst>
+              </a:tr>
+              <a:tr h="377372">
+                <a:tc>
+                  <a:txBody>
+                    <a:bodyPr/>
+                    <a:lstStyle/>
+                    <a:p>
+                      <a:endParaRPr lang="tr-TR"/>
+                    </a:p>
+                  </a:txBody>
+                  <a:tcPr/>
+                </a:tc>
+                <a:tc>
+                  <a:txBody>
+                    <a:bodyPr/>
+                    <a:lstStyle/>
+                    <a:p>
+                      <a:endParaRPr lang="tr-TR"/>
+                    </a:p>
+                  </a:txBody>
+                  <a:tcPr/>
+                </a:tc>
+                <a:tc>
+                  <a:txBody>
+                    <a:bodyPr/>
+                    <a:lstStyle/>
+                    <a:p>
+                      <a:endParaRPr lang="tr-TR" dirty="0"/>
+                    </a:p>
+                  </a:txBody>
+                  <a:tcPr/>
+                </a:tc>
+                <a:extLst>
+                  <a:ext uri="{0D108BD9-81ED-4DB2-BD59-A6C34878D82A}">
+                    <a16:rowId xmlns:a16="http://schemas.microsoft.com/office/drawing/2014/main" val="2194074564"/>
+                  </a:ext>
+                </a:extLst>
+              </a:tr>
+              <a:tr h="377372">
+                <a:tc>
+                  <a:txBody>
+                    <a:bodyPr/>
+                    <a:lstStyle/>
+                    <a:p>
+                      <a:endParaRPr lang="tr-TR"/>
+                    </a:p>
+                  </a:txBody>
+                  <a:tcPr/>
+                </a:tc>
+                <a:tc>
+                  <a:txBody>
+                    <a:bodyPr/>
+                    <a:lstStyle/>
+                    <a:p>
+                      <a:endParaRPr lang="tr-TR"/>
+                    </a:p>
+                  </a:txBody>
+                  <a:tcPr/>
+                </a:tc>
+                <a:tc>
+                  <a:txBody>
+                    <a:bodyPr/>
+                    <a:lstStyle/>
+                    <a:p>
+                      <a:endParaRPr lang="tr-TR" dirty="0"/>
+                    </a:p>
+                  </a:txBody>
+                  <a:tcPr/>
+                </a:tc>
+                <a:extLst>
+                  <a:ext uri="{0D108BD9-81ED-4DB2-BD59-A6C34878D82A}">
+                    <a16:rowId xmlns:a16="http://schemas.microsoft.com/office/drawing/2014/main" val="1144664456"/>
+                  </a:ext>
+                </a:extLst>
+              </a:tr>
+            </a:tbl>
+          </a:graphicData>
+        </a:graphic>
+      </p:graphicFrame>
+      <p:graphicFrame>
+        <p:nvGraphicFramePr>
+          <p:cNvPr id="7" name="Table 6">
+            <a:extLst>
+              <a:ext uri="{FF2B5EF4-FFF2-40B4-BE49-F238E27FC236}">
+                <a16:creationId xmlns:a16="http://schemas.microsoft.com/office/drawing/2014/main" id="{52DAF8ED-E3C1-52A2-1688-9986A6C85228}"/>
+              </a:ext>
+            </a:extLst>
+          </p:cNvPr>
+          <p:cNvGraphicFramePr>
+            <a:graphicFrameLocks noGrp="1"/>
+          </p:cNvGraphicFramePr>
+          <p:nvPr>
+            <p:extLst>
+              <p:ext uri="{D42A27DB-BD31-4B8C-83A1-F6EECF244321}">
+                <p14:modId xmlns:p14="http://schemas.microsoft.com/office/powerpoint/2010/main" val="1229010759"/>
+              </p:ext>
+            </p:extLst>
+          </p:nvPr>
+        </p:nvGraphicFramePr>
+        <p:xfrm>
+          <a:off x="2068286" y="4896756"/>
+          <a:ext cx="1382488" cy="1509488"/>
+        </p:xfrm>
+        <a:graphic>
+          <a:graphicData uri="http://schemas.openxmlformats.org/drawingml/2006/table">
+            <a:tbl>
+              <a:tblPr firstRow="1" bandRow="1">
+                <a:tableStyleId>{5940675A-B579-460E-94D1-54222C63F5DA}</a:tableStyleId>
+              </a:tblPr>
+              <a:tblGrid>
+                <a:gridCol w="345622">
+                  <a:extLst>
+                    <a:ext uri="{9D8B030D-6E8A-4147-A177-3AD203B41FA5}">
+                      <a16:colId xmlns:a16="http://schemas.microsoft.com/office/drawing/2014/main" val="3747434472"/>
+                    </a:ext>
+                  </a:extLst>
+                </a:gridCol>
+                <a:gridCol w="345622">
+                  <a:extLst>
+                    <a:ext uri="{9D8B030D-6E8A-4147-A177-3AD203B41FA5}">
+                      <a16:colId xmlns:a16="http://schemas.microsoft.com/office/drawing/2014/main" val="2256516933"/>
+                    </a:ext>
+                  </a:extLst>
+                </a:gridCol>
+                <a:gridCol w="345622">
+                  <a:extLst>
+                    <a:ext uri="{9D8B030D-6E8A-4147-A177-3AD203B41FA5}">
+                      <a16:colId xmlns:a16="http://schemas.microsoft.com/office/drawing/2014/main" val="3158743034"/>
+                    </a:ext>
+                  </a:extLst>
+                </a:gridCol>
+                <a:gridCol w="345622">
+                  <a:extLst>
+                    <a:ext uri="{9D8B030D-6E8A-4147-A177-3AD203B41FA5}">
+                      <a16:colId xmlns:a16="http://schemas.microsoft.com/office/drawing/2014/main" val="871969868"/>
+                    </a:ext>
+                  </a:extLst>
+                </a:gridCol>
+              </a:tblGrid>
+              <a:tr h="377372">
+                <a:tc>
+                  <a:txBody>
+                    <a:bodyPr/>
+                    <a:lstStyle/>
+                    <a:p>
+                      <a:endParaRPr lang="tr-TR"/>
+                    </a:p>
+                  </a:txBody>
+                  <a:tcPr/>
+                </a:tc>
+                <a:tc>
+                  <a:txBody>
+                    <a:bodyPr/>
+                    <a:lstStyle/>
+                    <a:p>
+                      <a:endParaRPr lang="tr-TR"/>
+                    </a:p>
+                  </a:txBody>
+                  <a:tcPr/>
+                </a:tc>
+                <a:tc>
+                  <a:txBody>
+                    <a:bodyPr/>
+                    <a:lstStyle/>
+                    <a:p>
+                      <a:endParaRPr lang="tr-TR" dirty="0"/>
+                    </a:p>
+                  </a:txBody>
+                  <a:tcPr/>
+                </a:tc>
+                <a:tc>
+                  <a:txBody>
+                    <a:bodyPr/>
+                    <a:lstStyle/>
+                    <a:p>
+                      <a:endParaRPr lang="tr-TR"/>
+                    </a:p>
+                  </a:txBody>
+                  <a:tcPr/>
+                </a:tc>
+                <a:extLst>
+                  <a:ext uri="{0D108BD9-81ED-4DB2-BD59-A6C34878D82A}">
+                    <a16:rowId xmlns:a16="http://schemas.microsoft.com/office/drawing/2014/main" val="3822388142"/>
+                  </a:ext>
+                </a:extLst>
+              </a:tr>
+              <a:tr h="377372">
+                <a:tc>
+                  <a:txBody>
+                    <a:bodyPr/>
+                    <a:lstStyle/>
+                    <a:p>
+                      <a:endParaRPr lang="tr-TR"/>
+                    </a:p>
+                  </a:txBody>
+                  <a:tcPr/>
+                </a:tc>
+                <a:tc>
+                  <a:txBody>
+                    <a:bodyPr/>
+                    <a:lstStyle/>
+                    <a:p>
+                      <a:endParaRPr lang="tr-TR"/>
+                    </a:p>
+                  </a:txBody>
+                  <a:tcPr/>
+                </a:tc>
+                <a:tc>
+                  <a:txBody>
+                    <a:bodyPr/>
+                    <a:lstStyle/>
+                    <a:p>
+                      <a:endParaRPr lang="tr-TR"/>
+                    </a:p>
+                  </a:txBody>
+                  <a:tcPr/>
+                </a:tc>
+                <a:tc>
+                  <a:txBody>
+                    <a:bodyPr/>
+                    <a:lstStyle/>
+                    <a:p>
+                      <a:endParaRPr lang="tr-TR"/>
+                    </a:p>
+                  </a:txBody>
+                  <a:tcPr/>
+                </a:tc>
+                <a:extLst>
+                  <a:ext uri="{0D108BD9-81ED-4DB2-BD59-A6C34878D82A}">
+                    <a16:rowId xmlns:a16="http://schemas.microsoft.com/office/drawing/2014/main" val="1439353816"/>
+                  </a:ext>
+                </a:extLst>
+              </a:tr>
+              <a:tr h="377372">
+                <a:tc>
+                  <a:txBody>
+                    <a:bodyPr/>
+                    <a:lstStyle/>
+                    <a:p>
+                      <a:endParaRPr lang="tr-TR"/>
+                    </a:p>
+                  </a:txBody>
+                  <a:tcPr/>
+                </a:tc>
+                <a:tc>
+                  <a:txBody>
+                    <a:bodyPr/>
+                    <a:lstStyle/>
+                    <a:p>
+                      <a:endParaRPr lang="tr-TR"/>
+                    </a:p>
+                  </a:txBody>
+                  <a:tcPr/>
+                </a:tc>
+                <a:tc>
+                  <a:txBody>
+                    <a:bodyPr/>
+                    <a:lstStyle/>
+                    <a:p>
+                      <a:endParaRPr lang="tr-TR"/>
+                    </a:p>
+                  </a:txBody>
+                  <a:tcPr/>
+                </a:tc>
+                <a:tc>
+                  <a:txBody>
+                    <a:bodyPr/>
+                    <a:lstStyle/>
+                    <a:p>
+                      <a:endParaRPr lang="tr-TR"/>
+                    </a:p>
+                  </a:txBody>
+                  <a:tcPr/>
+                </a:tc>
+                <a:extLst>
+                  <a:ext uri="{0D108BD9-81ED-4DB2-BD59-A6C34878D82A}">
+                    <a16:rowId xmlns:a16="http://schemas.microsoft.com/office/drawing/2014/main" val="2194074564"/>
+                  </a:ext>
+                </a:extLst>
+              </a:tr>
+              <a:tr h="377372">
+                <a:tc>
+                  <a:txBody>
+                    <a:bodyPr/>
+                    <a:lstStyle/>
+                    <a:p>
+                      <a:endParaRPr lang="tr-TR"/>
+                    </a:p>
+                  </a:txBody>
+                  <a:tcPr/>
+                </a:tc>
+                <a:tc>
+                  <a:txBody>
+                    <a:bodyPr/>
+                    <a:lstStyle/>
+                    <a:p>
+                      <a:endParaRPr lang="tr-TR"/>
+                    </a:p>
+                  </a:txBody>
+                  <a:tcPr/>
+                </a:tc>
+                <a:tc>
+                  <a:txBody>
+                    <a:bodyPr/>
+                    <a:lstStyle/>
+                    <a:p>
+                      <a:endParaRPr lang="tr-TR" dirty="0"/>
+                    </a:p>
+                  </a:txBody>
+                  <a:tcPr/>
+                </a:tc>
+                <a:tc>
+                  <a:txBody>
+                    <a:bodyPr/>
+                    <a:lstStyle/>
+                    <a:p>
+                      <a:endParaRPr lang="tr-TR" dirty="0"/>
+                    </a:p>
+                  </a:txBody>
+                  <a:tcPr/>
+                </a:tc>
+                <a:extLst>
+                  <a:ext uri="{0D108BD9-81ED-4DB2-BD59-A6C34878D82A}">
+                    <a16:rowId xmlns:a16="http://schemas.microsoft.com/office/drawing/2014/main" val="1144664456"/>
+                  </a:ext>
+                </a:extLst>
+              </a:tr>
+            </a:tbl>
+          </a:graphicData>
+        </a:graphic>
+      </p:graphicFrame>
+      <p:graphicFrame>
+        <p:nvGraphicFramePr>
+          <p:cNvPr id="8" name="Table 7">
+            <a:extLst>
+              <a:ext uri="{FF2B5EF4-FFF2-40B4-BE49-F238E27FC236}">
+                <a16:creationId xmlns:a16="http://schemas.microsoft.com/office/drawing/2014/main" id="{D9F7FAA8-B571-976C-F7E3-DD1092CBB2A9}"/>
+              </a:ext>
+            </a:extLst>
+          </p:cNvPr>
+          <p:cNvGraphicFramePr>
+            <a:graphicFrameLocks noGrp="1"/>
+          </p:cNvGraphicFramePr>
+          <p:nvPr>
+            <p:extLst>
+              <p:ext uri="{D42A27DB-BD31-4B8C-83A1-F6EECF244321}">
+                <p14:modId xmlns:p14="http://schemas.microsoft.com/office/powerpoint/2010/main" val="2063260775"/>
+              </p:ext>
+            </p:extLst>
+          </p:nvPr>
+        </p:nvGraphicFramePr>
+        <p:xfrm>
+          <a:off x="3535134" y="4688114"/>
+          <a:ext cx="1036866" cy="1132116"/>
+        </p:xfrm>
+        <a:graphic>
+          <a:graphicData uri="http://schemas.openxmlformats.org/drawingml/2006/table">
+            <a:tbl>
+              <a:tblPr firstRow="1" bandRow="1">
+                <a:tableStyleId>{5940675A-B579-460E-94D1-54222C63F5DA}</a:tableStyleId>
+              </a:tblPr>
+              <a:tblGrid>
+                <a:gridCol w="345622">
+                  <a:extLst>
+                    <a:ext uri="{9D8B030D-6E8A-4147-A177-3AD203B41FA5}">
+                      <a16:colId xmlns:a16="http://schemas.microsoft.com/office/drawing/2014/main" val="3747434472"/>
+                    </a:ext>
+                  </a:extLst>
+                </a:gridCol>
+                <a:gridCol w="345622">
+                  <a:extLst>
+                    <a:ext uri="{9D8B030D-6E8A-4147-A177-3AD203B41FA5}">
+                      <a16:colId xmlns:a16="http://schemas.microsoft.com/office/drawing/2014/main" val="2256516933"/>
+                    </a:ext>
+                  </a:extLst>
+                </a:gridCol>
+                <a:gridCol w="345622">
+                  <a:extLst>
+                    <a:ext uri="{9D8B030D-6E8A-4147-A177-3AD203B41FA5}">
+                      <a16:colId xmlns:a16="http://schemas.microsoft.com/office/drawing/2014/main" val="3158743034"/>
+                    </a:ext>
+                  </a:extLst>
+                </a:gridCol>
+              </a:tblGrid>
+              <a:tr h="377372">
+                <a:tc>
+                  <a:txBody>
+                    <a:bodyPr/>
+                    <a:lstStyle/>
+                    <a:p>
+                      <a:endParaRPr lang="tr-TR"/>
+                    </a:p>
+                  </a:txBody>
+                  <a:tcPr/>
+                </a:tc>
+                <a:tc>
+                  <a:txBody>
+                    <a:bodyPr/>
+                    <a:lstStyle/>
+                    <a:p>
+                      <a:endParaRPr lang="tr-TR"/>
+                    </a:p>
+                  </a:txBody>
+                  <a:tcPr/>
+                </a:tc>
+                <a:tc>
+                  <a:txBody>
+                    <a:bodyPr/>
+                    <a:lstStyle/>
+                    <a:p>
+                      <a:endParaRPr lang="tr-TR" dirty="0"/>
+                    </a:p>
+                  </a:txBody>
+                  <a:tcPr/>
+                </a:tc>
+                <a:extLst>
+                  <a:ext uri="{0D108BD9-81ED-4DB2-BD59-A6C34878D82A}">
+                    <a16:rowId xmlns:a16="http://schemas.microsoft.com/office/drawing/2014/main" val="3822388142"/>
+                  </a:ext>
+                </a:extLst>
+              </a:tr>
+              <a:tr h="377372">
+                <a:tc>
+                  <a:txBody>
+                    <a:bodyPr/>
+                    <a:lstStyle/>
+                    <a:p>
+                      <a:endParaRPr lang="tr-TR"/>
+                    </a:p>
+                  </a:txBody>
+                  <a:tcPr/>
+                </a:tc>
+                <a:tc>
+                  <a:txBody>
+                    <a:bodyPr/>
+                    <a:lstStyle/>
+                    <a:p>
+                      <a:endParaRPr lang="tr-TR" dirty="0"/>
+                    </a:p>
+                  </a:txBody>
+                  <a:tcPr/>
+                </a:tc>
+                <a:tc>
+                  <a:txBody>
+                    <a:bodyPr/>
+                    <a:lstStyle/>
+                    <a:p>
+                      <a:endParaRPr lang="tr-TR"/>
+                    </a:p>
+                  </a:txBody>
+                  <a:tcPr/>
+                </a:tc>
+                <a:extLst>
+                  <a:ext uri="{0D108BD9-81ED-4DB2-BD59-A6C34878D82A}">
+                    <a16:rowId xmlns:a16="http://schemas.microsoft.com/office/drawing/2014/main" val="1439353816"/>
+                  </a:ext>
+                </a:extLst>
+              </a:tr>
+              <a:tr h="377372">
+                <a:tc>
+                  <a:txBody>
+                    <a:bodyPr/>
+                    <a:lstStyle/>
+                    <a:p>
+                      <a:endParaRPr lang="tr-TR"/>
+                    </a:p>
+                  </a:txBody>
+                  <a:tcPr/>
+                </a:tc>
+                <a:tc>
+                  <a:txBody>
+                    <a:bodyPr/>
+                    <a:lstStyle/>
+                    <a:p>
+                      <a:endParaRPr lang="tr-TR" dirty="0"/>
+                    </a:p>
+                  </a:txBody>
+                  <a:tcPr/>
+                </a:tc>
+                <a:tc>
+                  <a:txBody>
+                    <a:bodyPr/>
+                    <a:lstStyle/>
+                    <a:p>
+                      <a:endParaRPr lang="tr-TR" dirty="0"/>
+                    </a:p>
+                  </a:txBody>
+                  <a:tcPr/>
+                </a:tc>
+                <a:extLst>
+                  <a:ext uri="{0D108BD9-81ED-4DB2-BD59-A6C34878D82A}">
+                    <a16:rowId xmlns:a16="http://schemas.microsoft.com/office/drawing/2014/main" val="2194074564"/>
+                  </a:ext>
+                </a:extLst>
+              </a:tr>
+            </a:tbl>
+          </a:graphicData>
+        </a:graphic>
+      </p:graphicFrame>
+      <p:sp>
+        <p:nvSpPr>
+          <p:cNvPr id="9" name="TextBox 8">
+            <a:extLst>
+              <a:ext uri="{FF2B5EF4-FFF2-40B4-BE49-F238E27FC236}">
+                <a16:creationId xmlns:a16="http://schemas.microsoft.com/office/drawing/2014/main" id="{24AB63E5-A14B-3B03-3BC3-988D9623B9F0}"/>
+              </a:ext>
+            </a:extLst>
+          </p:cNvPr>
+          <p:cNvSpPr txBox="1"/>
+          <p:nvPr/>
+        </p:nvSpPr>
+        <p:spPr>
+          <a:xfrm>
+            <a:off x="4999260" y="3989648"/>
+            <a:ext cx="3603171" cy="2585323"/>
+          </a:xfrm>
+          <a:prstGeom prst="rect">
+            <a:avLst/>
+          </a:prstGeom>
+          <a:noFill/>
+        </p:spPr>
+        <p:txBody>
+          <a:bodyPr wrap="square" rtlCol="0">
+            <a:spAutoFit/>
+          </a:bodyPr>
+          <a:lstStyle/>
+          <a:p>
+            <a:r>
+              <a:rPr lang="tr-TR" dirty="0"/>
+              <a:t>Örnek sorgular:</a:t>
+            </a:r>
+          </a:p>
+          <a:p>
+            <a:pPr marL="285750" indent="-285750">
+              <a:buFont typeface="Arial" panose="020B0604020202020204" pitchFamily="34" charset="0"/>
+              <a:buChar char="•"/>
+            </a:pPr>
+            <a:r>
+              <a:rPr lang="tr-TR" dirty="0"/>
+              <a:t>Fotoğrafı olmayan tüm kullanıcılar</a:t>
+            </a:r>
+          </a:p>
+          <a:p>
+            <a:pPr marL="285750" indent="-285750">
+              <a:buFont typeface="Arial" panose="020B0604020202020204" pitchFamily="34" charset="0"/>
+              <a:buChar char="•"/>
+            </a:pPr>
+            <a:r>
+              <a:rPr lang="tr-TR" dirty="0"/>
+              <a:t>Nüfusu 75000'den büyük ilçeler</a:t>
+            </a:r>
+          </a:p>
+          <a:p>
+            <a:pPr marL="285750" indent="-285750">
+              <a:buFont typeface="Arial" panose="020B0604020202020204" pitchFamily="34" charset="0"/>
+              <a:buChar char="•"/>
+            </a:pPr>
+            <a:r>
+              <a:rPr lang="tr-TR" dirty="0"/>
+              <a:t>En çok ilçesi olan 10 il</a:t>
+            </a:r>
+          </a:p>
+          <a:p>
+            <a:endParaRPr lang="tr-TR" dirty="0"/>
+          </a:p>
+          <a:p>
+            <a:r>
+              <a:rPr lang="tr-TR" dirty="0"/>
+              <a:t>Sorgular (</a:t>
+            </a:r>
+            <a:r>
+              <a:rPr lang="tr-TR" dirty="0" err="1"/>
+              <a:t>query</a:t>
+            </a:r>
+            <a:r>
+              <a:rPr lang="tr-TR" dirty="0"/>
+              <a:t>) ile sadece veri seçimi yapılmaz veri güncellenebilir de.</a:t>
+            </a:r>
+          </a:p>
+        </p:txBody>
+      </p:sp>
+    </p:spTree>
+    <p:extLst>
+      <p:ext uri="{BB962C8B-B14F-4D97-AF65-F5344CB8AC3E}">
+        <p14:creationId xmlns:p14="http://schemas.microsoft.com/office/powerpoint/2010/main" val="1155958990"/>
+      </p:ext>
+    </p:extLst>
+  </p:cSld>
+  <p:clrMapOvr>
+    <a:masterClrMapping/>
+  </p:clrMapOvr>
+</p:sld>
+</file>
+
+<file path=ppt/slides/slide12.xml><?xml version="1.0" encoding="utf-8"?>
+<p:sld xmlns:a="http://schemas.openxmlformats.org/drawingml/2006/main" xmlns:r="http://schemas.openxmlformats.org/officeDocument/2006/relationships" xmlns:p="http://schemas.openxmlformats.org/presentationml/2006/main">
+  <p:cSld>
+    <p:spTree>
+      <p:nvGrpSpPr>
+        <p:cNvPr id="1" name=""/>
+        <p:cNvGrpSpPr/>
+        <p:nvPr/>
+      </p:nvGrpSpPr>
+      <p:grpSpPr>
+        <a:xfrm>
+          <a:off x="0" y="0"/>
+          <a:ext cx="0" cy="0"/>
+          <a:chOff x="0" y="0"/>
+          <a:chExt cx="0" cy="0"/>
+        </a:xfrm>
+      </p:grpSpPr>
+      <p:sp>
+        <p:nvSpPr>
+          <p:cNvPr id="2" name="Title 1">
+            <a:extLst>
+              <a:ext uri="{FF2B5EF4-FFF2-40B4-BE49-F238E27FC236}">
+                <a16:creationId xmlns:a16="http://schemas.microsoft.com/office/drawing/2014/main" id="{2B77E816-D53A-DEC6-7F73-15985323014F}"/>
+              </a:ext>
+            </a:extLst>
+          </p:cNvPr>
+          <p:cNvSpPr>
+            <a:spLocks noGrp="1"/>
+          </p:cNvSpPr>
+          <p:nvPr>
+            <p:ph type="title"/>
+          </p:nvPr>
+        </p:nvSpPr>
+        <p:spPr/>
+        <p:txBody>
+          <a:bodyPr/>
+          <a:lstStyle/>
+          <a:p>
+            <a:r>
+              <a:rPr lang="tr-TR" dirty="0"/>
+              <a:t>Sorgular</a:t>
+            </a:r>
+          </a:p>
+        </p:txBody>
+      </p:sp>
+      <p:sp>
+        <p:nvSpPr>
+          <p:cNvPr id="5" name="TextBox 4">
+            <a:extLst>
+              <a:ext uri="{FF2B5EF4-FFF2-40B4-BE49-F238E27FC236}">
+                <a16:creationId xmlns:a16="http://schemas.microsoft.com/office/drawing/2014/main" id="{84638952-E774-F7AE-A36A-C2888C261296}"/>
+              </a:ext>
+            </a:extLst>
+          </p:cNvPr>
+          <p:cNvSpPr txBox="1"/>
+          <p:nvPr/>
+        </p:nvSpPr>
+        <p:spPr>
+          <a:xfrm>
+            <a:off x="628650" y="1690689"/>
+            <a:ext cx="7981950" cy="369332"/>
+          </a:xfrm>
+          <a:prstGeom prst="rect">
+            <a:avLst/>
+          </a:prstGeom>
+          <a:noFill/>
+        </p:spPr>
+        <p:txBody>
+          <a:bodyPr wrap="square" rtlCol="0">
+            <a:spAutoFit/>
+          </a:bodyPr>
+          <a:lstStyle/>
+          <a:p>
+            <a:r>
+              <a:rPr lang="tr-TR" dirty="0"/>
+              <a:t>Sorguların sonuçları ilişki (</a:t>
+            </a:r>
+            <a:r>
+              <a:rPr lang="tr-TR" dirty="0" err="1"/>
+              <a:t>relation</a:t>
+            </a:r>
+            <a:r>
+              <a:rPr lang="tr-TR" dirty="0"/>
+              <a:t>) olarak döner.</a:t>
+            </a:r>
+          </a:p>
+        </p:txBody>
+      </p:sp>
+      <p:graphicFrame>
+        <p:nvGraphicFramePr>
+          <p:cNvPr id="7" name="Table 6">
+            <a:extLst>
+              <a:ext uri="{FF2B5EF4-FFF2-40B4-BE49-F238E27FC236}">
+                <a16:creationId xmlns:a16="http://schemas.microsoft.com/office/drawing/2014/main" id="{52DAF8ED-E3C1-52A2-1688-9986A6C85228}"/>
+              </a:ext>
+            </a:extLst>
+          </p:cNvPr>
+          <p:cNvGraphicFramePr>
+            <a:graphicFrameLocks noGrp="1"/>
+          </p:cNvGraphicFramePr>
+          <p:nvPr>
+            <p:extLst>
+              <p:ext uri="{D42A27DB-BD31-4B8C-83A1-F6EECF244321}">
+                <p14:modId xmlns:p14="http://schemas.microsoft.com/office/powerpoint/2010/main" val="464517380"/>
+              </p:ext>
+            </p:extLst>
+          </p:nvPr>
+        </p:nvGraphicFramePr>
+        <p:xfrm>
+          <a:off x="628650" y="2537280"/>
+          <a:ext cx="3309258" cy="1509488"/>
+        </p:xfrm>
+        <a:graphic>
+          <a:graphicData uri="http://schemas.openxmlformats.org/drawingml/2006/table">
+            <a:tbl>
+              <a:tblPr firstRow="1" bandRow="1">
+                <a:tableStyleId>{5940675A-B579-460E-94D1-54222C63F5DA}</a:tableStyleId>
+              </a:tblPr>
+              <a:tblGrid>
+                <a:gridCol w="1103086">
+                  <a:extLst>
+                    <a:ext uri="{9D8B030D-6E8A-4147-A177-3AD203B41FA5}">
+                      <a16:colId xmlns:a16="http://schemas.microsoft.com/office/drawing/2014/main" val="3747434472"/>
+                    </a:ext>
+                  </a:extLst>
+                </a:gridCol>
+                <a:gridCol w="1103086">
+                  <a:extLst>
+                    <a:ext uri="{9D8B030D-6E8A-4147-A177-3AD203B41FA5}">
+                      <a16:colId xmlns:a16="http://schemas.microsoft.com/office/drawing/2014/main" val="2256516933"/>
+                    </a:ext>
+                  </a:extLst>
+                </a:gridCol>
+                <a:gridCol w="1103086">
+                  <a:extLst>
+                    <a:ext uri="{9D8B030D-6E8A-4147-A177-3AD203B41FA5}">
+                      <a16:colId xmlns:a16="http://schemas.microsoft.com/office/drawing/2014/main" val="3158743034"/>
+                    </a:ext>
+                  </a:extLst>
+                </a:gridCol>
+              </a:tblGrid>
+              <a:tr h="377372">
+                <a:tc>
+                  <a:txBody>
+                    <a:bodyPr/>
+                    <a:lstStyle/>
+                    <a:p>
+                      <a:r>
+                        <a:rPr lang="tr-TR" b="1" dirty="0" err="1"/>
+                        <a:t>no</a:t>
+                      </a:r>
+                      <a:endParaRPr lang="tr-TR" b="1" dirty="0"/>
+                    </a:p>
+                  </a:txBody>
+                  <a:tcPr/>
+                </a:tc>
+                <a:tc>
+                  <a:txBody>
+                    <a:bodyPr/>
+                    <a:lstStyle/>
+                    <a:p>
+                      <a:r>
+                        <a:rPr lang="tr-TR" b="1" dirty="0"/>
+                        <a:t>ad</a:t>
+                      </a:r>
+                    </a:p>
+                  </a:txBody>
+                  <a:tcPr/>
+                </a:tc>
+                <a:tc>
+                  <a:txBody>
+                    <a:bodyPr/>
+                    <a:lstStyle/>
+                    <a:p>
+                      <a:r>
+                        <a:rPr lang="tr-TR" b="1" dirty="0"/>
+                        <a:t>ortalama</a:t>
+                      </a:r>
+                    </a:p>
+                  </a:txBody>
+                  <a:tcPr/>
+                </a:tc>
+                <a:extLst>
+                  <a:ext uri="{0D108BD9-81ED-4DB2-BD59-A6C34878D82A}">
+                    <a16:rowId xmlns:a16="http://schemas.microsoft.com/office/drawing/2014/main" val="3822388142"/>
+                  </a:ext>
+                </a:extLst>
+              </a:tr>
+              <a:tr h="377372">
+                <a:tc>
+                  <a:txBody>
+                    <a:bodyPr/>
+                    <a:lstStyle/>
+                    <a:p>
+                      <a:r>
+                        <a:rPr lang="tr-TR" dirty="0"/>
+                        <a:t>123</a:t>
+                      </a:r>
+                    </a:p>
+                  </a:txBody>
+                  <a:tcPr/>
+                </a:tc>
+                <a:tc>
+                  <a:txBody>
+                    <a:bodyPr/>
+                    <a:lstStyle/>
+                    <a:p>
+                      <a:r>
+                        <a:rPr lang="tr-TR" dirty="0"/>
+                        <a:t>Ali</a:t>
+                      </a:r>
+                    </a:p>
+                  </a:txBody>
+                  <a:tcPr/>
+                </a:tc>
+                <a:tc>
+                  <a:txBody>
+                    <a:bodyPr/>
+                    <a:lstStyle/>
+                    <a:p>
+                      <a:r>
+                        <a:rPr lang="tr-TR" dirty="0"/>
+                        <a:t>3.65</a:t>
+                      </a:r>
+                    </a:p>
+                  </a:txBody>
+                  <a:tcPr/>
+                </a:tc>
+                <a:extLst>
+                  <a:ext uri="{0D108BD9-81ED-4DB2-BD59-A6C34878D82A}">
+                    <a16:rowId xmlns:a16="http://schemas.microsoft.com/office/drawing/2014/main" val="1439353816"/>
+                  </a:ext>
+                </a:extLst>
+              </a:tr>
+              <a:tr h="377372">
+                <a:tc>
+                  <a:txBody>
+                    <a:bodyPr/>
+                    <a:lstStyle/>
+                    <a:p>
+                      <a:r>
+                        <a:rPr lang="tr-TR" dirty="0"/>
+                        <a:t>456</a:t>
+                      </a:r>
+                    </a:p>
+                  </a:txBody>
+                  <a:tcPr/>
+                </a:tc>
+                <a:tc>
+                  <a:txBody>
+                    <a:bodyPr/>
+                    <a:lstStyle/>
+                    <a:p>
+                      <a:r>
+                        <a:rPr lang="tr-TR" dirty="0"/>
+                        <a:t>Veli</a:t>
+                      </a:r>
+                    </a:p>
+                  </a:txBody>
+                  <a:tcPr/>
+                </a:tc>
+                <a:tc>
+                  <a:txBody>
+                    <a:bodyPr/>
+                    <a:lstStyle/>
+                    <a:p>
+                      <a:r>
+                        <a:rPr lang="tr-TR" dirty="0"/>
+                        <a:t>2.24</a:t>
+                      </a:r>
+                    </a:p>
+                  </a:txBody>
+                  <a:tcPr/>
+                </a:tc>
+                <a:extLst>
+                  <a:ext uri="{0D108BD9-81ED-4DB2-BD59-A6C34878D82A}">
+                    <a16:rowId xmlns:a16="http://schemas.microsoft.com/office/drawing/2014/main" val="2194074564"/>
+                  </a:ext>
+                </a:extLst>
+              </a:tr>
+              <a:tr h="377372">
+                <a:tc>
+                  <a:txBody>
+                    <a:bodyPr/>
+                    <a:lstStyle/>
+                    <a:p>
+                      <a:r>
+                        <a:rPr lang="tr-TR" dirty="0"/>
+                        <a:t>789</a:t>
+                      </a:r>
+                    </a:p>
+                  </a:txBody>
+                  <a:tcPr/>
+                </a:tc>
+                <a:tc>
+                  <a:txBody>
+                    <a:bodyPr/>
+                    <a:lstStyle/>
+                    <a:p>
+                      <a:r>
+                        <a:rPr lang="tr-TR" dirty="0"/>
+                        <a:t>Ayşe</a:t>
+                      </a:r>
+                    </a:p>
+                  </a:txBody>
+                  <a:tcPr/>
+                </a:tc>
+                <a:tc>
+                  <a:txBody>
+                    <a:bodyPr/>
+                    <a:lstStyle/>
+                    <a:p>
+                      <a:r>
+                        <a:rPr lang="tr-TR" dirty="0"/>
+                        <a:t>2.98</a:t>
+                      </a:r>
+                    </a:p>
+                  </a:txBody>
+                  <a:tcPr/>
+                </a:tc>
+                <a:extLst>
+                  <a:ext uri="{0D108BD9-81ED-4DB2-BD59-A6C34878D82A}">
+                    <a16:rowId xmlns:a16="http://schemas.microsoft.com/office/drawing/2014/main" val="1144664456"/>
+                  </a:ext>
+                </a:extLst>
+              </a:tr>
+            </a:tbl>
+          </a:graphicData>
+        </a:graphic>
+      </p:graphicFrame>
+      <p:sp>
+        <p:nvSpPr>
+          <p:cNvPr id="3" name="TextBox 2">
+            <a:extLst>
+              <a:ext uri="{FF2B5EF4-FFF2-40B4-BE49-F238E27FC236}">
+                <a16:creationId xmlns:a16="http://schemas.microsoft.com/office/drawing/2014/main" id="{8B51D683-C7BF-BE01-91EC-F6E2C3031FF2}"/>
+              </a:ext>
+            </a:extLst>
+          </p:cNvPr>
+          <p:cNvSpPr txBox="1"/>
+          <p:nvPr/>
+        </p:nvSpPr>
+        <p:spPr>
+          <a:xfrm>
+            <a:off x="628650" y="4797979"/>
+            <a:ext cx="4247317" cy="369332"/>
+          </a:xfrm>
+          <a:prstGeom prst="rect">
+            <a:avLst/>
+          </a:prstGeom>
+          <a:noFill/>
+        </p:spPr>
+        <p:txBody>
+          <a:bodyPr wrap="none" rtlCol="0">
+            <a:spAutoFit/>
+          </a:bodyPr>
+          <a:lstStyle/>
+          <a:p>
+            <a:r>
+              <a:rPr lang="tr-TR" dirty="0"/>
+              <a:t>Sorgu: Not ortalaması &gt; 2.5 olan öğrenciler</a:t>
+            </a:r>
+          </a:p>
+        </p:txBody>
+      </p:sp>
+      <p:sp>
+        <p:nvSpPr>
+          <p:cNvPr id="10" name="Right Brace 9">
+            <a:extLst>
+              <a:ext uri="{FF2B5EF4-FFF2-40B4-BE49-F238E27FC236}">
+                <a16:creationId xmlns:a16="http://schemas.microsoft.com/office/drawing/2014/main" id="{D6470FA1-84E8-F68C-3594-0D21C0185E1C}"/>
+              </a:ext>
+            </a:extLst>
+          </p:cNvPr>
+          <p:cNvSpPr/>
+          <p:nvPr/>
+        </p:nvSpPr>
+        <p:spPr>
+          <a:xfrm>
+            <a:off x="4103914" y="2537280"/>
+            <a:ext cx="468086" cy="1509488"/>
+          </a:xfrm>
+          <a:prstGeom prst="rightBrace">
+            <a:avLst/>
+          </a:prstGeom>
+          <a:ln w="38100"/>
+        </p:spPr>
+        <p:style>
+          <a:lnRef idx="1">
+            <a:schemeClr val="accent1"/>
+          </a:lnRef>
+          <a:fillRef idx="0">
+            <a:schemeClr val="accent1"/>
+          </a:fillRef>
+          <a:effectRef idx="0">
+            <a:schemeClr val="accent1"/>
+          </a:effectRef>
+          <a:fontRef idx="minor">
+            <a:schemeClr val="tx1"/>
+          </a:fontRef>
+        </p:style>
+        <p:txBody>
+          <a:bodyPr rtlCol="0" anchor="ctr"/>
+          <a:lstStyle/>
+          <a:p>
+            <a:pPr algn="ctr"/>
+            <a:endParaRPr lang="tr-TR"/>
+          </a:p>
+        </p:txBody>
+      </p:sp>
+      <p:sp>
+        <p:nvSpPr>
+          <p:cNvPr id="11" name="TextBox 10">
+            <a:extLst>
+              <a:ext uri="{FF2B5EF4-FFF2-40B4-BE49-F238E27FC236}">
+                <a16:creationId xmlns:a16="http://schemas.microsoft.com/office/drawing/2014/main" id="{033309DC-C141-C424-2F8D-3F7F4DA07E36}"/>
+              </a:ext>
+            </a:extLst>
+          </p:cNvPr>
+          <p:cNvSpPr txBox="1"/>
+          <p:nvPr/>
+        </p:nvSpPr>
+        <p:spPr>
+          <a:xfrm>
+            <a:off x="4738006" y="3107358"/>
+            <a:ext cx="1129027" cy="369332"/>
+          </a:xfrm>
+          <a:prstGeom prst="rect">
+            <a:avLst/>
+          </a:prstGeom>
+          <a:noFill/>
+        </p:spPr>
+        <p:txBody>
+          <a:bodyPr wrap="none" rtlCol="0">
+            <a:spAutoFit/>
+          </a:bodyPr>
+          <a:lstStyle/>
+          <a:p>
+            <a:r>
+              <a:rPr lang="tr-TR" dirty="0"/>
+              <a:t>öğrenciler</a:t>
+            </a:r>
+          </a:p>
+        </p:txBody>
+      </p:sp>
+    </p:spTree>
+    <p:extLst>
+      <p:ext uri="{BB962C8B-B14F-4D97-AF65-F5344CB8AC3E}">
+        <p14:creationId xmlns:p14="http://schemas.microsoft.com/office/powerpoint/2010/main" val="3896399197"/>
+      </p:ext>
+    </p:extLst>
+  </p:cSld>
+  <p:clrMapOvr>
+    <a:masterClrMapping/>
+  </p:clrMapOvr>
+</p:sld>
+</file>
+
+<file path=ppt/slides/slide13.xml><?xml version="1.0" encoding="utf-8"?>
+<p:sld xmlns:a="http://schemas.openxmlformats.org/drawingml/2006/main" xmlns:r="http://schemas.openxmlformats.org/officeDocument/2006/relationships" xmlns:p="http://schemas.openxmlformats.org/presentationml/2006/main">
+  <p:cSld>
+    <p:spTree>
+      <p:nvGrpSpPr>
+        <p:cNvPr id="1" name=""/>
+        <p:cNvGrpSpPr/>
+        <p:nvPr/>
+      </p:nvGrpSpPr>
+      <p:grpSpPr>
+        <a:xfrm>
+          <a:off x="0" y="0"/>
+          <a:ext cx="0" cy="0"/>
+          <a:chOff x="0" y="0"/>
+          <a:chExt cx="0" cy="0"/>
+        </a:xfrm>
+      </p:grpSpPr>
+      <p:sp>
+        <p:nvSpPr>
+          <p:cNvPr id="2" name="Title 1">
+            <a:extLst>
+              <a:ext uri="{FF2B5EF4-FFF2-40B4-BE49-F238E27FC236}">
+                <a16:creationId xmlns:a16="http://schemas.microsoft.com/office/drawing/2014/main" id="{2B77E816-D53A-DEC6-7F73-15985323014F}"/>
+              </a:ext>
+            </a:extLst>
+          </p:cNvPr>
+          <p:cNvSpPr>
+            <a:spLocks noGrp="1"/>
+          </p:cNvSpPr>
+          <p:nvPr>
+            <p:ph type="title"/>
+          </p:nvPr>
+        </p:nvSpPr>
+        <p:spPr/>
+        <p:txBody>
+          <a:bodyPr/>
+          <a:lstStyle/>
+          <a:p>
+            <a:r>
+              <a:rPr lang="tr-TR" dirty="0"/>
+              <a:t>Sorgu Dilleri</a:t>
+            </a:r>
+          </a:p>
+        </p:txBody>
+      </p:sp>
+      <p:sp>
+        <p:nvSpPr>
+          <p:cNvPr id="5" name="TextBox 4">
+            <a:extLst>
+              <a:ext uri="{FF2B5EF4-FFF2-40B4-BE49-F238E27FC236}">
+                <a16:creationId xmlns:a16="http://schemas.microsoft.com/office/drawing/2014/main" id="{84638952-E774-F7AE-A36A-C2888C261296}"/>
+              </a:ext>
+            </a:extLst>
+          </p:cNvPr>
+          <p:cNvSpPr txBox="1"/>
+          <p:nvPr/>
+        </p:nvSpPr>
+        <p:spPr>
+          <a:xfrm>
+            <a:off x="628650" y="1690689"/>
+            <a:ext cx="7981950" cy="2585323"/>
+          </a:xfrm>
+          <a:prstGeom prst="rect">
+            <a:avLst/>
+          </a:prstGeom>
+          <a:noFill/>
+        </p:spPr>
+        <p:txBody>
+          <a:bodyPr wrap="square" rtlCol="0">
+            <a:spAutoFit/>
+          </a:bodyPr>
+          <a:lstStyle/>
+          <a:p>
+            <a:r>
+              <a:rPr lang="tr-TR" dirty="0"/>
+              <a:t>Sorgu: Not ortalaması &gt; 2.5 olan öğrencilerin numaraları ve adları</a:t>
+            </a:r>
+          </a:p>
+          <a:p>
+            <a:endParaRPr lang="tr-TR" dirty="0"/>
+          </a:p>
+          <a:p>
+            <a:r>
+              <a:rPr lang="tr-TR" i="1" dirty="0"/>
+              <a:t>öğrenciler(</a:t>
+            </a:r>
+            <a:r>
+              <a:rPr lang="tr-TR" i="1" dirty="0" err="1"/>
+              <a:t>no</a:t>
+            </a:r>
+            <a:r>
+              <a:rPr lang="tr-TR" i="1" dirty="0"/>
+              <a:t> </a:t>
+            </a:r>
+            <a:r>
+              <a:rPr lang="tr-TR" i="1" dirty="0" err="1"/>
+              <a:t>sayi</a:t>
+            </a:r>
+            <a:r>
+              <a:rPr lang="tr-TR" i="1" dirty="0"/>
+              <a:t>, ad </a:t>
+            </a:r>
+            <a:r>
+              <a:rPr lang="tr-TR" i="1" dirty="0" err="1"/>
+              <a:t>string</a:t>
+            </a:r>
+            <a:r>
+              <a:rPr lang="tr-TR" i="1" dirty="0"/>
+              <a:t>, ortalama </a:t>
+            </a:r>
+            <a:r>
+              <a:rPr lang="tr-TR" i="1" dirty="0" err="1"/>
+              <a:t>float</a:t>
+            </a:r>
+            <a:r>
+              <a:rPr lang="tr-TR" i="1" dirty="0"/>
+              <a:t>)</a:t>
+            </a:r>
+          </a:p>
+          <a:p>
+            <a:pPr marL="342900" indent="-342900">
+              <a:buAutoNum type="arabicPeriod"/>
+            </a:pPr>
+            <a:endParaRPr lang="tr-TR" dirty="0"/>
+          </a:p>
+          <a:p>
+            <a:pPr marL="342900" indent="-342900">
+              <a:buAutoNum type="arabicPeriod"/>
+            </a:pPr>
+            <a:r>
+              <a:rPr lang="tr-TR" dirty="0"/>
+              <a:t>İlişkisel cebir (</a:t>
+            </a:r>
+            <a:r>
+              <a:rPr lang="tr-TR" dirty="0" err="1"/>
+              <a:t>Relational</a:t>
+            </a:r>
+            <a:r>
+              <a:rPr lang="tr-TR" dirty="0"/>
+              <a:t> </a:t>
+            </a:r>
+            <a:r>
+              <a:rPr lang="tr-TR" dirty="0" err="1"/>
+              <a:t>algebra</a:t>
+            </a:r>
+            <a:r>
+              <a:rPr lang="tr-TR" dirty="0"/>
+              <a:t>).</a:t>
+            </a:r>
+          </a:p>
+          <a:p>
+            <a:pPr marL="342900" indent="-342900">
+              <a:buAutoNum type="arabicPeriod"/>
+            </a:pPr>
+            <a:endParaRPr lang="tr-TR" dirty="0"/>
+          </a:p>
+          <a:p>
+            <a:pPr marL="342900" indent="-342900">
+              <a:buAutoNum type="arabicPeriod"/>
+            </a:pPr>
+            <a:endParaRPr lang="tr-TR" dirty="0"/>
+          </a:p>
+          <a:p>
+            <a:pPr marL="342900" indent="-342900">
+              <a:buAutoNum type="arabicPeriod"/>
+            </a:pPr>
+            <a:endParaRPr lang="tr-TR" dirty="0"/>
+          </a:p>
+          <a:p>
+            <a:pPr marL="342900" indent="-342900">
+              <a:buAutoNum type="arabicPeriod"/>
+            </a:pPr>
+            <a:r>
+              <a:rPr lang="tr-TR" dirty="0"/>
+              <a:t>SQL</a:t>
+            </a:r>
+          </a:p>
+        </p:txBody>
+      </p:sp>
+    </p:spTree>
+    <p:extLst>
+      <p:ext uri="{BB962C8B-B14F-4D97-AF65-F5344CB8AC3E}">
+        <p14:creationId xmlns:p14="http://schemas.microsoft.com/office/powerpoint/2010/main" val="4019477753"/>
+      </p:ext>
+    </p:extLst>
+  </p:cSld>
+  <p:clrMapOvr>
+    <a:masterClrMapping/>
+  </p:clrMapOvr>
+</p:sld>
+</file>
+
+<file path=ppt/slides/slide14.xml><?xml version="1.0" encoding="utf-8"?>
+<p:sld xmlns:a="http://schemas.openxmlformats.org/drawingml/2006/main" xmlns:r="http://schemas.openxmlformats.org/officeDocument/2006/relationships" xmlns:p="http://schemas.openxmlformats.org/presentationml/2006/main">
+  <p:cSld>
+    <p:spTree>
+      <p:nvGrpSpPr>
+        <p:cNvPr id="1" name=""/>
+        <p:cNvGrpSpPr/>
+        <p:nvPr/>
+      </p:nvGrpSpPr>
+      <p:grpSpPr>
+        <a:xfrm>
+          <a:off x="0" y="0"/>
+          <a:ext cx="0" cy="0"/>
+          <a:chOff x="0" y="0"/>
+          <a:chExt cx="0" cy="0"/>
+        </a:xfrm>
+      </p:grpSpPr>
+      <p:sp>
+        <p:nvSpPr>
+          <p:cNvPr id="2" name="Title 1">
+            <a:extLst>
+              <a:ext uri="{FF2B5EF4-FFF2-40B4-BE49-F238E27FC236}">
+                <a16:creationId xmlns:a16="http://schemas.microsoft.com/office/drawing/2014/main" id="{345024D8-D544-D25E-1CDC-C4059DCF43DF}"/>
+              </a:ext>
+            </a:extLst>
+          </p:cNvPr>
+          <p:cNvSpPr>
+            <a:spLocks noGrp="1"/>
+          </p:cNvSpPr>
+          <p:nvPr>
+            <p:ph type="title"/>
+          </p:nvPr>
+        </p:nvSpPr>
+        <p:spPr/>
+        <p:txBody>
+          <a:bodyPr/>
+          <a:lstStyle/>
+          <a:p>
+            <a:r>
+              <a:rPr lang="tr-TR" dirty="0"/>
+              <a:t>Uygulama</a:t>
+            </a:r>
+          </a:p>
+        </p:txBody>
+      </p:sp>
+      <p:sp>
+        <p:nvSpPr>
+          <p:cNvPr id="3" name="Content Placeholder 2">
+            <a:extLst>
+              <a:ext uri="{FF2B5EF4-FFF2-40B4-BE49-F238E27FC236}">
+                <a16:creationId xmlns:a16="http://schemas.microsoft.com/office/drawing/2014/main" id="{B36C078E-7FC3-F230-9583-E0AE99E07242}"/>
+              </a:ext>
+            </a:extLst>
+          </p:cNvPr>
+          <p:cNvSpPr>
+            <a:spLocks noGrp="1"/>
+          </p:cNvSpPr>
+          <p:nvPr>
+            <p:ph idx="1"/>
+          </p:nvPr>
+        </p:nvSpPr>
+        <p:spPr/>
+        <p:txBody>
+          <a:bodyPr/>
+          <a:lstStyle/>
+          <a:p>
+            <a:r>
+              <a:rPr lang="tr-TR" dirty="0" err="1"/>
+              <a:t>PostgreSQL</a:t>
+            </a:r>
+            <a:r>
+              <a:rPr lang="tr-TR" dirty="0"/>
+              <a:t>, en karmaşık veri iş yüklerini güvenli bir şekilde depolayan ve ölçeklendiren birçok özellikle birlikte SQL dilini kullanan ve genişleten güçlü, açık kaynaklı bir nesne ilişkisel </a:t>
+            </a:r>
+            <a:r>
+              <a:rPr lang="tr-TR" dirty="0" err="1"/>
+              <a:t>veritabanı</a:t>
+            </a:r>
+            <a:r>
+              <a:rPr lang="tr-TR" dirty="0"/>
+              <a:t> sistemidir.</a:t>
+            </a:r>
+          </a:p>
+          <a:p>
+            <a:r>
+              <a:rPr lang="tr-TR" dirty="0" err="1"/>
+              <a:t>PostgreSQL'in</a:t>
+            </a:r>
+            <a:r>
+              <a:rPr lang="tr-TR" dirty="0"/>
+              <a:t> kökenleri, Berkeley'deki California Üniversitesi'ndeki POSTGRES projesinin bir parçası olarak 1986'ya kadar uzanır ve çekirdek platformda 35 yılı aşkın süredir aktif olarak geliştirilmektedir.</a:t>
+            </a:r>
+          </a:p>
+          <a:p>
+            <a:r>
+              <a:rPr lang="tr-TR" dirty="0">
+                <a:hlinkClick r:id="rId2"/>
+              </a:rPr>
+              <a:t>https://www.postgresql.org/download/</a:t>
+            </a:r>
+            <a:endParaRPr lang="tr-TR" dirty="0"/>
+          </a:p>
+          <a:p>
+            <a:endParaRPr lang="tr-TR" dirty="0"/>
+          </a:p>
+        </p:txBody>
+      </p:sp>
+    </p:spTree>
+    <p:extLst>
+      <p:ext uri="{BB962C8B-B14F-4D97-AF65-F5344CB8AC3E}">
+        <p14:creationId xmlns:p14="http://schemas.microsoft.com/office/powerpoint/2010/main" val="124954545"/>
+      </p:ext>
+    </p:extLst>
+  </p:cSld>
+  <p:clrMapOvr>
+    <a:masterClrMapping/>
+  </p:clrMapOvr>
+</p:sld>
+</file>
+
 <file path=ppt/slides/slide2.xml><?xml version="1.0" encoding="utf-8"?>
 <p:sld xmlns:a="http://schemas.openxmlformats.org/drawingml/2006/main" xmlns:r="http://schemas.openxmlformats.org/officeDocument/2006/relationships" xmlns:p="http://schemas.openxmlformats.org/presentationml/2006/main">
   <p:cSld>
@@ -3547,12 +5331,8 @@
           <a:lstStyle/>
           <a:p>
             <a:r>
-              <a:rPr lang="tr-TR" dirty="0" err="1"/>
-              <a:t>Veritabanı</a:t>
-            </a:r>
-            <a:r>
-              <a:rPr lang="tr-TR" dirty="0"/>
-              <a:t> (Database) </a:t>
+              <a:rPr lang="tr-TR" dirty="0"/>
+              <a:t>Veritabanı (Database) </a:t>
             </a:r>
           </a:p>
         </p:txBody>
@@ -3706,12 +5486,8 @@
           <a:lstStyle/>
           <a:p>
             <a:r>
-              <a:rPr lang="tr-TR" sz="4000" dirty="0" err="1"/>
-              <a:t>Veritabanı</a:t>
-            </a:r>
-            <a:r>
               <a:rPr lang="tr-TR" sz="4000" dirty="0"/>
-              <a:t> Yönetim Sistemi (DBMS)</a:t>
+              <a:t>Veritabanı Yönetim Sistemi (DBMS)</a:t>
             </a:r>
           </a:p>
         </p:txBody>
@@ -3740,12 +5516,8 @@
           <a:lstStyle/>
           <a:p>
             <a:r>
-              <a:rPr lang="tr-TR" dirty="0" err="1"/>
-              <a:t>Veritabanı</a:t>
-            </a:r>
-            <a:r>
-              <a:rPr lang="tr-TR" dirty="0"/>
-              <a:t> yönetim sistemi, </a:t>
+              <a:rPr lang="tr-TR" dirty="0"/>
+              <a:t>Veritabanı yönetim sistemi, </a:t>
             </a:r>
             <a:r>
               <a:rPr lang="tr-TR" dirty="0" err="1"/>
@@ -3840,12 +5612,8 @@
           <a:lstStyle/>
           <a:p>
             <a:r>
-              <a:rPr lang="tr-TR" sz="4000" dirty="0" err="1"/>
-              <a:t>Veritabanı</a:t>
-            </a:r>
-            <a:r>
               <a:rPr lang="tr-TR" sz="4000" dirty="0"/>
-              <a:t> Yönetim Sistemi (DBMS)</a:t>
+              <a:t>Veritabanı Yönetim Sistemi (DBMS)</a:t>
             </a:r>
           </a:p>
         </p:txBody>
@@ -4376,8 +6144,8 @@
         </p:nvSpPr>
         <p:spPr>
           <a:xfrm>
-            <a:off x="6134589" y="4270856"/>
-            <a:ext cx="2713115" cy="369332"/>
+            <a:off x="6130498" y="4122501"/>
+            <a:ext cx="2121863" cy="646331"/>
           </a:xfrm>
           <a:prstGeom prst="rect">
             <a:avLst/>
@@ -4392,11 +6160,25 @@
           <a:p>
             <a:r>
               <a:rPr lang="tr-TR" dirty="0"/>
-              <a:t>Kayıtlar, satırlar, veri (</a:t>
+              <a:t>Kayıtlar, satırlar, veri </a:t>
+            </a:r>
+          </a:p>
+          <a:p>
+            <a:r>
+              <a:rPr lang="tr-TR" dirty="0"/>
+              <a:t>(</a:t>
             </a:r>
             <a:r>
               <a:rPr lang="tr-TR" dirty="0" err="1"/>
               <a:t>rows</a:t>
+            </a:r>
+            <a:r>
+              <a:rPr lang="tr-TR" dirty="0"/>
+              <a:t>, </a:t>
+            </a:r>
+            <a:r>
+              <a:rPr lang="tr-TR" dirty="0" err="1"/>
+              <a:t>tuples</a:t>
             </a:r>
             <a:r>
               <a:rPr lang="tr-TR" dirty="0"/>
@@ -4622,15 +6404,7 @@
           <a:p>
             <a:r>
               <a:rPr lang="tr-TR" dirty="0"/>
-              <a:t>Veri Tanımlama Dili (Data Definition Language - DDL): </a:t>
-            </a:r>
-            <a:r>
-              <a:rPr lang="tr-TR" dirty="0" err="1"/>
-              <a:t>Veritabanı</a:t>
-            </a:r>
-            <a:r>
-              <a:rPr lang="tr-TR" dirty="0"/>
-              <a:t> şemasını inşa etmek için kullanılan dildir.</a:t>
+              <a:t>Veri Tanımlama Dili (Data Definition Language - DDL): Veritabanı şemasını inşa etmek için kullanılan dildir.</a:t>
             </a:r>
           </a:p>
           <a:p>
@@ -4714,7 +6488,7 @@
           <p:cNvPr id="2" name="Title 1">
             <a:extLst>
               <a:ext uri="{FF2B5EF4-FFF2-40B4-BE49-F238E27FC236}">
-                <a16:creationId xmlns:a16="http://schemas.microsoft.com/office/drawing/2014/main" id="{2A6C6E5E-D96E-8FC8-B276-FFF82B9C4EA0}"/>
+                <a16:creationId xmlns:a16="http://schemas.microsoft.com/office/drawing/2014/main" id="{8799006B-3544-E55E-037E-FF8029E25E78}"/>
               </a:ext>
             </a:extLst>
           </p:cNvPr>
@@ -4732,90 +6506,837 @@
           <a:p>
             <a:r>
               <a:rPr lang="tr-TR" dirty="0"/>
-              <a:t>Roller</a:t>
-            </a:r>
-          </a:p>
-        </p:txBody>
-      </p:sp>
-      <p:sp>
-        <p:nvSpPr>
-          <p:cNvPr id="3" name="Content Placeholder 2">
+              <a:t>İlişkisel Veri Modeli</a:t>
+            </a:r>
+          </a:p>
+        </p:txBody>
+      </p:sp>
+      <p:sp>
+        <p:nvSpPr>
+          <p:cNvPr id="5" name="TextBox 4">
             <a:extLst>
               <a:ext uri="{FF2B5EF4-FFF2-40B4-BE49-F238E27FC236}">
-                <a16:creationId xmlns:a16="http://schemas.microsoft.com/office/drawing/2014/main" id="{BDFD78DE-A5F3-35C8-2A39-23EA591E6092}"/>
+                <a16:creationId xmlns:a16="http://schemas.microsoft.com/office/drawing/2014/main" id="{AF986A3F-A2A2-BD1D-BC65-B569757F4F05}"/>
               </a:ext>
             </a:extLst>
           </p:cNvPr>
-          <p:cNvSpPr>
-            <a:spLocks noGrp="1"/>
-          </p:cNvSpPr>
-          <p:nvPr>
-            <p:ph idx="1"/>
-          </p:nvPr>
-        </p:nvSpPr>
-        <p:spPr/>
-        <p:txBody>
-          <a:bodyPr>
-            <a:normAutofit fontScale="92500" lnSpcReduction="10000"/>
+          <p:cNvSpPr txBox="1"/>
+          <p:nvPr/>
+        </p:nvSpPr>
+        <p:spPr>
+          <a:xfrm>
+            <a:off x="628650" y="1690689"/>
+            <a:ext cx="7886700" cy="369332"/>
+          </a:xfrm>
+          <a:prstGeom prst="rect">
+            <a:avLst/>
+          </a:prstGeom>
+          <a:noFill/>
+        </p:spPr>
+        <p:txBody>
+          <a:bodyPr wrap="square" rtlCol="0">
+            <a:spAutoFit/>
           </a:bodyPr>
           <a:lstStyle/>
           <a:p>
             <a:r>
               <a:rPr lang="tr-TR" dirty="0"/>
-              <a:t>DBMS Kurucusu (</a:t>
-            </a:r>
+              <a:t>Veritabanı = Adlandırılmış tablolar (ilişkiler) kümesi</a:t>
+            </a:r>
+          </a:p>
+        </p:txBody>
+      </p:sp>
+      <p:graphicFrame>
+        <p:nvGraphicFramePr>
+          <p:cNvPr id="6" name="Table 7">
+            <a:extLst>
+              <a:ext uri="{FF2B5EF4-FFF2-40B4-BE49-F238E27FC236}">
+                <a16:creationId xmlns:a16="http://schemas.microsoft.com/office/drawing/2014/main" id="{47CCC8BC-36C5-7FC0-F42A-5F186B85226C}"/>
+              </a:ext>
+            </a:extLst>
+          </p:cNvPr>
+          <p:cNvGraphicFramePr>
+            <a:graphicFrameLocks noGrp="1"/>
+          </p:cNvGraphicFramePr>
+          <p:nvPr>
+            <p:extLst>
+              <p:ext uri="{D42A27DB-BD31-4B8C-83A1-F6EECF244321}">
+                <p14:modId xmlns:p14="http://schemas.microsoft.com/office/powerpoint/2010/main" val="1843790194"/>
+              </p:ext>
+            </p:extLst>
+          </p:nvPr>
+        </p:nvGraphicFramePr>
+        <p:xfrm>
+          <a:off x="511627" y="2757714"/>
+          <a:ext cx="3603173" cy="1854200"/>
+        </p:xfrm>
+        <a:graphic>
+          <a:graphicData uri="http://schemas.openxmlformats.org/drawingml/2006/table">
+            <a:tbl>
+              <a:tblPr firstRow="1" bandRow="1">
+                <a:tableStyleId>{5940675A-B579-460E-94D1-54222C63F5DA}</a:tableStyleId>
+              </a:tblPr>
+              <a:tblGrid>
+                <a:gridCol w="1062110">
+                  <a:extLst>
+                    <a:ext uri="{9D8B030D-6E8A-4147-A177-3AD203B41FA5}">
+                      <a16:colId xmlns:a16="http://schemas.microsoft.com/office/drawing/2014/main" val="1400457249"/>
+                    </a:ext>
+                  </a:extLst>
+                </a:gridCol>
+                <a:gridCol w="1081572">
+                  <a:extLst>
+                    <a:ext uri="{9D8B030D-6E8A-4147-A177-3AD203B41FA5}">
+                      <a16:colId xmlns:a16="http://schemas.microsoft.com/office/drawing/2014/main" val="474643128"/>
+                    </a:ext>
+                  </a:extLst>
+                </a:gridCol>
+                <a:gridCol w="893030">
+                  <a:extLst>
+                    <a:ext uri="{9D8B030D-6E8A-4147-A177-3AD203B41FA5}">
+                      <a16:colId xmlns:a16="http://schemas.microsoft.com/office/drawing/2014/main" val="1379110036"/>
+                    </a:ext>
+                  </a:extLst>
+                </a:gridCol>
+                <a:gridCol w="566461">
+                  <a:extLst>
+                    <a:ext uri="{9D8B030D-6E8A-4147-A177-3AD203B41FA5}">
+                      <a16:colId xmlns:a16="http://schemas.microsoft.com/office/drawing/2014/main" val="3960494104"/>
+                    </a:ext>
+                  </a:extLst>
+                </a:gridCol>
+              </a:tblGrid>
+              <a:tr h="370840">
+                <a:tc>
+                  <a:txBody>
+                    <a:bodyPr/>
+                    <a:lstStyle/>
+                    <a:p>
+                      <a:r>
+                        <a:rPr lang="tr-TR" dirty="0" err="1"/>
+                        <a:t>tc_no</a:t>
+                      </a:r>
+                      <a:endParaRPr lang="tr-TR" dirty="0"/>
+                    </a:p>
+                  </a:txBody>
+                  <a:tcPr/>
+                </a:tc>
+                <a:tc>
+                  <a:txBody>
+                    <a:bodyPr/>
+                    <a:lstStyle/>
+                    <a:p>
+                      <a:r>
+                        <a:rPr lang="tr-TR" dirty="0" err="1"/>
+                        <a:t>ad_soyad</a:t>
+                      </a:r>
+                      <a:endParaRPr lang="tr-TR" dirty="0"/>
+                    </a:p>
+                  </a:txBody>
+                  <a:tcPr/>
+                </a:tc>
+                <a:tc>
+                  <a:txBody>
+                    <a:bodyPr/>
+                    <a:lstStyle/>
+                    <a:p>
+                      <a:r>
+                        <a:rPr lang="tr-TR" dirty="0"/>
+                        <a:t>telefon</a:t>
+                      </a:r>
+                    </a:p>
+                  </a:txBody>
+                  <a:tcPr/>
+                </a:tc>
+                <a:tc>
+                  <a:txBody>
+                    <a:bodyPr/>
+                    <a:lstStyle/>
+                    <a:p>
+                      <a:r>
+                        <a:rPr lang="tr-TR" dirty="0"/>
+                        <a:t>foto</a:t>
+                      </a:r>
+                    </a:p>
+                  </a:txBody>
+                  <a:tcPr/>
+                </a:tc>
+                <a:extLst>
+                  <a:ext uri="{0D108BD9-81ED-4DB2-BD59-A6C34878D82A}">
+                    <a16:rowId xmlns:a16="http://schemas.microsoft.com/office/drawing/2014/main" val="97499758"/>
+                  </a:ext>
+                </a:extLst>
+              </a:tr>
+              <a:tr h="370840">
+                <a:tc>
+                  <a:txBody>
+                    <a:bodyPr/>
+                    <a:lstStyle/>
+                    <a:p>
+                      <a:endParaRPr lang="tr-TR" dirty="0"/>
+                    </a:p>
+                  </a:txBody>
+                  <a:tcPr/>
+                </a:tc>
+                <a:tc>
+                  <a:txBody>
+                    <a:bodyPr/>
+                    <a:lstStyle/>
+                    <a:p>
+                      <a:endParaRPr lang="tr-TR"/>
+                    </a:p>
+                  </a:txBody>
+                  <a:tcPr/>
+                </a:tc>
+                <a:tc>
+                  <a:txBody>
+                    <a:bodyPr/>
+                    <a:lstStyle/>
+                    <a:p>
+                      <a:endParaRPr lang="tr-TR"/>
+                    </a:p>
+                  </a:txBody>
+                  <a:tcPr/>
+                </a:tc>
+                <a:tc>
+                  <a:txBody>
+                    <a:bodyPr/>
+                    <a:lstStyle/>
+                    <a:p>
+                      <a:endParaRPr lang="tr-TR"/>
+                    </a:p>
+                  </a:txBody>
+                  <a:tcPr/>
+                </a:tc>
+                <a:extLst>
+                  <a:ext uri="{0D108BD9-81ED-4DB2-BD59-A6C34878D82A}">
+                    <a16:rowId xmlns:a16="http://schemas.microsoft.com/office/drawing/2014/main" val="3010534455"/>
+                  </a:ext>
+                </a:extLst>
+              </a:tr>
+              <a:tr h="370840">
+                <a:tc>
+                  <a:txBody>
+                    <a:bodyPr/>
+                    <a:lstStyle/>
+                    <a:p>
+                      <a:endParaRPr lang="tr-TR"/>
+                    </a:p>
+                  </a:txBody>
+                  <a:tcPr/>
+                </a:tc>
+                <a:tc>
+                  <a:txBody>
+                    <a:bodyPr/>
+                    <a:lstStyle/>
+                    <a:p>
+                      <a:endParaRPr lang="tr-TR"/>
+                    </a:p>
+                  </a:txBody>
+                  <a:tcPr/>
+                </a:tc>
+                <a:tc>
+                  <a:txBody>
+                    <a:bodyPr/>
+                    <a:lstStyle/>
+                    <a:p>
+                      <a:endParaRPr lang="tr-TR"/>
+                    </a:p>
+                  </a:txBody>
+                  <a:tcPr/>
+                </a:tc>
+                <a:tc>
+                  <a:txBody>
+                    <a:bodyPr/>
+                    <a:lstStyle/>
+                    <a:p>
+                      <a:endParaRPr lang="tr-TR"/>
+                    </a:p>
+                  </a:txBody>
+                  <a:tcPr/>
+                </a:tc>
+                <a:extLst>
+                  <a:ext uri="{0D108BD9-81ED-4DB2-BD59-A6C34878D82A}">
+                    <a16:rowId xmlns:a16="http://schemas.microsoft.com/office/drawing/2014/main" val="3215064701"/>
+                  </a:ext>
+                </a:extLst>
+              </a:tr>
+              <a:tr h="370840">
+                <a:tc>
+                  <a:txBody>
+                    <a:bodyPr/>
+                    <a:lstStyle/>
+                    <a:p>
+                      <a:endParaRPr lang="tr-TR"/>
+                    </a:p>
+                  </a:txBody>
+                  <a:tcPr/>
+                </a:tc>
+                <a:tc>
+                  <a:txBody>
+                    <a:bodyPr/>
+                    <a:lstStyle/>
+                    <a:p>
+                      <a:endParaRPr lang="tr-TR"/>
+                    </a:p>
+                  </a:txBody>
+                  <a:tcPr/>
+                </a:tc>
+                <a:tc>
+                  <a:txBody>
+                    <a:bodyPr/>
+                    <a:lstStyle/>
+                    <a:p>
+                      <a:endParaRPr lang="tr-TR"/>
+                    </a:p>
+                  </a:txBody>
+                  <a:tcPr/>
+                </a:tc>
+                <a:tc>
+                  <a:txBody>
+                    <a:bodyPr/>
+                    <a:lstStyle/>
+                    <a:p>
+                      <a:endParaRPr lang="tr-TR"/>
+                    </a:p>
+                  </a:txBody>
+                  <a:tcPr/>
+                </a:tc>
+                <a:extLst>
+                  <a:ext uri="{0D108BD9-81ED-4DB2-BD59-A6C34878D82A}">
+                    <a16:rowId xmlns:a16="http://schemas.microsoft.com/office/drawing/2014/main" val="206866039"/>
+                  </a:ext>
+                </a:extLst>
+              </a:tr>
+              <a:tr h="370840">
+                <a:tc>
+                  <a:txBody>
+                    <a:bodyPr/>
+                    <a:lstStyle/>
+                    <a:p>
+                      <a:endParaRPr lang="tr-TR" dirty="0"/>
+                    </a:p>
+                  </a:txBody>
+                  <a:tcPr/>
+                </a:tc>
+                <a:tc>
+                  <a:txBody>
+                    <a:bodyPr/>
+                    <a:lstStyle/>
+                    <a:p>
+                      <a:endParaRPr lang="tr-TR"/>
+                    </a:p>
+                  </a:txBody>
+                  <a:tcPr/>
+                </a:tc>
+                <a:tc>
+                  <a:txBody>
+                    <a:bodyPr/>
+                    <a:lstStyle/>
+                    <a:p>
+                      <a:endParaRPr lang="tr-TR" dirty="0"/>
+                    </a:p>
+                  </a:txBody>
+                  <a:tcPr/>
+                </a:tc>
+                <a:tc>
+                  <a:txBody>
+                    <a:bodyPr/>
+                    <a:lstStyle/>
+                    <a:p>
+                      <a:endParaRPr lang="tr-TR" dirty="0"/>
+                    </a:p>
+                  </a:txBody>
+                  <a:tcPr/>
+                </a:tc>
+                <a:extLst>
+                  <a:ext uri="{0D108BD9-81ED-4DB2-BD59-A6C34878D82A}">
+                    <a16:rowId xmlns:a16="http://schemas.microsoft.com/office/drawing/2014/main" val="3117032260"/>
+                  </a:ext>
+                </a:extLst>
+              </a:tr>
+            </a:tbl>
+          </a:graphicData>
+        </a:graphic>
+      </p:graphicFrame>
+      <p:graphicFrame>
+        <p:nvGraphicFramePr>
+          <p:cNvPr id="8" name="Table 7">
+            <a:extLst>
+              <a:ext uri="{FF2B5EF4-FFF2-40B4-BE49-F238E27FC236}">
+                <a16:creationId xmlns:a16="http://schemas.microsoft.com/office/drawing/2014/main" id="{A171B3CE-21D9-DF61-E7C4-D37F60F2ED58}"/>
+              </a:ext>
+            </a:extLst>
+          </p:cNvPr>
+          <p:cNvGraphicFramePr>
+            <a:graphicFrameLocks noGrp="1"/>
+          </p:cNvGraphicFramePr>
+          <p:nvPr>
+            <p:extLst>
+              <p:ext uri="{D42A27DB-BD31-4B8C-83A1-F6EECF244321}">
+                <p14:modId xmlns:p14="http://schemas.microsoft.com/office/powerpoint/2010/main" val="4035969912"/>
+              </p:ext>
+            </p:extLst>
+          </p:nvPr>
+        </p:nvGraphicFramePr>
+        <p:xfrm>
+          <a:off x="5018312" y="2757714"/>
+          <a:ext cx="3614060" cy="1854200"/>
+        </p:xfrm>
+        <a:graphic>
+          <a:graphicData uri="http://schemas.openxmlformats.org/drawingml/2006/table">
+            <a:tbl>
+              <a:tblPr firstRow="1" bandRow="1">
+                <a:tableStyleId>{5940675A-B579-460E-94D1-54222C63F5DA}</a:tableStyleId>
+              </a:tblPr>
+              <a:tblGrid>
+                <a:gridCol w="1115554">
+                  <a:extLst>
+                    <a:ext uri="{9D8B030D-6E8A-4147-A177-3AD203B41FA5}">
+                      <a16:colId xmlns:a16="http://schemas.microsoft.com/office/drawing/2014/main" val="1400457249"/>
+                    </a:ext>
+                  </a:extLst>
+                </a:gridCol>
+                <a:gridCol w="1135995">
+                  <a:extLst>
+                    <a:ext uri="{9D8B030D-6E8A-4147-A177-3AD203B41FA5}">
+                      <a16:colId xmlns:a16="http://schemas.microsoft.com/office/drawing/2014/main" val="474643128"/>
+                    </a:ext>
+                  </a:extLst>
+                </a:gridCol>
+                <a:gridCol w="1362511">
+                  <a:extLst>
+                    <a:ext uri="{9D8B030D-6E8A-4147-A177-3AD203B41FA5}">
+                      <a16:colId xmlns:a16="http://schemas.microsoft.com/office/drawing/2014/main" val="1379110036"/>
+                    </a:ext>
+                  </a:extLst>
+                </a:gridCol>
+              </a:tblGrid>
+              <a:tr h="370840">
+                <a:tc>
+                  <a:txBody>
+                    <a:bodyPr/>
+                    <a:lstStyle/>
+                    <a:p>
+                      <a:r>
+                        <a:rPr lang="tr-TR" dirty="0"/>
+                        <a:t>ilçe</a:t>
+                      </a:r>
+                    </a:p>
+                  </a:txBody>
+                  <a:tcPr/>
+                </a:tc>
+                <a:tc>
+                  <a:txBody>
+                    <a:bodyPr/>
+                    <a:lstStyle/>
+                    <a:p>
+                      <a:r>
+                        <a:rPr lang="tr-TR" dirty="0"/>
+                        <a:t>il</a:t>
+                      </a:r>
+                    </a:p>
+                  </a:txBody>
+                  <a:tcPr/>
+                </a:tc>
+                <a:tc>
+                  <a:txBody>
+                    <a:bodyPr/>
+                    <a:lstStyle/>
+                    <a:p>
+                      <a:r>
+                        <a:rPr lang="tr-TR" dirty="0"/>
+                        <a:t>nüfus</a:t>
+                      </a:r>
+                    </a:p>
+                  </a:txBody>
+                  <a:tcPr/>
+                </a:tc>
+                <a:extLst>
+                  <a:ext uri="{0D108BD9-81ED-4DB2-BD59-A6C34878D82A}">
+                    <a16:rowId xmlns:a16="http://schemas.microsoft.com/office/drawing/2014/main" val="97499758"/>
+                  </a:ext>
+                </a:extLst>
+              </a:tr>
+              <a:tr h="370840">
+                <a:tc>
+                  <a:txBody>
+                    <a:bodyPr/>
+                    <a:lstStyle/>
+                    <a:p>
+                      <a:endParaRPr lang="tr-TR" dirty="0"/>
+                    </a:p>
+                  </a:txBody>
+                  <a:tcPr/>
+                </a:tc>
+                <a:tc>
+                  <a:txBody>
+                    <a:bodyPr/>
+                    <a:lstStyle/>
+                    <a:p>
+                      <a:endParaRPr lang="tr-TR"/>
+                    </a:p>
+                  </a:txBody>
+                  <a:tcPr/>
+                </a:tc>
+                <a:tc>
+                  <a:txBody>
+                    <a:bodyPr/>
+                    <a:lstStyle/>
+                    <a:p>
+                      <a:endParaRPr lang="tr-TR"/>
+                    </a:p>
+                  </a:txBody>
+                  <a:tcPr/>
+                </a:tc>
+                <a:extLst>
+                  <a:ext uri="{0D108BD9-81ED-4DB2-BD59-A6C34878D82A}">
+                    <a16:rowId xmlns:a16="http://schemas.microsoft.com/office/drawing/2014/main" val="3010534455"/>
+                  </a:ext>
+                </a:extLst>
+              </a:tr>
+              <a:tr h="370840">
+                <a:tc>
+                  <a:txBody>
+                    <a:bodyPr/>
+                    <a:lstStyle/>
+                    <a:p>
+                      <a:endParaRPr lang="tr-TR"/>
+                    </a:p>
+                  </a:txBody>
+                  <a:tcPr/>
+                </a:tc>
+                <a:tc>
+                  <a:txBody>
+                    <a:bodyPr/>
+                    <a:lstStyle/>
+                    <a:p>
+                      <a:endParaRPr lang="tr-TR"/>
+                    </a:p>
+                  </a:txBody>
+                  <a:tcPr/>
+                </a:tc>
+                <a:tc>
+                  <a:txBody>
+                    <a:bodyPr/>
+                    <a:lstStyle/>
+                    <a:p>
+                      <a:endParaRPr lang="tr-TR"/>
+                    </a:p>
+                  </a:txBody>
+                  <a:tcPr/>
+                </a:tc>
+                <a:extLst>
+                  <a:ext uri="{0D108BD9-81ED-4DB2-BD59-A6C34878D82A}">
+                    <a16:rowId xmlns:a16="http://schemas.microsoft.com/office/drawing/2014/main" val="3215064701"/>
+                  </a:ext>
+                </a:extLst>
+              </a:tr>
+              <a:tr h="370840">
+                <a:tc>
+                  <a:txBody>
+                    <a:bodyPr/>
+                    <a:lstStyle/>
+                    <a:p>
+                      <a:endParaRPr lang="tr-TR"/>
+                    </a:p>
+                  </a:txBody>
+                  <a:tcPr/>
+                </a:tc>
+                <a:tc>
+                  <a:txBody>
+                    <a:bodyPr/>
+                    <a:lstStyle/>
+                    <a:p>
+                      <a:endParaRPr lang="tr-TR"/>
+                    </a:p>
+                  </a:txBody>
+                  <a:tcPr/>
+                </a:tc>
+                <a:tc>
+                  <a:txBody>
+                    <a:bodyPr/>
+                    <a:lstStyle/>
+                    <a:p>
+                      <a:endParaRPr lang="tr-TR"/>
+                    </a:p>
+                  </a:txBody>
+                  <a:tcPr/>
+                </a:tc>
+                <a:extLst>
+                  <a:ext uri="{0D108BD9-81ED-4DB2-BD59-A6C34878D82A}">
+                    <a16:rowId xmlns:a16="http://schemas.microsoft.com/office/drawing/2014/main" val="206866039"/>
+                  </a:ext>
+                </a:extLst>
+              </a:tr>
+              <a:tr h="370840">
+                <a:tc>
+                  <a:txBody>
+                    <a:bodyPr/>
+                    <a:lstStyle/>
+                    <a:p>
+                      <a:endParaRPr lang="tr-TR"/>
+                    </a:p>
+                  </a:txBody>
+                  <a:tcPr/>
+                </a:tc>
+                <a:tc>
+                  <a:txBody>
+                    <a:bodyPr/>
+                    <a:lstStyle/>
+                    <a:p>
+                      <a:endParaRPr lang="tr-TR"/>
+                    </a:p>
+                  </a:txBody>
+                  <a:tcPr/>
+                </a:tc>
+                <a:tc>
+                  <a:txBody>
+                    <a:bodyPr/>
+                    <a:lstStyle/>
+                    <a:p>
+                      <a:endParaRPr lang="tr-TR" dirty="0"/>
+                    </a:p>
+                  </a:txBody>
+                  <a:tcPr/>
+                </a:tc>
+                <a:extLst>
+                  <a:ext uri="{0D108BD9-81ED-4DB2-BD59-A6C34878D82A}">
+                    <a16:rowId xmlns:a16="http://schemas.microsoft.com/office/drawing/2014/main" val="3117032260"/>
+                  </a:ext>
+                </a:extLst>
+              </a:tr>
+            </a:tbl>
+          </a:graphicData>
+        </a:graphic>
+      </p:graphicFrame>
+      <p:sp>
+        <p:nvSpPr>
+          <p:cNvPr id="11" name="TextBox 10">
+            <a:extLst>
+              <a:ext uri="{FF2B5EF4-FFF2-40B4-BE49-F238E27FC236}">
+                <a16:creationId xmlns:a16="http://schemas.microsoft.com/office/drawing/2014/main" id="{566356F5-8AFB-9590-B89A-274AB6BFCB57}"/>
+              </a:ext>
+            </a:extLst>
+          </p:cNvPr>
+          <p:cNvSpPr txBox="1"/>
+          <p:nvPr/>
+        </p:nvSpPr>
+        <p:spPr>
+          <a:xfrm>
+            <a:off x="421822" y="2315697"/>
+            <a:ext cx="732893" cy="369332"/>
+          </a:xfrm>
+          <a:prstGeom prst="rect">
+            <a:avLst/>
+          </a:prstGeom>
+          <a:noFill/>
+        </p:spPr>
+        <p:txBody>
+          <a:bodyPr wrap="none" rtlCol="0">
+            <a:spAutoFit/>
+          </a:bodyPr>
+          <a:lstStyle/>
+          <a:p>
             <a:r>
               <a:rPr lang="tr-TR" dirty="0" err="1"/>
-              <a:t>Implementer</a:t>
-            </a:r>
-            <a:r>
-              <a:rPr lang="tr-TR" dirty="0"/>
-              <a:t>): DBMS sistemini kuran kişidir.</a:t>
-            </a:r>
-          </a:p>
-          <a:p>
-            <a:r>
-              <a:rPr lang="tr-TR" dirty="0"/>
-              <a:t>DB Tasarımcısı (Designer): DB şemasını kuran kişidir.</a:t>
-            </a:r>
-          </a:p>
-          <a:p>
-            <a:r>
-              <a:rPr lang="tr-TR" dirty="0"/>
-              <a:t>DB Uygulama Geliştiricisi (Application Developer): Son kullanıcının DB ile etkileşime geçmesini sağlayan uygulamayı geliştiren kişidir. Aynı DB üzerinde 1'den çok uygulama çalışabilir. Bir e-ticaret </a:t>
-            </a:r>
+              <a:t>kisiler</a:t>
+            </a:r>
+            <a:endParaRPr lang="tr-TR" dirty="0"/>
+          </a:p>
+        </p:txBody>
+      </p:sp>
+      <p:sp>
+        <p:nvSpPr>
+          <p:cNvPr id="12" name="TextBox 11">
+            <a:extLst>
+              <a:ext uri="{FF2B5EF4-FFF2-40B4-BE49-F238E27FC236}">
+                <a16:creationId xmlns:a16="http://schemas.microsoft.com/office/drawing/2014/main" id="{6DD9E3AC-9D1F-58B3-05A6-BF88293EADDB}"/>
+              </a:ext>
+            </a:extLst>
+          </p:cNvPr>
+          <p:cNvSpPr txBox="1"/>
+          <p:nvPr/>
+        </p:nvSpPr>
+        <p:spPr>
+          <a:xfrm>
+            <a:off x="4928508" y="2315697"/>
+            <a:ext cx="1690656" cy="369332"/>
+          </a:xfrm>
+          <a:prstGeom prst="rect">
+            <a:avLst/>
+          </a:prstGeom>
+          <a:noFill/>
+        </p:spPr>
+        <p:txBody>
+          <a:bodyPr wrap="none" rtlCol="0">
+            <a:spAutoFit/>
+          </a:bodyPr>
+          <a:lstStyle/>
+          <a:p>
             <a:r>
               <a:rPr lang="tr-TR" dirty="0" err="1"/>
-              <a:t>DB'si</a:t>
-            </a:r>
-            <a:r>
-              <a:rPr lang="tr-TR" dirty="0"/>
-              <a:t> üzerinde web satış uygulaması, stok takip uygulaması, raporlama uygulamaları vb. çalışabilir.</a:t>
-            </a:r>
-          </a:p>
-          <a:p>
-            <a:r>
-              <a:rPr lang="tr-TR" dirty="0"/>
-              <a:t>DB Yöneticisi (Administrator): </a:t>
+              <a:t>yerlesim_yerleri</a:t>
+            </a:r>
+            <a:endParaRPr lang="tr-TR" dirty="0"/>
+          </a:p>
+        </p:txBody>
+      </p:sp>
+      <p:sp>
+        <p:nvSpPr>
+          <p:cNvPr id="3" name="TextBox 2">
+            <a:extLst>
+              <a:ext uri="{FF2B5EF4-FFF2-40B4-BE49-F238E27FC236}">
+                <a16:creationId xmlns:a16="http://schemas.microsoft.com/office/drawing/2014/main" id="{0C56956E-DEB6-84C7-3A97-55FEC708108F}"/>
+              </a:ext>
+            </a:extLst>
+          </p:cNvPr>
+          <p:cNvSpPr txBox="1"/>
+          <p:nvPr/>
+        </p:nvSpPr>
+        <p:spPr>
+          <a:xfrm>
+            <a:off x="628650" y="4797980"/>
+            <a:ext cx="7886700" cy="1477328"/>
+          </a:xfrm>
+          <a:prstGeom prst="rect">
+            <a:avLst/>
+          </a:prstGeom>
+          <a:noFill/>
+        </p:spPr>
+        <p:txBody>
+          <a:bodyPr wrap="square" rtlCol="0">
+            <a:spAutoFit/>
+          </a:bodyPr>
+          <a:lstStyle/>
+          <a:p>
+            <a:pPr marL="285750" indent="-285750">
+              <a:buFont typeface="Arial" panose="020B0604020202020204" pitchFamily="34" charset="0"/>
+              <a:buChar char="•"/>
+            </a:pPr>
+            <a:r>
+              <a:rPr lang="tr-TR" dirty="0"/>
+              <a:t>Her sütunun (özelliğin) bir tipi (</a:t>
             </a:r>
             <a:r>
               <a:rPr lang="tr-TR" dirty="0" err="1"/>
-              <a:t>Veritabanını</a:t>
-            </a:r>
-            <a:r>
-              <a:rPr lang="tr-TR" dirty="0"/>
-              <a:t> çalışır hale getiren ve düzgünce çalışır halde kalmasını sağlayan kişidir.</a:t>
-            </a:r>
-          </a:p>
-          <a:p>
-            <a:endParaRPr lang="tr-TR" dirty="0"/>
+              <a:t>type</a:t>
+            </a:r>
+            <a:r>
+              <a:rPr lang="tr-TR" dirty="0"/>
+              <a:t>, domain) olmalıdır.</a:t>
+            </a:r>
+          </a:p>
+          <a:p>
+            <a:pPr marL="285750" indent="-285750">
+              <a:buFont typeface="Arial" panose="020B0604020202020204" pitchFamily="34" charset="0"/>
+              <a:buChar char="•"/>
+            </a:pPr>
+            <a:r>
+              <a:rPr lang="tr-TR" dirty="0"/>
+              <a:t>Şema: </a:t>
+            </a:r>
+            <a:r>
+              <a:rPr lang="tr-TR" dirty="0" err="1"/>
+              <a:t>Veritabanındaki</a:t>
+            </a:r>
+            <a:r>
+              <a:rPr lang="tr-TR" dirty="0"/>
+              <a:t> tabloların yapısal tanımlamaları.</a:t>
+            </a:r>
+          </a:p>
+          <a:p>
+            <a:pPr marL="285750" indent="-285750">
+              <a:buFont typeface="Arial" panose="020B0604020202020204" pitchFamily="34" charset="0"/>
+              <a:buChar char="•"/>
+            </a:pPr>
+            <a:r>
+              <a:rPr lang="tr-TR" dirty="0"/>
+              <a:t>Oluşum (</a:t>
+            </a:r>
+            <a:r>
+              <a:rPr lang="tr-TR" dirty="0" err="1"/>
+              <a:t>Instance</a:t>
+            </a:r>
+            <a:r>
+              <a:rPr lang="tr-TR" dirty="0"/>
+              <a:t>): Bir </a:t>
+            </a:r>
+            <a:r>
+              <a:rPr lang="tr-TR" i="1" dirty="0"/>
+              <a:t>t</a:t>
+            </a:r>
+            <a:r>
+              <a:rPr lang="tr-TR" dirty="0"/>
+              <a:t> anındaki </a:t>
+            </a:r>
+            <a:r>
+              <a:rPr lang="tr-TR" dirty="0" err="1"/>
+              <a:t>varolan</a:t>
+            </a:r>
+            <a:r>
+              <a:rPr lang="tr-TR" dirty="0"/>
+              <a:t> içerikler.</a:t>
+            </a:r>
+          </a:p>
+          <a:p>
+            <a:pPr marL="285750" indent="-285750">
+              <a:buFont typeface="Arial" panose="020B0604020202020204" pitchFamily="34" charset="0"/>
+              <a:buChar char="•"/>
+            </a:pPr>
+            <a:r>
+              <a:rPr lang="tr-TR" dirty="0"/>
+              <a:t>Kayıtlarda </a:t>
+            </a:r>
+            <a:r>
+              <a:rPr lang="tr-TR" i="1" dirty="0"/>
+              <a:t>NULL</a:t>
+            </a:r>
+            <a:r>
+              <a:rPr lang="tr-TR" dirty="0"/>
+              <a:t> değerler olabilir.</a:t>
+            </a:r>
+          </a:p>
+          <a:p>
+            <a:pPr marL="285750" indent="-285750">
+              <a:buFont typeface="Arial" panose="020B0604020202020204" pitchFamily="34" charset="0"/>
+              <a:buChar char="•"/>
+            </a:pPr>
+            <a:r>
+              <a:rPr lang="tr-TR" dirty="0"/>
+              <a:t>Anahtar (</a:t>
+            </a:r>
+            <a:r>
+              <a:rPr lang="tr-TR" dirty="0" err="1"/>
+              <a:t>Key</a:t>
+            </a:r>
+            <a:r>
+              <a:rPr lang="tr-TR" dirty="0"/>
+              <a:t>): Satırı diğer satırlardan ayıran benzersiz (</a:t>
+            </a:r>
+            <a:r>
+              <a:rPr lang="tr-TR" dirty="0" err="1"/>
+              <a:t>Unique</a:t>
+            </a:r>
+            <a:r>
+              <a:rPr lang="tr-TR" dirty="0"/>
+              <a:t>) değer(</a:t>
+            </a:r>
+            <a:r>
+              <a:rPr lang="tr-TR" dirty="0" err="1"/>
+              <a:t>ler</a:t>
+            </a:r>
+            <a:r>
+              <a:rPr lang="tr-TR" dirty="0"/>
+              <a:t>).</a:t>
+            </a:r>
           </a:p>
         </p:txBody>
       </p:sp>
     </p:spTree>
     <p:extLst>
       <p:ext uri="{BB962C8B-B14F-4D97-AF65-F5344CB8AC3E}">
-        <p14:creationId xmlns:p14="http://schemas.microsoft.com/office/powerpoint/2010/main" val="3272398997"/>
+        <p14:creationId xmlns:p14="http://schemas.microsoft.com/office/powerpoint/2010/main" val="2156046153"/>
       </p:ext>
     </p:extLst>
   </p:cSld>

--- a/Slides/Ders 0.pptx
+++ b/Slides/Ders 0.pptx
@@ -4,6 +4,9 @@
   <p:sldMasterIdLst>
     <p:sldMasterId id="2147483660" r:id="rId1"/>
   </p:sldMasterIdLst>
+  <p:notesMasterIdLst>
+    <p:notesMasterId r:id="rId16"/>
+  </p:notesMasterIdLst>
   <p:sldIdLst>
     <p:sldId id="256" r:id="rId2"/>
     <p:sldId id="258" r:id="rId3"/>
@@ -125,6 +128,440 @@
 </p:presentation>
 </file>
 
+<file path=ppt/notesMasters/notesMaster1.xml><?xml version="1.0" encoding="utf-8"?>
+<p:notesMaster xmlns:a="http://schemas.openxmlformats.org/drawingml/2006/main" xmlns:r="http://schemas.openxmlformats.org/officeDocument/2006/relationships" xmlns:p="http://schemas.openxmlformats.org/presentationml/2006/main">
+  <p:cSld>
+    <p:bg>
+      <p:bgRef idx="1001">
+        <a:schemeClr val="bg1"/>
+      </p:bgRef>
+    </p:bg>
+    <p:spTree>
+      <p:nvGrpSpPr>
+        <p:cNvPr id="1" name=""/>
+        <p:cNvGrpSpPr/>
+        <p:nvPr/>
+      </p:nvGrpSpPr>
+      <p:grpSpPr>
+        <a:xfrm>
+          <a:off x="0" y="0"/>
+          <a:ext cx="0" cy="0"/>
+          <a:chOff x="0" y="0"/>
+          <a:chExt cx="0" cy="0"/>
+        </a:xfrm>
+      </p:grpSpPr>
+      <p:sp>
+        <p:nvSpPr>
+          <p:cNvPr id="2" name="Header Placeholder 1"/>
+          <p:cNvSpPr>
+            <a:spLocks noGrp="1"/>
+          </p:cNvSpPr>
+          <p:nvPr>
+            <p:ph type="hdr" sz="quarter"/>
+          </p:nvPr>
+        </p:nvSpPr>
+        <p:spPr>
+          <a:xfrm>
+            <a:off x="0" y="0"/>
+            <a:ext cx="2971800" cy="458788"/>
+          </a:xfrm>
+          <a:prstGeom prst="rect">
+            <a:avLst/>
+          </a:prstGeom>
+        </p:spPr>
+        <p:txBody>
+          <a:bodyPr vert="horz" lIns="91440" tIns="45720" rIns="91440" bIns="45720" rtlCol="0"/>
+          <a:lstStyle>
+            <a:lvl1pPr algn="l">
+              <a:defRPr sz="1200"/>
+            </a:lvl1pPr>
+          </a:lstStyle>
+          <a:p>
+            <a:endParaRPr lang="tr-TR"/>
+          </a:p>
+        </p:txBody>
+      </p:sp>
+      <p:sp>
+        <p:nvSpPr>
+          <p:cNvPr id="3" name="Date Placeholder 2"/>
+          <p:cNvSpPr>
+            <a:spLocks noGrp="1"/>
+          </p:cNvSpPr>
+          <p:nvPr>
+            <p:ph type="dt" idx="1"/>
+          </p:nvPr>
+        </p:nvSpPr>
+        <p:spPr>
+          <a:xfrm>
+            <a:off x="3884613" y="0"/>
+            <a:ext cx="2971800" cy="458788"/>
+          </a:xfrm>
+          <a:prstGeom prst="rect">
+            <a:avLst/>
+          </a:prstGeom>
+        </p:spPr>
+        <p:txBody>
+          <a:bodyPr vert="horz" lIns="91440" tIns="45720" rIns="91440" bIns="45720" rtlCol="0"/>
+          <a:lstStyle>
+            <a:lvl1pPr algn="r">
+              <a:defRPr sz="1200"/>
+            </a:lvl1pPr>
+          </a:lstStyle>
+          <a:p>
+            <a:fld id="{DD4244C5-5D67-C540-97C4-F007CFC432EF}" type="datetimeFigureOut">
+              <a:rPr lang="tr-TR" smtClean="0"/>
+              <a:t>2.03.2023</a:t>
+            </a:fld>
+            <a:endParaRPr lang="tr-TR"/>
+          </a:p>
+        </p:txBody>
+      </p:sp>
+      <p:sp>
+        <p:nvSpPr>
+          <p:cNvPr id="4" name="Slide Image Placeholder 3"/>
+          <p:cNvSpPr>
+            <a:spLocks noGrp="1" noRot="1" noChangeAspect="1"/>
+          </p:cNvSpPr>
+          <p:nvPr>
+            <p:ph type="sldImg" idx="2"/>
+          </p:nvPr>
+        </p:nvSpPr>
+        <p:spPr>
+          <a:xfrm>
+            <a:off x="1371600" y="1143000"/>
+            <a:ext cx="4114800" cy="3086100"/>
+          </a:xfrm>
+          <a:prstGeom prst="rect">
+            <a:avLst/>
+          </a:prstGeom>
+          <a:noFill/>
+          <a:ln w="12700">
+            <a:solidFill>
+              <a:prstClr val="black"/>
+            </a:solidFill>
+          </a:ln>
+        </p:spPr>
+        <p:txBody>
+          <a:bodyPr vert="horz" lIns="91440" tIns="45720" rIns="91440" bIns="45720" rtlCol="0" anchor="ctr"/>
+          <a:lstStyle/>
+          <a:p>
+            <a:endParaRPr lang="tr-TR"/>
+          </a:p>
+        </p:txBody>
+      </p:sp>
+      <p:sp>
+        <p:nvSpPr>
+          <p:cNvPr id="5" name="Notes Placeholder 4"/>
+          <p:cNvSpPr>
+            <a:spLocks noGrp="1"/>
+          </p:cNvSpPr>
+          <p:nvPr>
+            <p:ph type="body" sz="quarter" idx="3"/>
+          </p:nvPr>
+        </p:nvSpPr>
+        <p:spPr>
+          <a:xfrm>
+            <a:off x="685800" y="4400550"/>
+            <a:ext cx="5486400" cy="3600450"/>
+          </a:xfrm>
+          <a:prstGeom prst="rect">
+            <a:avLst/>
+          </a:prstGeom>
+        </p:spPr>
+        <p:txBody>
+          <a:bodyPr vert="horz" lIns="91440" tIns="45720" rIns="91440" bIns="45720" rtlCol="0"/>
+          <a:lstStyle/>
+          <a:p>
+            <a:pPr lvl="0"/>
+            <a:r>
+              <a:rPr lang="en-US"/>
+              <a:t>Click to edit Master text styles</a:t>
+            </a:r>
+          </a:p>
+          <a:p>
+            <a:pPr lvl="1"/>
+            <a:r>
+              <a:rPr lang="en-US"/>
+              <a:t>Second level</a:t>
+            </a:r>
+          </a:p>
+          <a:p>
+            <a:pPr lvl="2"/>
+            <a:r>
+              <a:rPr lang="en-US"/>
+              <a:t>Third level</a:t>
+            </a:r>
+          </a:p>
+          <a:p>
+            <a:pPr lvl="3"/>
+            <a:r>
+              <a:rPr lang="en-US"/>
+              <a:t>Fourth level</a:t>
+            </a:r>
+          </a:p>
+          <a:p>
+            <a:pPr lvl="4"/>
+            <a:r>
+              <a:rPr lang="en-US"/>
+              <a:t>Fifth level</a:t>
+            </a:r>
+            <a:endParaRPr lang="tr-TR"/>
+          </a:p>
+        </p:txBody>
+      </p:sp>
+      <p:sp>
+        <p:nvSpPr>
+          <p:cNvPr id="6" name="Footer Placeholder 5"/>
+          <p:cNvSpPr>
+            <a:spLocks noGrp="1"/>
+          </p:cNvSpPr>
+          <p:nvPr>
+            <p:ph type="ftr" sz="quarter" idx="4"/>
+          </p:nvPr>
+        </p:nvSpPr>
+        <p:spPr>
+          <a:xfrm>
+            <a:off x="0" y="8685213"/>
+            <a:ext cx="2971800" cy="458787"/>
+          </a:xfrm>
+          <a:prstGeom prst="rect">
+            <a:avLst/>
+          </a:prstGeom>
+        </p:spPr>
+        <p:txBody>
+          <a:bodyPr vert="horz" lIns="91440" tIns="45720" rIns="91440" bIns="45720" rtlCol="0" anchor="b"/>
+          <a:lstStyle>
+            <a:lvl1pPr algn="l">
+              <a:defRPr sz="1200"/>
+            </a:lvl1pPr>
+          </a:lstStyle>
+          <a:p>
+            <a:endParaRPr lang="tr-TR"/>
+          </a:p>
+        </p:txBody>
+      </p:sp>
+      <p:sp>
+        <p:nvSpPr>
+          <p:cNvPr id="7" name="Slide Number Placeholder 6"/>
+          <p:cNvSpPr>
+            <a:spLocks noGrp="1"/>
+          </p:cNvSpPr>
+          <p:nvPr>
+            <p:ph type="sldNum" sz="quarter" idx="5"/>
+          </p:nvPr>
+        </p:nvSpPr>
+        <p:spPr>
+          <a:xfrm>
+            <a:off x="3884613" y="8685213"/>
+            <a:ext cx="2971800" cy="458787"/>
+          </a:xfrm>
+          <a:prstGeom prst="rect">
+            <a:avLst/>
+          </a:prstGeom>
+        </p:spPr>
+        <p:txBody>
+          <a:bodyPr vert="horz" lIns="91440" tIns="45720" rIns="91440" bIns="45720" rtlCol="0" anchor="b"/>
+          <a:lstStyle>
+            <a:lvl1pPr algn="r">
+              <a:defRPr sz="1200"/>
+            </a:lvl1pPr>
+          </a:lstStyle>
+          <a:p>
+            <a:fld id="{6F61CF0A-6864-C34D-AF93-337DF143A8FA}" type="slidenum">
+              <a:rPr lang="tr-TR" smtClean="0"/>
+              <a:t>‹#›</a:t>
+            </a:fld>
+            <a:endParaRPr lang="tr-TR"/>
+          </a:p>
+        </p:txBody>
+      </p:sp>
+    </p:spTree>
+    <p:extLst>
+      <p:ext uri="{BB962C8B-B14F-4D97-AF65-F5344CB8AC3E}">
+        <p14:creationId xmlns:p14="http://schemas.microsoft.com/office/powerpoint/2010/main" val="2330939434"/>
+      </p:ext>
+    </p:extLst>
+  </p:cSld>
+  <p:clrMap bg1="lt1" tx1="dk1" bg2="lt2" tx2="dk2" accent1="accent1" accent2="accent2" accent3="accent3" accent4="accent4" accent5="accent5" accent6="accent6" hlink="hlink" folHlink="folHlink"/>
+  <p:notesStyle>
+    <a:lvl1pPr marL="0" algn="l" defTabSz="914400" rtl="0" eaLnBrk="1" latinLnBrk="0" hangingPunct="1">
+      <a:defRPr sz="1200" kern="1200">
+        <a:solidFill>
+          <a:schemeClr val="tx1"/>
+        </a:solidFill>
+        <a:latin typeface="+mn-lt"/>
+        <a:ea typeface="+mn-ea"/>
+        <a:cs typeface="+mn-cs"/>
+      </a:defRPr>
+    </a:lvl1pPr>
+    <a:lvl2pPr marL="457200" algn="l" defTabSz="914400" rtl="0" eaLnBrk="1" latinLnBrk="0" hangingPunct="1">
+      <a:defRPr sz="1200" kern="1200">
+        <a:solidFill>
+          <a:schemeClr val="tx1"/>
+        </a:solidFill>
+        <a:latin typeface="+mn-lt"/>
+        <a:ea typeface="+mn-ea"/>
+        <a:cs typeface="+mn-cs"/>
+      </a:defRPr>
+    </a:lvl2pPr>
+    <a:lvl3pPr marL="914400" algn="l" defTabSz="914400" rtl="0" eaLnBrk="1" latinLnBrk="0" hangingPunct="1">
+      <a:defRPr sz="1200" kern="1200">
+        <a:solidFill>
+          <a:schemeClr val="tx1"/>
+        </a:solidFill>
+        <a:latin typeface="+mn-lt"/>
+        <a:ea typeface="+mn-ea"/>
+        <a:cs typeface="+mn-cs"/>
+      </a:defRPr>
+    </a:lvl3pPr>
+    <a:lvl4pPr marL="1371600" algn="l" defTabSz="914400" rtl="0" eaLnBrk="1" latinLnBrk="0" hangingPunct="1">
+      <a:defRPr sz="1200" kern="1200">
+        <a:solidFill>
+          <a:schemeClr val="tx1"/>
+        </a:solidFill>
+        <a:latin typeface="+mn-lt"/>
+        <a:ea typeface="+mn-ea"/>
+        <a:cs typeface="+mn-cs"/>
+      </a:defRPr>
+    </a:lvl4pPr>
+    <a:lvl5pPr marL="1828800" algn="l" defTabSz="914400" rtl="0" eaLnBrk="1" latinLnBrk="0" hangingPunct="1">
+      <a:defRPr sz="1200" kern="1200">
+        <a:solidFill>
+          <a:schemeClr val="tx1"/>
+        </a:solidFill>
+        <a:latin typeface="+mn-lt"/>
+        <a:ea typeface="+mn-ea"/>
+        <a:cs typeface="+mn-cs"/>
+      </a:defRPr>
+    </a:lvl5pPr>
+    <a:lvl6pPr marL="2286000" algn="l" defTabSz="914400" rtl="0" eaLnBrk="1" latinLnBrk="0" hangingPunct="1">
+      <a:defRPr sz="1200" kern="1200">
+        <a:solidFill>
+          <a:schemeClr val="tx1"/>
+        </a:solidFill>
+        <a:latin typeface="+mn-lt"/>
+        <a:ea typeface="+mn-ea"/>
+        <a:cs typeface="+mn-cs"/>
+      </a:defRPr>
+    </a:lvl6pPr>
+    <a:lvl7pPr marL="2743200" algn="l" defTabSz="914400" rtl="0" eaLnBrk="1" latinLnBrk="0" hangingPunct="1">
+      <a:defRPr sz="1200" kern="1200">
+        <a:solidFill>
+          <a:schemeClr val="tx1"/>
+        </a:solidFill>
+        <a:latin typeface="+mn-lt"/>
+        <a:ea typeface="+mn-ea"/>
+        <a:cs typeface="+mn-cs"/>
+      </a:defRPr>
+    </a:lvl7pPr>
+    <a:lvl8pPr marL="3200400" algn="l" defTabSz="914400" rtl="0" eaLnBrk="1" latinLnBrk="0" hangingPunct="1">
+      <a:defRPr sz="1200" kern="1200">
+        <a:solidFill>
+          <a:schemeClr val="tx1"/>
+        </a:solidFill>
+        <a:latin typeface="+mn-lt"/>
+        <a:ea typeface="+mn-ea"/>
+        <a:cs typeface="+mn-cs"/>
+      </a:defRPr>
+    </a:lvl8pPr>
+    <a:lvl9pPr marL="3657600" algn="l" defTabSz="914400" rtl="0" eaLnBrk="1" latinLnBrk="0" hangingPunct="1">
+      <a:defRPr sz="1200" kern="1200">
+        <a:solidFill>
+          <a:schemeClr val="tx1"/>
+        </a:solidFill>
+        <a:latin typeface="+mn-lt"/>
+        <a:ea typeface="+mn-ea"/>
+        <a:cs typeface="+mn-cs"/>
+      </a:defRPr>
+    </a:lvl9pPr>
+  </p:notesStyle>
+</p:notesMaster>
+</file>
+
+<file path=ppt/notesSlides/notesSlide1.xml><?xml version="1.0" encoding="utf-8"?>
+<p:notes xmlns:a="http://schemas.openxmlformats.org/drawingml/2006/main" xmlns:r="http://schemas.openxmlformats.org/officeDocument/2006/relationships" xmlns:p="http://schemas.openxmlformats.org/presentationml/2006/main">
+  <p:cSld>
+    <p:spTree>
+      <p:nvGrpSpPr>
+        <p:cNvPr id="1" name=""/>
+        <p:cNvGrpSpPr/>
+        <p:nvPr/>
+      </p:nvGrpSpPr>
+      <p:grpSpPr>
+        <a:xfrm>
+          <a:off x="0" y="0"/>
+          <a:ext cx="0" cy="0"/>
+          <a:chOff x="0" y="0"/>
+          <a:chExt cx="0" cy="0"/>
+        </a:xfrm>
+      </p:grpSpPr>
+      <p:sp>
+        <p:nvSpPr>
+          <p:cNvPr id="2" name="Slide Image Placeholder 1"/>
+          <p:cNvSpPr>
+            <a:spLocks noGrp="1" noRot="1" noChangeAspect="1"/>
+          </p:cNvSpPr>
+          <p:nvPr>
+            <p:ph type="sldImg"/>
+          </p:nvPr>
+        </p:nvSpPr>
+        <p:spPr/>
+      </p:sp>
+      <p:sp>
+        <p:nvSpPr>
+          <p:cNvPr id="3" name="Notes Placeholder 2"/>
+          <p:cNvSpPr>
+            <a:spLocks noGrp="1"/>
+          </p:cNvSpPr>
+          <p:nvPr>
+            <p:ph type="body" idx="1"/>
+          </p:nvPr>
+        </p:nvSpPr>
+        <p:spPr/>
+        <p:txBody>
+          <a:bodyPr/>
+          <a:lstStyle/>
+          <a:p>
+            <a:endParaRPr lang="tr-TR" dirty="0"/>
+          </a:p>
+        </p:txBody>
+      </p:sp>
+      <p:sp>
+        <p:nvSpPr>
+          <p:cNvPr id="4" name="Slide Number Placeholder 3"/>
+          <p:cNvSpPr>
+            <a:spLocks noGrp="1"/>
+          </p:cNvSpPr>
+          <p:nvPr>
+            <p:ph type="sldNum" sz="quarter" idx="5"/>
+          </p:nvPr>
+        </p:nvSpPr>
+        <p:spPr/>
+        <p:txBody>
+          <a:bodyPr/>
+          <a:lstStyle/>
+          <a:p>
+            <a:fld id="{6F61CF0A-6864-C34D-AF93-337DF143A8FA}" type="slidenum">
+              <a:rPr lang="tr-TR" smtClean="0"/>
+              <a:t>13</a:t>
+            </a:fld>
+            <a:endParaRPr lang="tr-TR"/>
+          </a:p>
+        </p:txBody>
+      </p:sp>
+    </p:spTree>
+    <p:extLst>
+      <p:ext uri="{BB962C8B-B14F-4D97-AF65-F5344CB8AC3E}">
+        <p14:creationId xmlns:p14="http://schemas.microsoft.com/office/powerpoint/2010/main" val="3535748390"/>
+      </p:ext>
+    </p:extLst>
+  </p:cSld>
+  <p:clrMapOvr>
+    <a:masterClrMapping/>
+  </p:clrMapOvr>
+</p:notes>
+</file>
+
 <file path=ppt/slideLayouts/slideLayout1.xml><?xml version="1.0" encoding="utf-8"?>
 <p:sldLayout xmlns:a="http://schemas.openxmlformats.org/drawingml/2006/main" xmlns:r="http://schemas.openxmlformats.org/officeDocument/2006/relationships" xmlns:p="http://schemas.openxmlformats.org/presentationml/2006/main" type="title" preserve="1">
   <p:cSld name="Title Slide">
@@ -256,7 +693,7 @@
           <a:p>
             <a:fld id="{26396F4E-1D0B-3F44-AA0F-A3430AE5742F}" type="datetimeFigureOut">
               <a:rPr lang="tr-TR" smtClean="0"/>
-              <a:t>20.02.2023</a:t>
+              <a:t>2.03.2023</a:t>
             </a:fld>
             <a:endParaRPr lang="tr-TR"/>
           </a:p>
@@ -426,7 +863,7 @@
           <a:p>
             <a:fld id="{26396F4E-1D0B-3F44-AA0F-A3430AE5742F}" type="datetimeFigureOut">
               <a:rPr lang="tr-TR" smtClean="0"/>
-              <a:t>20.02.2023</a:t>
+              <a:t>2.03.2023</a:t>
             </a:fld>
             <a:endParaRPr lang="tr-TR"/>
           </a:p>
@@ -606,7 +1043,7 @@
           <a:p>
             <a:fld id="{26396F4E-1D0B-3F44-AA0F-A3430AE5742F}" type="datetimeFigureOut">
               <a:rPr lang="tr-TR" smtClean="0"/>
-              <a:t>20.02.2023</a:t>
+              <a:t>2.03.2023</a:t>
             </a:fld>
             <a:endParaRPr lang="tr-TR"/>
           </a:p>
@@ -776,7 +1213,7 @@
           <a:p>
             <a:fld id="{26396F4E-1D0B-3F44-AA0F-A3430AE5742F}" type="datetimeFigureOut">
               <a:rPr lang="tr-TR" smtClean="0"/>
-              <a:t>20.02.2023</a:t>
+              <a:t>2.03.2023</a:t>
             </a:fld>
             <a:endParaRPr lang="tr-TR"/>
           </a:p>
@@ -1020,7 +1457,7 @@
           <a:p>
             <a:fld id="{26396F4E-1D0B-3F44-AA0F-A3430AE5742F}" type="datetimeFigureOut">
               <a:rPr lang="tr-TR" smtClean="0"/>
-              <a:t>20.02.2023</a:t>
+              <a:t>2.03.2023</a:t>
             </a:fld>
             <a:endParaRPr lang="tr-TR"/>
           </a:p>
@@ -1252,7 +1689,7 @@
           <a:p>
             <a:fld id="{26396F4E-1D0B-3F44-AA0F-A3430AE5742F}" type="datetimeFigureOut">
               <a:rPr lang="tr-TR" smtClean="0"/>
-              <a:t>20.02.2023</a:t>
+              <a:t>2.03.2023</a:t>
             </a:fld>
             <a:endParaRPr lang="tr-TR"/>
           </a:p>
@@ -1619,7 +2056,7 @@
           <a:p>
             <a:fld id="{26396F4E-1D0B-3F44-AA0F-A3430AE5742F}" type="datetimeFigureOut">
               <a:rPr lang="tr-TR" smtClean="0"/>
-              <a:t>20.02.2023</a:t>
+              <a:t>2.03.2023</a:t>
             </a:fld>
             <a:endParaRPr lang="tr-TR"/>
           </a:p>
@@ -1737,7 +2174,7 @@
           <a:p>
             <a:fld id="{26396F4E-1D0B-3F44-AA0F-A3430AE5742F}" type="datetimeFigureOut">
               <a:rPr lang="tr-TR" smtClean="0"/>
-              <a:t>20.02.2023</a:t>
+              <a:t>2.03.2023</a:t>
             </a:fld>
             <a:endParaRPr lang="tr-TR"/>
           </a:p>
@@ -1832,7 +2269,7 @@
           <a:p>
             <a:fld id="{26396F4E-1D0B-3F44-AA0F-A3430AE5742F}" type="datetimeFigureOut">
               <a:rPr lang="tr-TR" smtClean="0"/>
-              <a:t>20.02.2023</a:t>
+              <a:t>2.03.2023</a:t>
             </a:fld>
             <a:endParaRPr lang="tr-TR"/>
           </a:p>
@@ -2109,7 +2546,7 @@
           <a:p>
             <a:fld id="{26396F4E-1D0B-3F44-AA0F-A3430AE5742F}" type="datetimeFigureOut">
               <a:rPr lang="tr-TR" smtClean="0"/>
-              <a:t>20.02.2023</a:t>
+              <a:t>2.03.2023</a:t>
             </a:fld>
             <a:endParaRPr lang="tr-TR"/>
           </a:p>
@@ -2366,7 +2803,7 @@
           <a:p>
             <a:fld id="{26396F4E-1D0B-3F44-AA0F-A3430AE5742F}" type="datetimeFigureOut">
               <a:rPr lang="tr-TR" smtClean="0"/>
-              <a:t>20.02.2023</a:t>
+              <a:t>2.03.2023</a:t>
             </a:fld>
             <a:endParaRPr lang="tr-TR"/>
           </a:p>
@@ -2579,7 +3016,7 @@
           <a:p>
             <a:fld id="{26396F4E-1D0B-3F44-AA0F-A3430AE5742F}" type="datetimeFigureOut">
               <a:rPr lang="tr-TR" smtClean="0"/>
-              <a:t>20.02.2023</a:t>
+              <a:t>2.03.2023</a:t>
             </a:fld>
             <a:endParaRPr lang="tr-TR"/>
           </a:p>
@@ -5231,11 +5668,11 @@
             </a:r>
             <a:r>
               <a:rPr lang="tr-TR" dirty="0" err="1"/>
-              <a:t>übys</a:t>
-            </a:r>
-            <a:r>
-              <a:rPr lang="tr-TR" dirty="0"/>
-              <a:t> sayfası (</a:t>
+              <a:t>teams</a:t>
+            </a:r>
+            <a:r>
+              <a:rPr lang="tr-TR" dirty="0"/>
+              <a:t> grubu (</a:t>
             </a:r>
             <a:r>
               <a:rPr lang="tr-TR" b="1" dirty="0"/>
@@ -7268,15 +7705,7 @@
             </a:r>
             <a:r>
               <a:rPr lang="tr-TR" dirty="0"/>
-              <a:t> anındaki </a:t>
-            </a:r>
-            <a:r>
-              <a:rPr lang="tr-TR" dirty="0" err="1"/>
-              <a:t>varolan</a:t>
-            </a:r>
-            <a:r>
-              <a:rPr lang="tr-TR" dirty="0"/>
-              <a:t> içerikler.</a:t>
+              <a:t> anındaki var olan içerikler.</a:t>
             </a:r>
           </a:p>
           <a:p>
@@ -7605,4 +8034,299 @@
     </a:ext>
   </a:extLst>
 </a:theme>
+</file>
+
+<file path=ppt/theme/theme2.xml><?xml version="1.0" encoding="utf-8"?>
+<a:theme xmlns:a="http://schemas.openxmlformats.org/drawingml/2006/main" name="Office Theme">
+  <a:themeElements>
+    <a:clrScheme name="Office">
+      <a:dk1>
+        <a:sysClr val="windowText" lastClr="000000"/>
+      </a:dk1>
+      <a:lt1>
+        <a:sysClr val="window" lastClr="FFFFFF"/>
+      </a:lt1>
+      <a:dk2>
+        <a:srgbClr val="44546A"/>
+      </a:dk2>
+      <a:lt2>
+        <a:srgbClr val="E7E6E6"/>
+      </a:lt2>
+      <a:accent1>
+        <a:srgbClr val="4472C4"/>
+      </a:accent1>
+      <a:accent2>
+        <a:srgbClr val="ED7D31"/>
+      </a:accent2>
+      <a:accent3>
+        <a:srgbClr val="A5A5A5"/>
+      </a:accent3>
+      <a:accent4>
+        <a:srgbClr val="FFC000"/>
+      </a:accent4>
+      <a:accent5>
+        <a:srgbClr val="5B9BD5"/>
+      </a:accent5>
+      <a:accent6>
+        <a:srgbClr val="70AD47"/>
+      </a:accent6>
+      <a:hlink>
+        <a:srgbClr val="0563C1"/>
+      </a:hlink>
+      <a:folHlink>
+        <a:srgbClr val="954F72"/>
+      </a:folHlink>
+    </a:clrScheme>
+    <a:fontScheme name="Office">
+      <a:majorFont>
+        <a:latin typeface="Calibri Light" panose="020F0302020204030204"/>
+        <a:ea typeface=""/>
+        <a:cs typeface=""/>
+        <a:font script="Jpan" typeface="游ゴシック Light"/>
+        <a:font script="Hang" typeface="맑은 고딕"/>
+        <a:font script="Hans" typeface="等线 Light"/>
+        <a:font script="Hant" typeface="新細明體"/>
+        <a:font script="Arab" typeface="Times New Roman"/>
+        <a:font script="Hebr" typeface="Times New Roman"/>
+        <a:font script="Thai" typeface="Angsana New"/>
+        <a:font script="Ethi" typeface="Nyala"/>
+        <a:font script="Beng" typeface="Vrinda"/>
+        <a:font script="Gujr" typeface="Shruti"/>
+        <a:font script="Khmr" typeface="MoolBoran"/>
+        <a:font script="Knda" typeface="Tunga"/>
+        <a:font script="Guru" typeface="Raavi"/>
+        <a:font script="Cans" typeface="Euphemia"/>
+        <a:font script="Cher" typeface="Plantagenet Cherokee"/>
+        <a:font script="Yiii" typeface="Microsoft Yi Baiti"/>
+        <a:font script="Tibt" typeface="Microsoft Himalaya"/>
+        <a:font script="Thaa" typeface="MV Boli"/>
+        <a:font script="Deva" typeface="Mangal"/>
+        <a:font script="Telu" typeface="Gautami"/>
+        <a:font script="Taml" typeface="Latha"/>
+        <a:font script="Syrc" typeface="Estrangelo Edessa"/>
+        <a:font script="Orya" typeface="Kalinga"/>
+        <a:font script="Mlym" typeface="Kartika"/>
+        <a:font script="Laoo" typeface="DokChampa"/>
+        <a:font script="Sinh" typeface="Iskoola Pota"/>
+        <a:font script="Mong" typeface="Mongolian Baiti"/>
+        <a:font script="Viet" typeface="Times New Roman"/>
+        <a:font script="Uigh" typeface="Microsoft Uighur"/>
+        <a:font script="Geor" typeface="Sylfaen"/>
+        <a:font script="Armn" typeface="Arial"/>
+        <a:font script="Bugi" typeface="Leelawadee UI"/>
+        <a:font script="Bopo" typeface="Microsoft JhengHei"/>
+        <a:font script="Java" typeface="Javanese Text"/>
+        <a:font script="Lisu" typeface="Segoe UI"/>
+        <a:font script="Mymr" typeface="Myanmar Text"/>
+        <a:font script="Nkoo" typeface="Ebrima"/>
+        <a:font script="Olck" typeface="Nirmala UI"/>
+        <a:font script="Osma" typeface="Ebrima"/>
+        <a:font script="Phag" typeface="Phagspa"/>
+        <a:font script="Syrn" typeface="Estrangelo Edessa"/>
+        <a:font script="Syrj" typeface="Estrangelo Edessa"/>
+        <a:font script="Syre" typeface="Estrangelo Edessa"/>
+        <a:font script="Sora" typeface="Nirmala UI"/>
+        <a:font script="Tale" typeface="Microsoft Tai Le"/>
+        <a:font script="Talu" typeface="Microsoft New Tai Lue"/>
+        <a:font script="Tfng" typeface="Ebrima"/>
+      </a:majorFont>
+      <a:minorFont>
+        <a:latin typeface="Calibri" panose="020F0502020204030204"/>
+        <a:ea typeface=""/>
+        <a:cs typeface=""/>
+        <a:font script="Jpan" typeface="游ゴシック"/>
+        <a:font script="Hang" typeface="맑은 고딕"/>
+        <a:font script="Hans" typeface="等线"/>
+        <a:font script="Hant" typeface="新細明體"/>
+        <a:font script="Arab" typeface="Arial"/>
+        <a:font script="Hebr" typeface="Arial"/>
+        <a:font script="Thai" typeface="Cordia New"/>
+        <a:font script="Ethi" typeface="Nyala"/>
+        <a:font script="Beng" typeface="Vrinda"/>
+        <a:font script="Gujr" typeface="Shruti"/>
+        <a:font script="Khmr" typeface="DaunPenh"/>
+        <a:font script="Knda" typeface="Tunga"/>
+        <a:font script="Guru" typeface="Raavi"/>
+        <a:font script="Cans" typeface="Euphemia"/>
+        <a:font script="Cher" typeface="Plantagenet Cherokee"/>
+        <a:font script="Yiii" typeface="Microsoft Yi Baiti"/>
+        <a:font script="Tibt" typeface="Microsoft Himalaya"/>
+        <a:font script="Thaa" typeface="MV Boli"/>
+        <a:font script="Deva" typeface="Mangal"/>
+        <a:font script="Telu" typeface="Gautami"/>
+        <a:font script="Taml" typeface="Latha"/>
+        <a:font script="Syrc" typeface="Estrangelo Edessa"/>
+        <a:font script="Orya" typeface="Kalinga"/>
+        <a:font script="Mlym" typeface="Kartika"/>
+        <a:font script="Laoo" typeface="DokChampa"/>
+        <a:font script="Sinh" typeface="Iskoola Pota"/>
+        <a:font script="Mong" typeface="Mongolian Baiti"/>
+        <a:font script="Viet" typeface="Arial"/>
+        <a:font script="Uigh" typeface="Microsoft Uighur"/>
+        <a:font script="Geor" typeface="Sylfaen"/>
+        <a:font script="Armn" typeface="Arial"/>
+        <a:font script="Bugi" typeface="Leelawadee UI"/>
+        <a:font script="Bopo" typeface="Microsoft JhengHei"/>
+        <a:font script="Java" typeface="Javanese Text"/>
+        <a:font script="Lisu" typeface="Segoe UI"/>
+        <a:font script="Mymr" typeface="Myanmar Text"/>
+        <a:font script="Nkoo" typeface="Ebrima"/>
+        <a:font script="Olck" typeface="Nirmala UI"/>
+        <a:font script="Osma" typeface="Ebrima"/>
+        <a:font script="Phag" typeface="Phagspa"/>
+        <a:font script="Syrn" typeface="Estrangelo Edessa"/>
+        <a:font script="Syrj" typeface="Estrangelo Edessa"/>
+        <a:font script="Syre" typeface="Estrangelo Edessa"/>
+        <a:font script="Sora" typeface="Nirmala UI"/>
+        <a:font script="Tale" typeface="Microsoft Tai Le"/>
+        <a:font script="Talu" typeface="Microsoft New Tai Lue"/>
+        <a:font script="Tfng" typeface="Ebrima"/>
+      </a:minorFont>
+    </a:fontScheme>
+    <a:fmtScheme name="Office">
+      <a:fillStyleLst>
+        <a:solidFill>
+          <a:schemeClr val="phClr"/>
+        </a:solidFill>
+        <a:gradFill rotWithShape="1">
+          <a:gsLst>
+            <a:gs pos="0">
+              <a:schemeClr val="phClr">
+                <a:lumMod val="110000"/>
+                <a:satMod val="105000"/>
+                <a:tint val="67000"/>
+              </a:schemeClr>
+            </a:gs>
+            <a:gs pos="50000">
+              <a:schemeClr val="phClr">
+                <a:lumMod val="105000"/>
+                <a:satMod val="103000"/>
+                <a:tint val="73000"/>
+              </a:schemeClr>
+            </a:gs>
+            <a:gs pos="100000">
+              <a:schemeClr val="phClr">
+                <a:lumMod val="105000"/>
+                <a:satMod val="109000"/>
+                <a:tint val="81000"/>
+              </a:schemeClr>
+            </a:gs>
+          </a:gsLst>
+          <a:lin ang="5400000" scaled="0"/>
+        </a:gradFill>
+        <a:gradFill rotWithShape="1">
+          <a:gsLst>
+            <a:gs pos="0">
+              <a:schemeClr val="phClr">
+                <a:satMod val="103000"/>
+                <a:lumMod val="102000"/>
+                <a:tint val="94000"/>
+              </a:schemeClr>
+            </a:gs>
+            <a:gs pos="50000">
+              <a:schemeClr val="phClr">
+                <a:satMod val="110000"/>
+                <a:lumMod val="100000"/>
+                <a:shade val="100000"/>
+              </a:schemeClr>
+            </a:gs>
+            <a:gs pos="100000">
+              <a:schemeClr val="phClr">
+                <a:lumMod val="99000"/>
+                <a:satMod val="120000"/>
+                <a:shade val="78000"/>
+              </a:schemeClr>
+            </a:gs>
+          </a:gsLst>
+          <a:lin ang="5400000" scaled="0"/>
+        </a:gradFill>
+      </a:fillStyleLst>
+      <a:lnStyleLst>
+        <a:ln w="6350" cap="flat" cmpd="sng" algn="ctr">
+          <a:solidFill>
+            <a:schemeClr val="phClr"/>
+          </a:solidFill>
+          <a:prstDash val="solid"/>
+          <a:miter lim="800000"/>
+        </a:ln>
+        <a:ln w="12700" cap="flat" cmpd="sng" algn="ctr">
+          <a:solidFill>
+            <a:schemeClr val="phClr"/>
+          </a:solidFill>
+          <a:prstDash val="solid"/>
+          <a:miter lim="800000"/>
+        </a:ln>
+        <a:ln w="19050" cap="flat" cmpd="sng" algn="ctr">
+          <a:solidFill>
+            <a:schemeClr val="phClr"/>
+          </a:solidFill>
+          <a:prstDash val="solid"/>
+          <a:miter lim="800000"/>
+        </a:ln>
+      </a:lnStyleLst>
+      <a:effectStyleLst>
+        <a:effectStyle>
+          <a:effectLst/>
+        </a:effectStyle>
+        <a:effectStyle>
+          <a:effectLst/>
+        </a:effectStyle>
+        <a:effectStyle>
+          <a:effectLst>
+            <a:outerShdw blurRad="57150" dist="19050" dir="5400000" algn="ctr" rotWithShape="0">
+              <a:srgbClr val="000000">
+                <a:alpha val="63000"/>
+              </a:srgbClr>
+            </a:outerShdw>
+          </a:effectLst>
+        </a:effectStyle>
+      </a:effectStyleLst>
+      <a:bgFillStyleLst>
+        <a:solidFill>
+          <a:schemeClr val="phClr"/>
+        </a:solidFill>
+        <a:solidFill>
+          <a:schemeClr val="phClr">
+            <a:tint val="95000"/>
+            <a:satMod val="170000"/>
+          </a:schemeClr>
+        </a:solidFill>
+        <a:gradFill rotWithShape="1">
+          <a:gsLst>
+            <a:gs pos="0">
+              <a:schemeClr val="phClr">
+                <a:tint val="93000"/>
+                <a:satMod val="150000"/>
+                <a:shade val="98000"/>
+                <a:lumMod val="102000"/>
+              </a:schemeClr>
+            </a:gs>
+            <a:gs pos="50000">
+              <a:schemeClr val="phClr">
+                <a:tint val="98000"/>
+                <a:satMod val="130000"/>
+                <a:shade val="90000"/>
+                <a:lumMod val="103000"/>
+              </a:schemeClr>
+            </a:gs>
+            <a:gs pos="100000">
+              <a:schemeClr val="phClr">
+                <a:shade val="63000"/>
+                <a:satMod val="120000"/>
+              </a:schemeClr>
+            </a:gs>
+          </a:gsLst>
+          <a:lin ang="5400000" scaled="0"/>
+        </a:gradFill>
+      </a:bgFillStyleLst>
+    </a:fmtScheme>
+  </a:themeElements>
+  <a:objectDefaults/>
+  <a:extraClrSchemeLst/>
+  <a:extLst>
+    <a:ext uri="{05A4C25C-085E-4340-85A3-A5531E510DB2}">
+      <thm15:themeFamily xmlns:thm15="http://schemas.microsoft.com/office/thememl/2012/main" name="Office Theme" id="{62F939B6-93AF-4DB8-9C6B-D6C7DFDC589F}" vid="{4A3C46E8-61CC-4603-A589-7422A47A8E4A}"/>
+    </a:ext>
+  </a:extLst>
+</a:theme>
 </file>
--- a/Slides/Ders 0.pptx
+++ b/Slides/Ders 0.pptx
@@ -210,7 +210,7 @@
           <a:p>
             <a:fld id="{DD4244C5-5D67-C540-97C4-F007CFC432EF}" type="datetimeFigureOut">
               <a:rPr lang="tr-TR" smtClean="0"/>
-              <a:t>2.03.2023</a:t>
+              <a:t>18.02.2024</a:t>
             </a:fld>
             <a:endParaRPr lang="tr-TR"/>
           </a:p>
@@ -693,7 +693,7 @@
           <a:p>
             <a:fld id="{26396F4E-1D0B-3F44-AA0F-A3430AE5742F}" type="datetimeFigureOut">
               <a:rPr lang="tr-TR" smtClean="0"/>
-              <a:t>2.03.2023</a:t>
+              <a:t>18.02.2024</a:t>
             </a:fld>
             <a:endParaRPr lang="tr-TR"/>
           </a:p>
@@ -863,7 +863,7 @@
           <a:p>
             <a:fld id="{26396F4E-1D0B-3F44-AA0F-A3430AE5742F}" type="datetimeFigureOut">
               <a:rPr lang="tr-TR" smtClean="0"/>
-              <a:t>2.03.2023</a:t>
+              <a:t>18.02.2024</a:t>
             </a:fld>
             <a:endParaRPr lang="tr-TR"/>
           </a:p>
@@ -1043,7 +1043,7 @@
           <a:p>
             <a:fld id="{26396F4E-1D0B-3F44-AA0F-A3430AE5742F}" type="datetimeFigureOut">
               <a:rPr lang="tr-TR" smtClean="0"/>
-              <a:t>2.03.2023</a:t>
+              <a:t>18.02.2024</a:t>
             </a:fld>
             <a:endParaRPr lang="tr-TR"/>
           </a:p>
@@ -1213,7 +1213,7 @@
           <a:p>
             <a:fld id="{26396F4E-1D0B-3F44-AA0F-A3430AE5742F}" type="datetimeFigureOut">
               <a:rPr lang="tr-TR" smtClean="0"/>
-              <a:t>2.03.2023</a:t>
+              <a:t>18.02.2024</a:t>
             </a:fld>
             <a:endParaRPr lang="tr-TR"/>
           </a:p>
@@ -1457,7 +1457,7 @@
           <a:p>
             <a:fld id="{26396F4E-1D0B-3F44-AA0F-A3430AE5742F}" type="datetimeFigureOut">
               <a:rPr lang="tr-TR" smtClean="0"/>
-              <a:t>2.03.2023</a:t>
+              <a:t>18.02.2024</a:t>
             </a:fld>
             <a:endParaRPr lang="tr-TR"/>
           </a:p>
@@ -1689,7 +1689,7 @@
           <a:p>
             <a:fld id="{26396F4E-1D0B-3F44-AA0F-A3430AE5742F}" type="datetimeFigureOut">
               <a:rPr lang="tr-TR" smtClean="0"/>
-              <a:t>2.03.2023</a:t>
+              <a:t>18.02.2024</a:t>
             </a:fld>
             <a:endParaRPr lang="tr-TR"/>
           </a:p>
@@ -2056,7 +2056,7 @@
           <a:p>
             <a:fld id="{26396F4E-1D0B-3F44-AA0F-A3430AE5742F}" type="datetimeFigureOut">
               <a:rPr lang="tr-TR" smtClean="0"/>
-              <a:t>2.03.2023</a:t>
+              <a:t>18.02.2024</a:t>
             </a:fld>
             <a:endParaRPr lang="tr-TR"/>
           </a:p>
@@ -2174,7 +2174,7 @@
           <a:p>
             <a:fld id="{26396F4E-1D0B-3F44-AA0F-A3430AE5742F}" type="datetimeFigureOut">
               <a:rPr lang="tr-TR" smtClean="0"/>
-              <a:t>2.03.2023</a:t>
+              <a:t>18.02.2024</a:t>
             </a:fld>
             <a:endParaRPr lang="tr-TR"/>
           </a:p>
@@ -2269,7 +2269,7 @@
           <a:p>
             <a:fld id="{26396F4E-1D0B-3F44-AA0F-A3430AE5742F}" type="datetimeFigureOut">
               <a:rPr lang="tr-TR" smtClean="0"/>
-              <a:t>2.03.2023</a:t>
+              <a:t>18.02.2024</a:t>
             </a:fld>
             <a:endParaRPr lang="tr-TR"/>
           </a:p>
@@ -2546,7 +2546,7 @@
           <a:p>
             <a:fld id="{26396F4E-1D0B-3F44-AA0F-A3430AE5742F}" type="datetimeFigureOut">
               <a:rPr lang="tr-TR" smtClean="0"/>
-              <a:t>2.03.2023</a:t>
+              <a:t>18.02.2024</a:t>
             </a:fld>
             <a:endParaRPr lang="tr-TR"/>
           </a:p>
@@ -2803,7 +2803,7 @@
           <a:p>
             <a:fld id="{26396F4E-1D0B-3F44-AA0F-A3430AE5742F}" type="datetimeFigureOut">
               <a:rPr lang="tr-TR" smtClean="0"/>
-              <a:t>2.03.2023</a:t>
+              <a:t>18.02.2024</a:t>
             </a:fld>
             <a:endParaRPr lang="tr-TR"/>
           </a:p>
@@ -3016,7 +3016,7 @@
           <a:p>
             <a:fld id="{26396F4E-1D0B-3F44-AA0F-A3430AE5742F}" type="datetimeFigureOut">
               <a:rPr lang="tr-TR" smtClean="0"/>
-              <a:t>2.03.2023</a:t>
+              <a:t>18.02.2024</a:t>
             </a:fld>
             <a:endParaRPr lang="tr-TR"/>
           </a:p>
@@ -3605,8 +3605,13 @@
           <a:p>
             <a:r>
               <a:rPr lang="tr-TR" dirty="0"/>
-              <a:t>Oda: 329</a:t>
-            </a:r>
+              <a:t>Oda</a:t>
+            </a:r>
+            <a:r>
+              <a:rPr lang="tr-TR"/>
+              <a:t>: 335</a:t>
+            </a:r>
+            <a:endParaRPr lang="tr-TR" dirty="0"/>
           </a:p>
         </p:txBody>
       </p:sp>
@@ -5345,9 +5350,16 @@
         </p:nvSpPr>
         <p:spPr/>
         <p:txBody>
-          <a:bodyPr/>
-          <a:lstStyle/>
-          <a:p>
+          <a:bodyPr>
+            <a:normAutofit fontScale="77500" lnSpcReduction="20000"/>
+          </a:bodyPr>
+          <a:lstStyle/>
+          <a:p>
+            <a:pPr>
+              <a:lnSpc>
+                <a:spcPct val="150000"/>
+              </a:lnSpc>
+            </a:pPr>
             <a:r>
               <a:rPr lang="tr-TR" dirty="0" err="1"/>
               <a:t>PostgreSQL</a:t>
@@ -5366,6 +5378,11 @@
             </a:r>
           </a:p>
           <a:p>
+            <a:pPr>
+              <a:lnSpc>
+                <a:spcPct val="150000"/>
+              </a:lnSpc>
+            </a:pPr>
             <a:r>
               <a:rPr lang="tr-TR" dirty="0" err="1"/>
               <a:t>PostgreSQL'in</a:t>
@@ -5376,6 +5393,11 @@
             </a:r>
           </a:p>
           <a:p>
+            <a:pPr>
+              <a:lnSpc>
+                <a:spcPct val="150000"/>
+              </a:lnSpc>
+            </a:pPr>
             <a:r>
               <a:rPr lang="tr-TR" dirty="0">
                 <a:hlinkClick r:id="rId2"/>
@@ -5659,28 +5681,6 @@
             <a:r>
               <a:rPr lang="tr-TR" dirty="0"/>
               <a:t> çalışmaları…</a:t>
-            </a:r>
-          </a:p>
-          <a:p>
-            <a:r>
-              <a:rPr lang="tr-TR" dirty="0"/>
-              <a:t>Dersin </a:t>
-            </a:r>
-            <a:r>
-              <a:rPr lang="tr-TR" dirty="0" err="1"/>
-              <a:t>teams</a:t>
-            </a:r>
-            <a:r>
-              <a:rPr lang="tr-TR" dirty="0"/>
-              <a:t> grubu (</a:t>
-            </a:r>
-            <a:r>
-              <a:rPr lang="tr-TR" b="1" dirty="0"/>
-              <a:t>haftada en az 2 kez kontrol edilmelidir</a:t>
-            </a:r>
-            <a:r>
-              <a:rPr lang="tr-TR" dirty="0"/>
-              <a:t>)</a:t>
             </a:r>
           </a:p>
           <a:p>
